--- a/卒業論文/2013/安藤勇樹/卒論中間発表_ポスター.pptx
+++ b/卒業論文/2013/安藤勇樹/卒論中間発表_ポスター.pptx
@@ -1919,7 +1919,7 @@
           <a:p>
             <a:fld id="{E0F02D5F-C429-4B0C-9185-7AF1F698AA5A}" type="datetimeFigureOut">
               <a:rPr kumimoji="1" lang="ja-JP" altLang="en-US" smtClean="0"/>
-              <a:t>2014/10/6</a:t>
+              <a:t>2014/10/12</a:t>
             </a:fld>
             <a:endParaRPr kumimoji="1" lang="ja-JP" altLang="en-US"/>
           </a:p>
@@ -2132,7 +2132,7 @@
           <a:p>
             <a:fld id="{E0F02D5F-C429-4B0C-9185-7AF1F698AA5A}" type="datetimeFigureOut">
               <a:rPr kumimoji="1" lang="ja-JP" altLang="en-US" smtClean="0"/>
-              <a:t>2014/10/6</a:t>
+              <a:t>2014/10/12</a:t>
             </a:fld>
             <a:endParaRPr kumimoji="1" lang="ja-JP" altLang="en-US"/>
           </a:p>
@@ -2283,7 +2283,7 @@
           <a:p>
             <a:fld id="{E0F02D5F-C429-4B0C-9185-7AF1F698AA5A}" type="datetimeFigureOut">
               <a:rPr kumimoji="1" lang="ja-JP" altLang="en-US" smtClean="0"/>
-              <a:t>2014/10/6</a:t>
+              <a:t>2014/10/12</a:t>
             </a:fld>
             <a:endParaRPr kumimoji="1" lang="ja-JP" altLang="en-US"/>
           </a:p>
@@ -4173,7 +4173,7 @@
           <a:p>
             <a:fld id="{E0F02D5F-C429-4B0C-9185-7AF1F698AA5A}" type="datetimeFigureOut">
               <a:rPr kumimoji="1" lang="ja-JP" altLang="en-US" smtClean="0"/>
-              <a:t>2014/10/6</a:t>
+              <a:t>2014/10/12</a:t>
             </a:fld>
             <a:endParaRPr kumimoji="1" lang="ja-JP" altLang="en-US"/>
           </a:p>
@@ -6043,7 +6043,7 @@
           <a:p>
             <a:fld id="{E0F02D5F-C429-4B0C-9185-7AF1F698AA5A}" type="datetimeFigureOut">
               <a:rPr kumimoji="1" lang="ja-JP" altLang="en-US" smtClean="0"/>
-              <a:t>2014/10/6</a:t>
+              <a:t>2014/10/12</a:t>
             </a:fld>
             <a:endParaRPr kumimoji="1" lang="ja-JP" altLang="en-US"/>
           </a:p>
@@ -6156,7 +6156,7 @@
           <a:p>
             <a:fld id="{E0F02D5F-C429-4B0C-9185-7AF1F698AA5A}" type="datetimeFigureOut">
               <a:rPr kumimoji="1" lang="ja-JP" altLang="en-US" smtClean="0"/>
-              <a:t>2014/10/6</a:t>
+              <a:t>2014/10/12</a:t>
             </a:fld>
             <a:endParaRPr kumimoji="1" lang="ja-JP" altLang="en-US"/>
           </a:p>
@@ -6825,7 +6825,7 @@
           <a:p>
             <a:fld id="{E0F02D5F-C429-4B0C-9185-7AF1F698AA5A}" type="datetimeFigureOut">
               <a:rPr kumimoji="1" lang="ja-JP" altLang="en-US" smtClean="0"/>
-              <a:t>2014/10/6</a:t>
+              <a:t>2014/10/12</a:t>
             </a:fld>
             <a:endParaRPr kumimoji="1" lang="ja-JP" altLang="en-US"/>
           </a:p>
@@ -6938,7 +6938,7 @@
           <a:p>
             <a:fld id="{E0F02D5F-C429-4B0C-9185-7AF1F698AA5A}" type="datetimeFigureOut">
               <a:rPr kumimoji="1" lang="ja-JP" altLang="en-US" smtClean="0"/>
-              <a:t>2014/10/6</a:t>
+              <a:t>2014/10/12</a:t>
             </a:fld>
             <a:endParaRPr kumimoji="1" lang="ja-JP" altLang="en-US"/>
           </a:p>
@@ -8649,7 +8649,7 @@
           <a:p>
             <a:fld id="{E0F02D5F-C429-4B0C-9185-7AF1F698AA5A}" type="datetimeFigureOut">
               <a:rPr kumimoji="1" lang="ja-JP" altLang="en-US" smtClean="0"/>
-              <a:t>2014/10/6</a:t>
+              <a:t>2014/10/12</a:t>
             </a:fld>
             <a:endParaRPr kumimoji="1" lang="ja-JP" altLang="en-US"/>
           </a:p>
@@ -8800,7 +8800,7 @@
           <a:p>
             <a:fld id="{E0F02D5F-C429-4B0C-9185-7AF1F698AA5A}" type="datetimeFigureOut">
               <a:rPr kumimoji="1" lang="ja-JP" altLang="en-US" smtClean="0"/>
-              <a:t>2014/10/6</a:t>
+              <a:t>2014/10/12</a:t>
             </a:fld>
             <a:endParaRPr kumimoji="1" lang="ja-JP" altLang="en-US"/>
           </a:p>
@@ -12447,7 +12447,7 @@
           <a:p>
             <a:fld id="{E0F02D5F-C429-4B0C-9185-7AF1F698AA5A}" type="datetimeFigureOut">
               <a:rPr kumimoji="1" lang="ja-JP" altLang="en-US" smtClean="0"/>
-              <a:t>2014/10/6</a:t>
+              <a:t>2014/10/12</a:t>
             </a:fld>
             <a:endParaRPr kumimoji="1" lang="ja-JP" altLang="en-US"/>
           </a:p>
@@ -12601,8 +12601,8 @@
 <p:sldMaster xmlns:a="http://schemas.openxmlformats.org/drawingml/2006/main" xmlns:r="http://schemas.openxmlformats.org/officeDocument/2006/relationships" xmlns:p="http://schemas.openxmlformats.org/presentationml/2006/main">
   <p:cSld>
     <p:bg>
-      <p:bgRef idx="1003">
-        <a:schemeClr val="bg2"/>
+      <p:bgRef idx="1001">
+        <a:schemeClr val="bg1"/>
       </p:bgRef>
     </p:bg>
     <p:spTree>
@@ -14306,7 +14306,7 @@
           <a:p>
             <a:fld id="{E0F02D5F-C429-4B0C-9185-7AF1F698AA5A}" type="datetimeFigureOut">
               <a:rPr kumimoji="1" lang="ja-JP" altLang="en-US" smtClean="0"/>
-              <a:t>2014/10/6</a:t>
+              <a:t>2014/10/12</a:t>
             </a:fld>
             <a:endParaRPr kumimoji="1" lang="ja-JP" altLang="en-US"/>
           </a:p>
@@ -15291,6 +15291,7 @@
           <a:bodyPr rtlCol="0" anchor="ctr"/>
           <a:lstStyle/>
           <a:p>
+            <a:pPr algn="ctr"/>
             <a:r>
               <a:rPr kumimoji="1" lang="ja-JP" altLang="en-US" sz="4000" b="1" dirty="0" smtClean="0">
                 <a:latin typeface="ＭＳ ゴシック" pitchFamily="49" charset="-128"/>
@@ -15348,6 +15349,7 @@
           <a:bodyPr rtlCol="0" anchor="ctr"/>
           <a:lstStyle/>
           <a:p>
+            <a:pPr algn="ctr"/>
             <a:r>
               <a:rPr lang="ja-JP" altLang="en-US" sz="4000" b="1" dirty="0">
                 <a:latin typeface="ＭＳ ゴシック" pitchFamily="49" charset="-128"/>
@@ -15405,6 +15407,7 @@
           <a:bodyPr rtlCol="0" anchor="ctr"/>
           <a:lstStyle/>
           <a:p>
+            <a:pPr algn="ctr"/>
             <a:r>
               <a:rPr lang="ja-JP" altLang="en-US" sz="4000" b="1" dirty="0" smtClean="0">
                 <a:latin typeface="ＭＳ ゴシック" pitchFamily="49" charset="-128"/>
@@ -15462,6 +15465,7 @@
           <a:bodyPr rtlCol="0" anchor="ctr"/>
           <a:lstStyle/>
           <a:p>
+            <a:pPr algn="ctr"/>
             <a:r>
               <a:rPr lang="ja-JP" altLang="en-US" sz="4000" b="1" dirty="0">
                 <a:latin typeface="ＭＳ ゴシック" pitchFamily="49" charset="-128"/>
@@ -15576,11 +15580,11 @@
           <a:lstStyle/>
           <a:p>
             <a:pPr marL="457200" indent="-457200">
-              <a:buFont typeface="Arial" pitchFamily="34" charset="0"/>
-              <a:buChar char="•"/>
+              <a:buFont typeface="Wingdings" pitchFamily="2" charset="2"/>
+              <a:buChar char="Ø"/>
             </a:pPr>
             <a:r>
-              <a:rPr lang="ja-JP" altLang="en-US" sz="3500" dirty="0">
+              <a:rPr lang="ja-JP" altLang="en-US" sz="3200" dirty="0">
                 <a:solidFill>
                   <a:schemeClr val="tx1"/>
                 </a:solidFill>
@@ -15590,16 +15594,36 @@
               <a:t>作業</a:t>
             </a:r>
             <a:r>
-              <a:rPr kumimoji="1" lang="ja-JP" altLang="en-US" sz="3500" dirty="0" smtClean="0">
+              <a:rPr kumimoji="1" lang="ja-JP" altLang="en-US" sz="3200" dirty="0" smtClean="0">
                 <a:solidFill>
                   <a:schemeClr val="tx1"/>
                 </a:solidFill>
                 <a:latin typeface="ＭＳ ゴシック" pitchFamily="49" charset="-128"/>
                 <a:ea typeface="ＭＳ ゴシック" pitchFamily="49" charset="-128"/>
               </a:rPr>
-              <a:t>管理に使われる進捗管理ツール</a:t>
-            </a:r>
-            <a:endParaRPr kumimoji="1" lang="en-US" altLang="ja-JP" sz="3500" dirty="0" smtClean="0">
+              <a:t>管理に使われる</a:t>
+            </a:r>
+            <a:endParaRPr kumimoji="1" lang="en-US" altLang="ja-JP" sz="3200" dirty="0" smtClean="0">
+              <a:solidFill>
+                <a:schemeClr val="tx1"/>
+              </a:solidFill>
+              <a:latin typeface="ＭＳ ゴシック" pitchFamily="49" charset="-128"/>
+              <a:ea typeface="ＭＳ ゴシック" pitchFamily="49" charset="-128"/>
+            </a:endParaRPr>
+          </a:p>
+          <a:p>
+            <a:pPr lvl="1"/>
+            <a:r>
+              <a:rPr kumimoji="1" lang="ja-JP" altLang="en-US" sz="3200" dirty="0" smtClean="0">
+                <a:solidFill>
+                  <a:schemeClr val="tx1"/>
+                </a:solidFill>
+                <a:latin typeface="ＭＳ ゴシック" pitchFamily="49" charset="-128"/>
+                <a:ea typeface="ＭＳ ゴシック" pitchFamily="49" charset="-128"/>
+              </a:rPr>
+              <a:t>進捗管理ツール</a:t>
+            </a:r>
+            <a:endParaRPr kumimoji="1" lang="en-US" altLang="ja-JP" sz="3200" dirty="0" smtClean="0">
               <a:solidFill>
                 <a:schemeClr val="tx1"/>
               </a:solidFill>
@@ -15609,18 +15633,38 @@
           </a:p>
           <a:p>
             <a:pPr marL="457200" indent="-457200">
-              <a:buFont typeface="Arial" pitchFamily="34" charset="0"/>
-              <a:buChar char="•"/>
+              <a:buFont typeface="Wingdings" pitchFamily="2" charset="2"/>
+              <a:buChar char="Ø"/>
             </a:pPr>
             <a:r>
-              <a:rPr lang="ja-JP" altLang="en-US" sz="3500" dirty="0" smtClean="0">
+              <a:rPr lang="ja-JP" altLang="en-US" sz="3200" dirty="0" smtClean="0">
                 <a:solidFill>
                   <a:schemeClr val="tx1"/>
                 </a:solidFill>
                 <a:latin typeface="ＭＳ ゴシック" pitchFamily="49" charset="-128"/>
                 <a:ea typeface="ＭＳ ゴシック" pitchFamily="49" charset="-128"/>
               </a:rPr>
-              <a:t>実施すべき作業・変更内容などを記述</a:t>
+              <a:t>実施すべき作業・変更</a:t>
+            </a:r>
+            <a:endParaRPr lang="en-US" altLang="ja-JP" sz="3200" dirty="0" smtClean="0">
+              <a:solidFill>
+                <a:schemeClr val="tx1"/>
+              </a:solidFill>
+              <a:latin typeface="ＭＳ ゴシック" pitchFamily="49" charset="-128"/>
+              <a:ea typeface="ＭＳ ゴシック" pitchFamily="49" charset="-128"/>
+            </a:endParaRPr>
+          </a:p>
+          <a:p>
+            <a:pPr lvl="1"/>
+            <a:r>
+              <a:rPr lang="ja-JP" altLang="en-US" sz="3200" dirty="0" smtClean="0">
+                <a:solidFill>
+                  <a:schemeClr val="tx1"/>
+                </a:solidFill>
+                <a:latin typeface="ＭＳ ゴシック" pitchFamily="49" charset="-128"/>
+                <a:ea typeface="ＭＳ ゴシック" pitchFamily="49" charset="-128"/>
+              </a:rPr>
+              <a:t>内容などを記述</a:t>
             </a:r>
           </a:p>
         </p:txBody>
@@ -15713,10 +15757,10 @@
           </a:xfrm>
           <a:prstGeom prst="leftArrowCallout">
             <a:avLst>
-              <a:gd name="adj1" fmla="val 27922"/>
-              <a:gd name="adj2" fmla="val 25000"/>
-              <a:gd name="adj3" fmla="val 22809"/>
-              <a:gd name="adj4" fmla="val 70396"/>
+              <a:gd name="adj1" fmla="val 23539"/>
+              <a:gd name="adj2" fmla="val 22079"/>
+              <a:gd name="adj3" fmla="val 14775"/>
+              <a:gd name="adj4" fmla="val 80735"/>
             </a:avLst>
           </a:prstGeom>
           <a:solidFill>
@@ -15767,26 +15811,16 @@
           <a:p>
             <a:pPr algn="ctr"/>
             <a:r>
-              <a:rPr kumimoji="1" lang="en-US" altLang="ja-JP" sz="3500" b="1" dirty="0" smtClean="0">
+              <a:rPr kumimoji="1" lang="ja-JP" altLang="en-US" sz="3200" b="1" dirty="0" smtClean="0">
                 <a:solidFill>
                   <a:schemeClr val="tx1"/>
                 </a:solidFill>
                 <a:latin typeface="ＭＳ ゴシック" pitchFamily="49" charset="-128"/>
                 <a:ea typeface="ＭＳ ゴシック" pitchFamily="49" charset="-128"/>
               </a:rPr>
-              <a:t>OSS</a:t>
-            </a:r>
-            <a:r>
-              <a:rPr kumimoji="1" lang="ja-JP" altLang="en-US" sz="3500" b="1" dirty="0" smtClean="0">
-                <a:solidFill>
-                  <a:schemeClr val="tx1"/>
-                </a:solidFill>
-                <a:latin typeface="ＭＳ ゴシック" pitchFamily="49" charset="-128"/>
-                <a:ea typeface="ＭＳ ゴシック" pitchFamily="49" charset="-128"/>
-              </a:rPr>
-              <a:t>開発</a:t>
-            </a:r>
-            <a:endParaRPr kumimoji="1" lang="en-US" altLang="ja-JP" sz="3500" b="1" dirty="0" smtClean="0">
+              <a:t>解析すれば</a:t>
+            </a:r>
+            <a:endParaRPr kumimoji="1" lang="en-US" altLang="ja-JP" sz="3200" b="1" dirty="0" smtClean="0">
               <a:solidFill>
                 <a:schemeClr val="tx1"/>
               </a:solidFill>
@@ -15797,26 +15831,36 @@
           <a:p>
             <a:pPr algn="ctr"/>
             <a:r>
-              <a:rPr kumimoji="1" lang="ja-JP" altLang="en-US" sz="3500" b="1" dirty="0" smtClean="0">
+              <a:rPr kumimoji="1" lang="en-US" altLang="ja-JP" sz="3200" b="1" dirty="0" smtClean="0">
                 <a:solidFill>
                   <a:schemeClr val="tx1"/>
                 </a:solidFill>
                 <a:latin typeface="ＭＳ ゴシック" pitchFamily="49" charset="-128"/>
                 <a:ea typeface="ＭＳ ゴシック" pitchFamily="49" charset="-128"/>
               </a:rPr>
-              <a:t>プロジェクトの分類に使える</a:t>
-            </a:r>
-            <a:r>
-              <a:rPr lang="ja-JP" altLang="en-US" sz="3500" b="1" dirty="0" smtClean="0">
+              <a:t>OSS</a:t>
+            </a:r>
+            <a:r>
+              <a:rPr kumimoji="1" lang="ja-JP" altLang="en-US" sz="3200" b="1" dirty="0" smtClean="0">
                 <a:solidFill>
                   <a:schemeClr val="tx1"/>
                 </a:solidFill>
                 <a:latin typeface="ＭＳ ゴシック" pitchFamily="49" charset="-128"/>
                 <a:ea typeface="ＭＳ ゴシック" pitchFamily="49" charset="-128"/>
               </a:rPr>
-              <a:t>？</a:t>
-            </a:r>
-            <a:endParaRPr kumimoji="1" lang="ja-JP" altLang="en-US" sz="3500" b="1" dirty="0">
+              <a:t>開発プロジェクト</a:t>
+            </a:r>
+            <a:r>
+              <a:rPr lang="ja-JP" altLang="en-US" sz="3200" b="1" dirty="0" smtClean="0">
+                <a:solidFill>
+                  <a:schemeClr val="tx1"/>
+                </a:solidFill>
+                <a:latin typeface="ＭＳ ゴシック" pitchFamily="49" charset="-128"/>
+                <a:ea typeface="ＭＳ ゴシック" pitchFamily="49" charset="-128"/>
+              </a:rPr>
+              <a:t>を幾つかのパターンに分類できる？</a:t>
+            </a:r>
+            <a:endParaRPr kumimoji="1" lang="ja-JP" altLang="en-US" sz="3200" b="1" dirty="0">
               <a:solidFill>
                 <a:schemeClr val="tx1"/>
               </a:solidFill>
@@ -16057,7 +16101,7 @@
           </p:nvSpPr>
           <p:spPr>
             <a:xfrm>
-              <a:off x="1549767" y="12091420"/>
+              <a:off x="1476377" y="12091420"/>
               <a:ext cx="2614703" cy="1015663"/>
             </a:xfrm>
             <a:prstGeom prst="rect">
@@ -16085,6 +16129,7 @@
             </a:bodyPr>
             <a:lstStyle/>
             <a:p>
+              <a:pPr algn="ctr"/>
               <a:r>
                 <a:rPr kumimoji="1" lang="en-US" altLang="ja-JP" sz="6000" b="1" dirty="0" smtClean="0">
                   <a:ln w="17780" cmpd="sng">
@@ -16348,6 +16393,7 @@
             </a:bodyPr>
             <a:lstStyle/>
             <a:p>
+              <a:pPr algn="ctr"/>
               <a:r>
                 <a:rPr lang="ja-JP" altLang="en-US" sz="3200" b="1" dirty="0">
                   <a:solidFill>
@@ -16369,7 +16415,7 @@
           </p:nvSpPr>
           <p:spPr>
             <a:xfrm>
-              <a:off x="1476376" y="16077832"/>
+              <a:off x="1332361" y="16122708"/>
               <a:ext cx="2952328" cy="584775"/>
             </a:xfrm>
             <a:prstGeom prst="rect">
@@ -16397,6 +16443,7 @@
             </a:bodyPr>
             <a:lstStyle/>
             <a:p>
+              <a:pPr algn="ctr"/>
               <a:r>
                 <a:rPr kumimoji="1" lang="ja-JP" altLang="en-US" sz="3200" b="1" dirty="0" smtClean="0">
                   <a:solidFill>
@@ -17045,26 +17092,56 @@
           <a:p>
             <a:pPr algn="ctr"/>
             <a:r>
-              <a:rPr kumimoji="1" lang="ja-JP" altLang="en-US" sz="3200" b="1" dirty="0" smtClean="0">
+              <a:rPr lang="ja-JP" altLang="en-US" sz="3200" b="1" dirty="0" smtClean="0">
                 <a:solidFill>
                   <a:schemeClr val="tx1"/>
                 </a:solidFill>
                 <a:latin typeface="ＭＳ ゴシック" panose="020B0609070205080204" pitchFamily="49" charset="-128"/>
                 <a:ea typeface="ＭＳ ゴシック" panose="020B0609070205080204" pitchFamily="49" charset="-128"/>
               </a:rPr>
-              <a:t>プロジェクト</a:t>
-            </a:r>
-            <a:r>
-              <a:rPr kumimoji="1" lang="ja-JP" altLang="en-US" sz="3200" b="1" dirty="0" smtClean="0">
+              <a:t>分類した</a:t>
+            </a:r>
+            <a:endParaRPr lang="en-US" altLang="ja-JP" sz="3200" b="1" dirty="0" smtClean="0">
+              <a:solidFill>
+                <a:schemeClr val="tx1"/>
+              </a:solidFill>
+              <a:latin typeface="ＭＳ ゴシック" panose="020B0609070205080204" pitchFamily="49" charset="-128"/>
+              <a:ea typeface="ＭＳ ゴシック" panose="020B0609070205080204" pitchFamily="49" charset="-128"/>
+            </a:endParaRPr>
+          </a:p>
+          <a:p>
+            <a:pPr algn="ctr"/>
+            <a:r>
+              <a:rPr lang="ja-JP" altLang="en-US" sz="3200" b="1" dirty="0" smtClean="0">
                 <a:solidFill>
                   <a:schemeClr val="tx1"/>
                 </a:solidFill>
                 <a:latin typeface="ＭＳ ゴシック" panose="020B0609070205080204" pitchFamily="49" charset="-128"/>
                 <a:ea typeface="ＭＳ ゴシック" panose="020B0609070205080204" pitchFamily="49" charset="-128"/>
               </a:rPr>
-              <a:t>を分類</a:t>
-            </a:r>
-            <a:endParaRPr kumimoji="1" lang="ja-JP" altLang="en-US" sz="3200" b="1" dirty="0">
+              <a:t>プロジェクトパターンを</a:t>
+            </a:r>
+            <a:endParaRPr lang="en-US" altLang="ja-JP" sz="3200" b="1" dirty="0" smtClean="0">
+              <a:solidFill>
+                <a:schemeClr val="tx1"/>
+              </a:solidFill>
+              <a:latin typeface="ＭＳ ゴシック" panose="020B0609070205080204" pitchFamily="49" charset="-128"/>
+              <a:ea typeface="ＭＳ ゴシック" panose="020B0609070205080204" pitchFamily="49" charset="-128"/>
+            </a:endParaRPr>
+          </a:p>
+          <a:p>
+            <a:pPr algn="ctr"/>
+            <a:r>
+              <a:rPr lang="ja-JP" altLang="en-US" sz="3200" b="1" dirty="0" smtClean="0">
+                <a:solidFill>
+                  <a:schemeClr val="tx1"/>
+                </a:solidFill>
+                <a:latin typeface="ＭＳ ゴシック" panose="020B0609070205080204" pitchFamily="49" charset="-128"/>
+                <a:ea typeface="ＭＳ ゴシック" panose="020B0609070205080204" pitchFamily="49" charset="-128"/>
+              </a:rPr>
+              <a:t>解釈</a:t>
+            </a:r>
+            <a:endParaRPr lang="en-US" altLang="ja-JP" sz="3200" b="1" dirty="0" smtClean="0">
               <a:solidFill>
                 <a:schemeClr val="tx1"/>
               </a:solidFill>
@@ -17210,16 +17287,16 @@
       </p:sp>
       <p:grpSp>
         <p:nvGrpSpPr>
-          <p:cNvPr id="28" name="グループ化 27"/>
+          <p:cNvPr id="54" name="グループ化 53"/>
           <p:cNvGrpSpPr/>
           <p:nvPr/>
         </p:nvGrpSpPr>
         <p:grpSpPr>
           <a:xfrm>
-            <a:off x="252240" y="25725163"/>
-            <a:ext cx="13105456" cy="4176463"/>
-            <a:chOff x="252240" y="25725163"/>
-            <a:chExt cx="13105456" cy="4176463"/>
+            <a:off x="7741072" y="24645043"/>
+            <a:ext cx="12961440" cy="5256583"/>
+            <a:chOff x="7741072" y="24645043"/>
+            <a:chExt cx="12961440" cy="5256583"/>
           </a:xfrm>
           <a:scene3d>
             <a:camera prst="orthographicFront">
@@ -17238,8 +17315,8 @@
           </p:nvSpPr>
           <p:spPr>
             <a:xfrm>
-              <a:off x="659682" y="26615601"/>
-              <a:ext cx="12698014" cy="3286025"/>
+              <a:off x="8197226" y="25765767"/>
+              <a:ext cx="12505286" cy="4135859"/>
             </a:xfrm>
             <a:prstGeom prst="rect">
               <a:avLst/>
@@ -17295,8 +17372,8 @@
           </p:nvSpPr>
           <p:spPr>
             <a:xfrm>
-              <a:off x="252240" y="25725163"/>
-              <a:ext cx="3611501" cy="1368152"/>
+              <a:off x="7741072" y="24645043"/>
+              <a:ext cx="4048056" cy="1721984"/>
             </a:xfrm>
             <a:prstGeom prst="rect">
               <a:avLst/>
@@ -17352,160 +17429,16 @@
           </p:txBody>
         </p:sp>
       </p:grpSp>
-      <p:grpSp>
-        <p:nvGrpSpPr>
-          <p:cNvPr id="27" name="グループ化 26"/>
-          <p:cNvGrpSpPr/>
-          <p:nvPr/>
-        </p:nvGrpSpPr>
-        <p:grpSpPr>
-          <a:xfrm>
-            <a:off x="252240" y="19028419"/>
-            <a:ext cx="6408712" cy="6364759"/>
-            <a:chOff x="252240" y="19028419"/>
-            <a:chExt cx="6408712" cy="6364759"/>
-          </a:xfrm>
-          <a:scene3d>
-            <a:camera prst="orthographicFront">
-              <a:rot lat="0" lon="0" rev="0"/>
-            </a:camera>
-            <a:lightRig rig="soft" dir="t">
-              <a:rot lat="0" lon="0" rev="0"/>
-            </a:lightRig>
-          </a:scene3d>
-        </p:grpSpPr>
-        <p:sp>
-          <p:nvSpPr>
-            <p:cNvPr id="39" name="正方形/長方形 38"/>
-            <p:cNvSpPr/>
-            <p:nvPr/>
-          </p:nvSpPr>
-          <p:spPr>
-            <a:xfrm>
-              <a:off x="827494" y="19918857"/>
-              <a:ext cx="5833458" cy="5474321"/>
-            </a:xfrm>
-            <a:prstGeom prst="rect">
-              <a:avLst/>
-            </a:prstGeom>
-            <a:ln>
-              <a:noFill/>
-            </a:ln>
-            <a:effectLst>
-              <a:outerShdw blurRad="107950" dist="12700" dir="5400000" algn="ctr">
-                <a:srgbClr val="000000"/>
-              </a:outerShdw>
-            </a:effectLst>
-            <a:sp3d contourW="44450" prstMaterial="matte">
-              <a:bevelT w="63500" h="63500" prst="artDeco"/>
-              <a:contourClr>
-                <a:srgbClr val="FFFFFF"/>
-              </a:contourClr>
-            </a:sp3d>
-          </p:spPr>
-          <p:style>
-            <a:lnRef idx="2">
-              <a:schemeClr val="accent1">
-                <a:shade val="50000"/>
-              </a:schemeClr>
-            </a:lnRef>
-            <a:fillRef idx="1">
-              <a:schemeClr val="accent1"/>
-            </a:fillRef>
-            <a:effectRef idx="0">
-              <a:schemeClr val="accent1"/>
-            </a:effectRef>
-            <a:fontRef idx="minor">
-              <a:schemeClr val="lt1"/>
-            </a:fontRef>
-          </p:style>
-          <p:txBody>
-            <a:bodyPr rtlCol="0" anchor="ctr"/>
-            <a:lstStyle/>
-            <a:p>
-              <a:pPr algn="ctr"/>
-              <a:endParaRPr kumimoji="1" lang="ja-JP" altLang="en-US" sz="4000" dirty="0">
-                <a:latin typeface="ＭＳ ゴシック" pitchFamily="49" charset="-128"/>
-                <a:ea typeface="ＭＳ ゴシック" pitchFamily="49" charset="-128"/>
-              </a:endParaRPr>
-            </a:p>
-          </p:txBody>
-        </p:sp>
-        <p:sp>
-          <p:nvSpPr>
-            <p:cNvPr id="41" name="正方形/長方形 40"/>
-            <p:cNvSpPr/>
-            <p:nvPr/>
-          </p:nvSpPr>
-          <p:spPr>
-            <a:xfrm>
-              <a:off x="252240" y="19028419"/>
-              <a:ext cx="3605259" cy="1368152"/>
-            </a:xfrm>
-            <a:prstGeom prst="rect">
-              <a:avLst/>
-            </a:prstGeom>
-            <a:ln>
-              <a:noFill/>
-            </a:ln>
-            <a:effectLst>
-              <a:outerShdw blurRad="107950" dist="12700" dir="5400000" algn="ctr">
-                <a:srgbClr val="000000"/>
-              </a:outerShdw>
-            </a:effectLst>
-            <a:sp3d contourW="44450" prstMaterial="matte">
-              <a:bevelT w="63500" h="63500" prst="artDeco"/>
-              <a:contourClr>
-                <a:srgbClr val="FFFFFF"/>
-              </a:contourClr>
-            </a:sp3d>
-          </p:spPr>
-          <p:style>
-            <a:lnRef idx="2">
-              <a:schemeClr val="accent1">
-                <a:shade val="50000"/>
-              </a:schemeClr>
-            </a:lnRef>
-            <a:fillRef idx="1">
-              <a:schemeClr val="accent1"/>
-            </a:fillRef>
-            <a:effectRef idx="0">
-              <a:schemeClr val="accent1"/>
-            </a:effectRef>
-            <a:fontRef idx="minor">
-              <a:schemeClr val="lt1"/>
-            </a:fontRef>
-          </p:style>
-          <p:txBody>
-            <a:bodyPr rtlCol="0" anchor="ctr"/>
-            <a:lstStyle/>
-            <a:p>
-              <a:pPr algn="ctr"/>
-              <a:r>
-                <a:rPr lang="ja-JP" altLang="en-US" sz="6000" b="1" dirty="0" smtClean="0">
-                  <a:latin typeface="ＭＳ ゴシック" pitchFamily="49" charset="-128"/>
-                  <a:ea typeface="ＭＳ ゴシック" pitchFamily="49" charset="-128"/>
-                </a:rPr>
-                <a:t>成果物</a:t>
-              </a:r>
-              <a:endParaRPr kumimoji="1" lang="ja-JP" altLang="en-US" sz="6000" b="1" dirty="0">
-                <a:latin typeface="ＭＳ ゴシック" pitchFamily="49" charset="-128"/>
-                <a:ea typeface="ＭＳ ゴシック" pitchFamily="49" charset="-128"/>
-              </a:endParaRPr>
-            </a:p>
-          </p:txBody>
-        </p:sp>
-      </p:grpSp>
       <p:sp>
         <p:nvSpPr>
-          <p:cNvPr id="11" name="正方形/長方形 10"/>
+          <p:cNvPr id="26" name="正方形/長方形 25"/>
           <p:cNvSpPr/>
           <p:nvPr/>
         </p:nvSpPr>
         <p:spPr>
           <a:xfrm>
-            <a:off x="1188343" y="21620707"/>
-            <a:ext cx="5112569" cy="3456384"/>
+            <a:off x="8461152" y="26729551"/>
+            <a:ext cx="11953328" cy="2809554"/>
           </a:xfrm>
           <a:prstGeom prst="rect">
             <a:avLst/>
@@ -17558,26 +17491,76 @@
           <a:p>
             <a:pPr algn="ctr"/>
             <a:r>
-              <a:rPr lang="en-US" altLang="ja-JP" sz="3500" dirty="0" err="1" smtClean="0">
+              <a:rPr lang="en-US" altLang="ja-JP" sz="3200" dirty="0" smtClean="0">
                 <a:solidFill>
                   <a:schemeClr val="tx1"/>
                 </a:solidFill>
                 <a:latin typeface="ＭＳ ゴシック" pitchFamily="49" charset="-128"/>
                 <a:ea typeface="ＭＳ ゴシック" pitchFamily="49" charset="-128"/>
               </a:rPr>
-              <a:t>GitHub</a:t>
-            </a:r>
-            <a:r>
-              <a:rPr lang="ja-JP" altLang="en-US" sz="3500" dirty="0" smtClean="0">
+              <a:t>50</a:t>
+            </a:r>
+            <a:r>
+              <a:rPr lang="ja-JP" altLang="en-US" sz="3200" dirty="0">
                 <a:solidFill>
                   <a:schemeClr val="tx1"/>
                 </a:solidFill>
                 <a:latin typeface="ＭＳ ゴシック" pitchFamily="49" charset="-128"/>
                 <a:ea typeface="ＭＳ ゴシック" pitchFamily="49" charset="-128"/>
               </a:rPr>
-              <a:t>上の</a:t>
-            </a:r>
-            <a:endParaRPr lang="en-US" altLang="ja-JP" sz="3500" dirty="0" smtClean="0">
+              <a:t>件のプロジェクト</a:t>
+            </a:r>
+            <a:r>
+              <a:rPr lang="ja-JP" altLang="en-US" sz="3200" dirty="0" smtClean="0">
+                <a:solidFill>
+                  <a:schemeClr val="tx1"/>
+                </a:solidFill>
+                <a:latin typeface="ＭＳ ゴシック" pitchFamily="49" charset="-128"/>
+                <a:ea typeface="ＭＳ ゴシック" pitchFamily="49" charset="-128"/>
+              </a:rPr>
+              <a:t>の</a:t>
+            </a:r>
+            <a:r>
+              <a:rPr lang="ja-JP" altLang="en-US" sz="3200" dirty="0">
+                <a:solidFill>
+                  <a:schemeClr val="tx1"/>
+                </a:solidFill>
+                <a:latin typeface="ＭＳ ゴシック" pitchFamily="49" charset="-128"/>
+                <a:ea typeface="ＭＳ ゴシック" pitchFamily="49" charset="-128"/>
+              </a:rPr>
+              <a:t>チケット</a:t>
+            </a:r>
+            <a:r>
+              <a:rPr lang="ja-JP" altLang="en-US" sz="3200" dirty="0" smtClean="0">
+                <a:solidFill>
+                  <a:schemeClr val="tx1"/>
+                </a:solidFill>
+                <a:latin typeface="ＭＳ ゴシック" pitchFamily="49" charset="-128"/>
+                <a:ea typeface="ＭＳ ゴシック" pitchFamily="49" charset="-128"/>
+              </a:rPr>
+              <a:t>データ</a:t>
+            </a:r>
+            <a:r>
+              <a:rPr lang="ja-JP" altLang="en-US" sz="3200" dirty="0">
+                <a:solidFill>
+                  <a:schemeClr val="tx1"/>
+                </a:solidFill>
+                <a:latin typeface="ＭＳ ゴシック" pitchFamily="49" charset="-128"/>
+                <a:ea typeface="ＭＳ ゴシック" pitchFamily="49" charset="-128"/>
+              </a:rPr>
+              <a:t>を時系列解析した</a:t>
+            </a:r>
+            <a:r>
+              <a:rPr lang="ja-JP" altLang="en-US" sz="3200" dirty="0" smtClean="0">
+                <a:solidFill>
+                  <a:schemeClr val="tx1"/>
+                </a:solidFill>
+                <a:latin typeface="ＭＳ ゴシック" pitchFamily="49" charset="-128"/>
+                <a:ea typeface="ＭＳ ゴシック" pitchFamily="49" charset="-128"/>
+              </a:rPr>
+              <a:t>．</a:t>
+            </a:r>
+            <a:endParaRPr lang="en-US" altLang="ja-JP" sz="3200" dirty="0" smtClean="0">
               <a:solidFill>
                 <a:schemeClr val="tx1"/>
               </a:solidFill>
@@ -17588,26 +17571,29 @@
           <a:p>
             <a:pPr algn="ctr"/>
             <a:r>
-              <a:rPr lang="en-US" altLang="ja-JP" sz="3500" dirty="0" smtClean="0">
+              <a:rPr lang="ja-JP" altLang="en-US" sz="3200" dirty="0" smtClean="0">
                 <a:solidFill>
                   <a:schemeClr val="tx1"/>
                 </a:solidFill>
                 <a:latin typeface="ＭＳ ゴシック" pitchFamily="49" charset="-128"/>
                 <a:ea typeface="ＭＳ ゴシック" pitchFamily="49" charset="-128"/>
               </a:rPr>
-              <a:t>50</a:t>
-            </a:r>
-            <a:r>
-              <a:rPr kumimoji="1" lang="ja-JP" altLang="en-US" sz="3500" dirty="0" smtClean="0">
+              <a:t>チケットの数や増加率によって分類されていることが分かった．</a:t>
+            </a:r>
+          </a:p>
+          <a:p>
+            <a:pPr algn="ctr"/>
+            <a:r>
+              <a:rPr lang="ja-JP" altLang="en-US" sz="3200" dirty="0" smtClean="0">
                 <a:solidFill>
                   <a:schemeClr val="tx1"/>
                 </a:solidFill>
                 <a:latin typeface="ＭＳ ゴシック" pitchFamily="49" charset="-128"/>
                 <a:ea typeface="ＭＳ ゴシック" pitchFamily="49" charset="-128"/>
               </a:rPr>
-              <a:t>件のプロジェクトの</a:t>
-            </a:r>
-            <a:endParaRPr kumimoji="1" lang="en-US" altLang="ja-JP" sz="3500" dirty="0" smtClean="0">
+              <a:t>今後は，プロジェクトのスター数や共同開発者数が</a:t>
+            </a:r>
+            <a:endParaRPr lang="en-US" altLang="ja-JP" sz="3200" dirty="0" smtClean="0">
               <a:solidFill>
                 <a:schemeClr val="tx1"/>
               </a:solidFill>
@@ -17618,56 +17604,16 @@
           <a:p>
             <a:pPr algn="ctr"/>
             <a:r>
-              <a:rPr lang="ja-JP" altLang="en-US" sz="3500" dirty="0" smtClean="0">
+              <a:rPr lang="ja-JP" altLang="en-US" sz="3200" dirty="0" smtClean="0">
                 <a:solidFill>
                   <a:schemeClr val="tx1"/>
                 </a:solidFill>
                 <a:latin typeface="ＭＳ ゴシック" pitchFamily="49" charset="-128"/>
                 <a:ea typeface="ＭＳ ゴシック" pitchFamily="49" charset="-128"/>
               </a:rPr>
-              <a:t>チケットデータを</a:t>
-            </a:r>
-            <a:endParaRPr lang="en-US" altLang="ja-JP" sz="3500" dirty="0" smtClean="0">
-              <a:solidFill>
-                <a:schemeClr val="tx1"/>
-              </a:solidFill>
-              <a:latin typeface="ＭＳ ゴシック" pitchFamily="49" charset="-128"/>
-              <a:ea typeface="ＭＳ ゴシック" pitchFamily="49" charset="-128"/>
-            </a:endParaRPr>
-          </a:p>
-          <a:p>
-            <a:pPr algn="ctr"/>
-            <a:r>
-              <a:rPr lang="ja-JP" altLang="en-US" sz="3500" dirty="0" smtClean="0">
-                <a:solidFill>
-                  <a:schemeClr val="tx1"/>
-                </a:solidFill>
-                <a:latin typeface="ＭＳ ゴシック" pitchFamily="49" charset="-128"/>
-                <a:ea typeface="ＭＳ ゴシック" pitchFamily="49" charset="-128"/>
-              </a:rPr>
-              <a:t>時系列解析し，幾つかの</a:t>
-            </a:r>
-            <a:endParaRPr lang="en-US" altLang="ja-JP" sz="3500" dirty="0" smtClean="0">
-              <a:solidFill>
-                <a:schemeClr val="tx1"/>
-              </a:solidFill>
-              <a:latin typeface="ＭＳ ゴシック" pitchFamily="49" charset="-128"/>
-              <a:ea typeface="ＭＳ ゴシック" pitchFamily="49" charset="-128"/>
-            </a:endParaRPr>
-          </a:p>
-          <a:p>
-            <a:pPr algn="ctr"/>
-            <a:r>
-              <a:rPr lang="ja-JP" altLang="en-US" sz="3500" dirty="0" smtClean="0">
-                <a:solidFill>
-                  <a:schemeClr val="tx1"/>
-                </a:solidFill>
-                <a:latin typeface="ＭＳ ゴシック" pitchFamily="49" charset="-128"/>
-                <a:ea typeface="ＭＳ ゴシック" pitchFamily="49" charset="-128"/>
-              </a:rPr>
-              <a:t>パターンに分類する</a:t>
-            </a:r>
-            <a:endParaRPr kumimoji="1" lang="ja-JP" altLang="en-US" sz="3500" dirty="0">
+              <a:t>分類パターンに関わっているのかを調査する．</a:t>
+            </a:r>
+            <a:endParaRPr lang="en-US" altLang="ja-JP" sz="3200" dirty="0" smtClean="0">
               <a:solidFill>
                 <a:schemeClr val="tx1"/>
               </a:solidFill>
@@ -17677,16 +17623,320 @@
           </a:p>
         </p:txBody>
       </p:sp>
+      <p:grpSp>
+        <p:nvGrpSpPr>
+          <p:cNvPr id="37" name="グループ化 36"/>
+          <p:cNvGrpSpPr/>
+          <p:nvPr/>
+        </p:nvGrpSpPr>
+        <p:grpSpPr>
+          <a:xfrm>
+            <a:off x="659682" y="18308339"/>
+            <a:ext cx="20042830" cy="6048672"/>
+            <a:chOff x="659682" y="18308339"/>
+            <a:chExt cx="20042830" cy="5904656"/>
+          </a:xfrm>
+          <a:scene3d>
+            <a:camera prst="orthographicFront">
+              <a:rot lat="0" lon="0" rev="0"/>
+            </a:camera>
+            <a:lightRig rig="soft" dir="t">
+              <a:rot lat="0" lon="0" rev="0"/>
+            </a:lightRig>
+          </a:scene3d>
+        </p:grpSpPr>
+        <p:sp>
+          <p:nvSpPr>
+            <p:cNvPr id="34" name="上矢印 33"/>
+            <p:cNvSpPr/>
+            <p:nvPr/>
+          </p:nvSpPr>
+          <p:spPr>
+            <a:xfrm>
+              <a:off x="6658645" y="18308339"/>
+              <a:ext cx="2385734" cy="2376264"/>
+            </a:xfrm>
+            <a:prstGeom prst="upArrow">
+              <a:avLst>
+                <a:gd name="adj1" fmla="val 50000"/>
+                <a:gd name="adj2" fmla="val 33782"/>
+              </a:avLst>
+            </a:prstGeom>
+            <a:ln>
+              <a:noFill/>
+            </a:ln>
+            <a:effectLst>
+              <a:outerShdw blurRad="107950" dist="12700" dir="5400000" algn="ctr">
+                <a:srgbClr val="000000"/>
+              </a:outerShdw>
+            </a:effectLst>
+            <a:sp3d contourW="44450" prstMaterial="matte">
+              <a:bevelT w="63500" h="63500" prst="artDeco"/>
+              <a:contourClr>
+                <a:srgbClr val="FFFFFF"/>
+              </a:contourClr>
+            </a:sp3d>
+          </p:spPr>
+          <p:style>
+            <a:lnRef idx="2">
+              <a:schemeClr val="accent1">
+                <a:shade val="50000"/>
+              </a:schemeClr>
+            </a:lnRef>
+            <a:fillRef idx="1">
+              <a:schemeClr val="accent1"/>
+            </a:fillRef>
+            <a:effectRef idx="0">
+              <a:schemeClr val="accent1"/>
+            </a:effectRef>
+            <a:fontRef idx="minor">
+              <a:schemeClr val="lt1"/>
+            </a:fontRef>
+          </p:style>
+          <p:txBody>
+            <a:bodyPr rtlCol="0" anchor="ctr"/>
+            <a:lstStyle/>
+            <a:p>
+              <a:pPr algn="ctr"/>
+              <a:endParaRPr kumimoji="1" lang="ja-JP" altLang="en-US"/>
+            </a:p>
+          </p:txBody>
+        </p:sp>
+        <p:sp>
+          <p:nvSpPr>
+            <p:cNvPr id="32" name="正方形/長方形 31"/>
+            <p:cNvSpPr/>
+            <p:nvPr/>
+          </p:nvSpPr>
+          <p:spPr>
+            <a:xfrm>
+              <a:off x="659682" y="19496471"/>
+              <a:ext cx="20042830" cy="4716524"/>
+            </a:xfrm>
+            <a:prstGeom prst="rect">
+              <a:avLst/>
+            </a:prstGeom>
+            <a:ln>
+              <a:noFill/>
+            </a:ln>
+            <a:effectLst>
+              <a:outerShdw blurRad="107950" dist="12700" dir="5400000" algn="ctr">
+                <a:srgbClr val="000000"/>
+              </a:outerShdw>
+            </a:effectLst>
+            <a:sp3d contourW="44450" prstMaterial="matte">
+              <a:bevelT w="63500" h="63500" prst="artDeco"/>
+              <a:contourClr>
+                <a:srgbClr val="FFFFFF"/>
+              </a:contourClr>
+            </a:sp3d>
+          </p:spPr>
+          <p:style>
+            <a:lnRef idx="2">
+              <a:schemeClr val="accent1">
+                <a:shade val="50000"/>
+              </a:schemeClr>
+            </a:lnRef>
+            <a:fillRef idx="1">
+              <a:schemeClr val="accent1"/>
+            </a:fillRef>
+            <a:effectRef idx="0">
+              <a:schemeClr val="accent1"/>
+            </a:effectRef>
+            <a:fontRef idx="minor">
+              <a:schemeClr val="lt1"/>
+            </a:fontRef>
+          </p:style>
+          <p:txBody>
+            <a:bodyPr rtlCol="0" anchor="ctr"/>
+            <a:lstStyle/>
+            <a:p>
+              <a:pPr algn="ctr"/>
+              <a:endParaRPr kumimoji="1" lang="ja-JP" altLang="en-US"/>
+            </a:p>
+          </p:txBody>
+        </p:sp>
+      </p:grpSp>
       <p:sp>
         <p:nvSpPr>
-          <p:cNvPr id="13" name="正方形/長方形 12"/>
+          <p:cNvPr id="69" name="正方形/長方形 68"/>
           <p:cNvSpPr/>
           <p:nvPr/>
         </p:nvSpPr>
         <p:spPr>
           <a:xfrm>
-            <a:off x="1188343" y="20684603"/>
-            <a:ext cx="5112569" cy="936104"/>
+            <a:off x="900312" y="20899770"/>
+            <a:ext cx="5112568" cy="3237788"/>
+          </a:xfrm>
+          <a:prstGeom prst="rect">
+            <a:avLst/>
+          </a:prstGeom>
+          <a:solidFill>
+            <a:schemeClr val="bg1"/>
+          </a:solidFill>
+          <a:ln>
+            <a:noFill/>
+          </a:ln>
+          <a:effectLst>
+            <a:outerShdw blurRad="107950" dist="12700" dir="5400000" algn="ctr">
+              <a:srgbClr val="000000"/>
+            </a:outerShdw>
+          </a:effectLst>
+          <a:scene3d>
+            <a:camera prst="orthographicFront">
+              <a:rot lat="0" lon="0" rev="0"/>
+            </a:camera>
+            <a:lightRig rig="soft" dir="t">
+              <a:rot lat="0" lon="0" rev="0"/>
+            </a:lightRig>
+          </a:scene3d>
+          <a:sp3d contourW="44450" prstMaterial="matte">
+            <a:bevelT w="63500" h="63500" prst="artDeco"/>
+            <a:contourClr>
+              <a:srgbClr val="FFFFFF"/>
+            </a:contourClr>
+          </a:sp3d>
+        </p:spPr>
+        <p:style>
+          <a:lnRef idx="2">
+            <a:schemeClr val="accent1">
+              <a:shade val="50000"/>
+            </a:schemeClr>
+          </a:lnRef>
+          <a:fillRef idx="1">
+            <a:schemeClr val="accent1"/>
+          </a:fillRef>
+          <a:effectRef idx="0">
+            <a:schemeClr val="accent1"/>
+          </a:effectRef>
+          <a:fontRef idx="minor">
+            <a:schemeClr val="lt1"/>
+          </a:fontRef>
+        </p:style>
+        <p:txBody>
+          <a:bodyPr rtlCol="0" anchor="ctr"/>
+          <a:lstStyle/>
+          <a:p>
+            <a:pPr marL="514350" indent="-514350">
+              <a:buFont typeface="Wingdings" pitchFamily="2" charset="2"/>
+              <a:buChar char="Ø"/>
+            </a:pPr>
+            <a:r>
+              <a:rPr lang="en-US" altLang="ja-JP" sz="3200" dirty="0" err="1" smtClean="0">
+                <a:solidFill>
+                  <a:schemeClr val="tx1"/>
+                </a:solidFill>
+                <a:latin typeface="ＭＳ ゴシック" pitchFamily="49" charset="-128"/>
+                <a:ea typeface="ＭＳ ゴシック" pitchFamily="49" charset="-128"/>
+              </a:rPr>
+              <a:t>GitHub</a:t>
+            </a:r>
+            <a:r>
+              <a:rPr lang="ja-JP" altLang="en-US" sz="3200" dirty="0" smtClean="0">
+                <a:solidFill>
+                  <a:schemeClr val="tx1"/>
+                </a:solidFill>
+                <a:latin typeface="ＭＳ ゴシック" pitchFamily="49" charset="-128"/>
+                <a:ea typeface="ＭＳ ゴシック" pitchFamily="49" charset="-128"/>
+              </a:rPr>
+              <a:t>内からチケットデータを抽出</a:t>
+            </a:r>
+            <a:r>
+              <a:rPr lang="ja-JP" altLang="en-US" sz="3200" dirty="0" smtClean="0">
+                <a:solidFill>
+                  <a:schemeClr val="tx1"/>
+                </a:solidFill>
+                <a:latin typeface="ＭＳ ゴシック" pitchFamily="49" charset="-128"/>
+                <a:ea typeface="ＭＳ ゴシック" pitchFamily="49" charset="-128"/>
+              </a:rPr>
+              <a:t>する</a:t>
+            </a:r>
+            <a:endParaRPr lang="en-US" altLang="ja-JP" sz="3200" dirty="0" smtClean="0">
+              <a:solidFill>
+                <a:schemeClr val="tx1"/>
+              </a:solidFill>
+              <a:latin typeface="ＭＳ ゴシック" pitchFamily="49" charset="-128"/>
+              <a:ea typeface="ＭＳ ゴシック" pitchFamily="49" charset="-128"/>
+            </a:endParaRPr>
+          </a:p>
+          <a:p>
+            <a:pPr lvl="1"/>
+            <a:r>
+              <a:rPr lang="ja-JP" altLang="en-US" sz="3200" dirty="0" smtClean="0">
+                <a:solidFill>
+                  <a:schemeClr val="tx1"/>
+                </a:solidFill>
+                <a:latin typeface="ＭＳ ゴシック" pitchFamily="49" charset="-128"/>
+                <a:ea typeface="ＭＳ ゴシック" pitchFamily="49" charset="-128"/>
+              </a:rPr>
+              <a:t>ツール</a:t>
+            </a:r>
+            <a:r>
+              <a:rPr lang="ja-JP" altLang="en-US" sz="3200" dirty="0" smtClean="0">
+                <a:solidFill>
+                  <a:schemeClr val="tx1"/>
+                </a:solidFill>
+                <a:latin typeface="ＭＳ ゴシック" pitchFamily="49" charset="-128"/>
+                <a:ea typeface="ＭＳ ゴシック" pitchFamily="49" charset="-128"/>
+              </a:rPr>
+              <a:t>を使用．</a:t>
+            </a:r>
+            <a:endParaRPr lang="en-US" altLang="ja-JP" sz="3200" dirty="0" smtClean="0">
+              <a:solidFill>
+                <a:schemeClr val="tx1"/>
+              </a:solidFill>
+              <a:latin typeface="ＭＳ ゴシック" pitchFamily="49" charset="-128"/>
+              <a:ea typeface="ＭＳ ゴシック" pitchFamily="49" charset="-128"/>
+            </a:endParaRPr>
+          </a:p>
+          <a:p>
+            <a:pPr marL="514350" indent="-514350">
+              <a:buFont typeface="Wingdings" pitchFamily="2" charset="2"/>
+              <a:buChar char="Ø"/>
+            </a:pPr>
+            <a:r>
+              <a:rPr lang="ja-JP" altLang="en-US" sz="3200" dirty="0" smtClean="0">
+                <a:solidFill>
+                  <a:schemeClr val="tx1"/>
+                </a:solidFill>
+                <a:latin typeface="ＭＳ ゴシック" pitchFamily="49" charset="-128"/>
+                <a:ea typeface="ＭＳ ゴシック" pitchFamily="49" charset="-128"/>
+              </a:rPr>
+              <a:t>完了済チケットと</a:t>
+            </a:r>
+            <a:endParaRPr lang="en-US" altLang="ja-JP" sz="3200" dirty="0" smtClean="0">
+              <a:solidFill>
+                <a:schemeClr val="tx1"/>
+              </a:solidFill>
+              <a:latin typeface="ＭＳ ゴシック" pitchFamily="49" charset="-128"/>
+              <a:ea typeface="ＭＳ ゴシック" pitchFamily="49" charset="-128"/>
+            </a:endParaRPr>
+          </a:p>
+          <a:p>
+            <a:pPr lvl="1"/>
+            <a:r>
+              <a:rPr lang="ja-JP" altLang="en-US" sz="3200" dirty="0" smtClean="0">
+                <a:solidFill>
+                  <a:schemeClr val="tx1"/>
+                </a:solidFill>
+                <a:latin typeface="ＭＳ ゴシック" pitchFamily="49" charset="-128"/>
+                <a:ea typeface="ＭＳ ゴシック" pitchFamily="49" charset="-128"/>
+              </a:rPr>
+              <a:t>未完了チケットを抽出．</a:t>
+            </a:r>
+          </a:p>
+        </p:txBody>
+      </p:sp>
+      <p:sp>
+        <p:nvSpPr>
+          <p:cNvPr id="70" name="正方形/長方形 69"/>
+          <p:cNvSpPr/>
+          <p:nvPr/>
+        </p:nvSpPr>
+        <p:spPr>
+          <a:xfrm>
+            <a:off x="900312" y="19820507"/>
+            <a:ext cx="5112568" cy="1079263"/>
           </a:xfrm>
           <a:prstGeom prst="rect">
             <a:avLst/>
@@ -17739,11 +17989,11 @@
           <a:p>
             <a:pPr algn="ctr"/>
             <a:r>
-              <a:rPr kumimoji="1" lang="ja-JP" altLang="en-US" sz="4000" b="1" dirty="0" smtClean="0">
+              <a:rPr lang="ja-JP" altLang="en-US" sz="4000" b="1" dirty="0">
                 <a:latin typeface="ＭＳ ゴシック" pitchFamily="49" charset="-128"/>
                 <a:ea typeface="ＭＳ ゴシック" pitchFamily="49" charset="-128"/>
               </a:rPr>
-              <a:t>成果物イメージ</a:t>
+              <a:t>チケット収集</a:t>
             </a:r>
             <a:endParaRPr kumimoji="1" lang="ja-JP" altLang="en-US" sz="4000" b="1" dirty="0">
               <a:latin typeface="ＭＳ ゴシック" pitchFamily="49" charset="-128"/>
@@ -17752,18 +18002,334 @@
           </a:p>
         </p:txBody>
       </p:sp>
+      <p:sp>
+        <p:nvSpPr>
+          <p:cNvPr id="73" name="正方形/長方形 72"/>
+          <p:cNvSpPr/>
+          <p:nvPr/>
+        </p:nvSpPr>
+        <p:spPr>
+          <a:xfrm>
+            <a:off x="6334882" y="20861967"/>
+            <a:ext cx="14007589" cy="3237788"/>
+          </a:xfrm>
+          <a:prstGeom prst="rect">
+            <a:avLst/>
+          </a:prstGeom>
+          <a:solidFill>
+            <a:schemeClr val="bg1"/>
+          </a:solidFill>
+          <a:ln>
+            <a:noFill/>
+          </a:ln>
+          <a:effectLst>
+            <a:outerShdw blurRad="107950" dist="12700" dir="5400000" algn="ctr">
+              <a:srgbClr val="000000"/>
+            </a:outerShdw>
+          </a:effectLst>
+          <a:scene3d>
+            <a:camera prst="orthographicFront">
+              <a:rot lat="0" lon="0" rev="0"/>
+            </a:camera>
+            <a:lightRig rig="soft" dir="t">
+              <a:rot lat="0" lon="0" rev="0"/>
+            </a:lightRig>
+          </a:scene3d>
+          <a:sp3d contourW="44450" prstMaterial="matte">
+            <a:bevelT w="63500" h="63500" prst="artDeco"/>
+            <a:contourClr>
+              <a:srgbClr val="FFFFFF"/>
+            </a:contourClr>
+          </a:sp3d>
+        </p:spPr>
+        <p:style>
+          <a:lnRef idx="2">
+            <a:schemeClr val="accent1">
+              <a:shade val="50000"/>
+            </a:schemeClr>
+          </a:lnRef>
+          <a:fillRef idx="1">
+            <a:schemeClr val="accent1"/>
+          </a:fillRef>
+          <a:effectRef idx="0">
+            <a:schemeClr val="accent1"/>
+          </a:effectRef>
+          <a:fontRef idx="minor">
+            <a:schemeClr val="lt1"/>
+          </a:fontRef>
+        </p:style>
+        <p:txBody>
+          <a:bodyPr rtlCol="0" anchor="ctr"/>
+          <a:lstStyle/>
+          <a:p>
+            <a:pPr marL="457200" indent="-457200">
+              <a:buFont typeface="Wingdings" pitchFamily="2" charset="2"/>
+              <a:buChar char="Ø"/>
+            </a:pPr>
+            <a:r>
+              <a:rPr lang="en-US" altLang="ja-JP" sz="3200" dirty="0" smtClean="0">
+                <a:solidFill>
+                  <a:schemeClr val="tx1"/>
+                </a:solidFill>
+                <a:latin typeface="ＭＳ ゴシック" pitchFamily="49" charset="-128"/>
+                <a:ea typeface="ＭＳ ゴシック" pitchFamily="49" charset="-128"/>
+              </a:rPr>
+              <a:t>50</a:t>
+            </a:r>
+            <a:r>
+              <a:rPr lang="ja-JP" altLang="en-US" sz="3200" dirty="0" smtClean="0">
+                <a:solidFill>
+                  <a:schemeClr val="tx1"/>
+                </a:solidFill>
+                <a:latin typeface="ＭＳ ゴシック" pitchFamily="49" charset="-128"/>
+                <a:ea typeface="ＭＳ ゴシック" pitchFamily="49" charset="-128"/>
+              </a:rPr>
+              <a:t>件のプロジェクトのチケットデータを，</a:t>
+            </a:r>
+            <a:endParaRPr lang="en-US" altLang="ja-JP" sz="3200" dirty="0" smtClean="0">
+              <a:solidFill>
+                <a:schemeClr val="tx1"/>
+              </a:solidFill>
+              <a:latin typeface="ＭＳ ゴシック" pitchFamily="49" charset="-128"/>
+              <a:ea typeface="ＭＳ ゴシック" pitchFamily="49" charset="-128"/>
+            </a:endParaRPr>
+          </a:p>
+          <a:p>
+            <a:pPr lvl="1"/>
+            <a:r>
+              <a:rPr lang="ja-JP" altLang="en-US" sz="3200" dirty="0" smtClean="0">
+                <a:solidFill>
+                  <a:schemeClr val="tx1"/>
+                </a:solidFill>
+                <a:latin typeface="ＭＳ ゴシック" pitchFamily="49" charset="-128"/>
+                <a:ea typeface="ＭＳ ゴシック" pitchFamily="49" charset="-128"/>
+              </a:rPr>
+              <a:t>階層クラスター分析①と</a:t>
+            </a:r>
+            <a:endParaRPr lang="en-US" altLang="ja-JP" sz="3200" dirty="0" smtClean="0">
+              <a:solidFill>
+                <a:schemeClr val="tx1"/>
+              </a:solidFill>
+              <a:latin typeface="ＭＳ ゴシック" pitchFamily="49" charset="-128"/>
+              <a:ea typeface="ＭＳ ゴシック" pitchFamily="49" charset="-128"/>
+            </a:endParaRPr>
+          </a:p>
+          <a:p>
+            <a:pPr lvl="1"/>
+            <a:r>
+              <a:rPr lang="ja-JP" altLang="en-US" sz="3200" dirty="0" smtClean="0">
+                <a:solidFill>
+                  <a:schemeClr val="tx1"/>
+                </a:solidFill>
+                <a:latin typeface="ＭＳ ゴシック" pitchFamily="49" charset="-128"/>
+                <a:ea typeface="ＭＳ ゴシック" pitchFamily="49" charset="-128"/>
+              </a:rPr>
+              <a:t>非階層クラスター分析②を用いて解析．</a:t>
+            </a:r>
+            <a:endParaRPr lang="en-US" altLang="ja-JP" sz="3200" dirty="0">
+              <a:solidFill>
+                <a:schemeClr val="tx1"/>
+              </a:solidFill>
+              <a:latin typeface="ＭＳ ゴシック" pitchFamily="49" charset="-128"/>
+              <a:ea typeface="ＭＳ ゴシック" pitchFamily="49" charset="-128"/>
+            </a:endParaRPr>
+          </a:p>
+          <a:p>
+            <a:pPr marL="457200" indent="-457200">
+              <a:buFont typeface="Wingdings" pitchFamily="2" charset="2"/>
+              <a:buChar char="Ø"/>
+            </a:pPr>
+            <a:r>
+              <a:rPr lang="ja-JP" altLang="en-US" sz="3200" dirty="0" smtClean="0">
+                <a:solidFill>
+                  <a:schemeClr val="tx1"/>
+                </a:solidFill>
+                <a:latin typeface="ＭＳ ゴシック" pitchFamily="49" charset="-128"/>
+                <a:ea typeface="ＭＳ ゴシック" pitchFamily="49" charset="-128"/>
+              </a:rPr>
+              <a:t>解析結果から，プロジェクトを幾つかの</a:t>
+            </a:r>
+            <a:endParaRPr lang="en-US" altLang="ja-JP" sz="3200" dirty="0" smtClean="0">
+              <a:solidFill>
+                <a:schemeClr val="tx1"/>
+              </a:solidFill>
+              <a:latin typeface="ＭＳ ゴシック" pitchFamily="49" charset="-128"/>
+              <a:ea typeface="ＭＳ ゴシック" pitchFamily="49" charset="-128"/>
+            </a:endParaRPr>
+          </a:p>
+          <a:p>
+            <a:pPr lvl="1"/>
+            <a:r>
+              <a:rPr lang="ja-JP" altLang="en-US" sz="3200" dirty="0" smtClean="0">
+                <a:solidFill>
+                  <a:schemeClr val="tx1"/>
+                </a:solidFill>
+                <a:latin typeface="ＭＳ ゴシック" pitchFamily="49" charset="-128"/>
+                <a:ea typeface="ＭＳ ゴシック" pitchFamily="49" charset="-128"/>
+              </a:rPr>
+              <a:t>パターンに分類．</a:t>
+            </a:r>
+            <a:endParaRPr lang="en-US" altLang="ja-JP" sz="3200" dirty="0" smtClean="0">
+              <a:solidFill>
+                <a:schemeClr val="tx1"/>
+              </a:solidFill>
+              <a:latin typeface="ＭＳ ゴシック" pitchFamily="49" charset="-128"/>
+              <a:ea typeface="ＭＳ ゴシック" pitchFamily="49" charset="-128"/>
+            </a:endParaRPr>
+          </a:p>
+        </p:txBody>
+      </p:sp>
+      <p:sp>
+        <p:nvSpPr>
+          <p:cNvPr id="74" name="正方形/長方形 73"/>
+          <p:cNvSpPr/>
+          <p:nvPr/>
+        </p:nvSpPr>
+        <p:spPr>
+          <a:xfrm>
+            <a:off x="6334882" y="19782704"/>
+            <a:ext cx="14007589" cy="1079263"/>
+          </a:xfrm>
+          <a:prstGeom prst="rect">
+            <a:avLst/>
+          </a:prstGeom>
+          <a:solidFill>
+            <a:srgbClr val="0070C0"/>
+          </a:solidFill>
+          <a:ln>
+            <a:noFill/>
+          </a:ln>
+          <a:effectLst>
+            <a:outerShdw blurRad="107950" dist="12700" dir="5400000" algn="ctr">
+              <a:srgbClr val="000000"/>
+            </a:outerShdw>
+          </a:effectLst>
+          <a:scene3d>
+            <a:camera prst="orthographicFront">
+              <a:rot lat="0" lon="0" rev="0"/>
+            </a:camera>
+            <a:lightRig rig="soft" dir="t">
+              <a:rot lat="0" lon="0" rev="0"/>
+            </a:lightRig>
+          </a:scene3d>
+          <a:sp3d contourW="44450" prstMaterial="matte">
+            <a:bevelT w="63500" h="63500" prst="artDeco"/>
+            <a:contourClr>
+              <a:srgbClr val="FFFFFF"/>
+            </a:contourClr>
+          </a:sp3d>
+        </p:spPr>
+        <p:style>
+          <a:lnRef idx="2">
+            <a:schemeClr val="accent1">
+              <a:shade val="50000"/>
+            </a:schemeClr>
+          </a:lnRef>
+          <a:fillRef idx="1">
+            <a:schemeClr val="accent1"/>
+          </a:fillRef>
+          <a:effectRef idx="0">
+            <a:schemeClr val="accent1"/>
+          </a:effectRef>
+          <a:fontRef idx="minor">
+            <a:schemeClr val="lt1"/>
+          </a:fontRef>
+        </p:style>
+        <p:txBody>
+          <a:bodyPr rtlCol="0" anchor="ctr"/>
+          <a:lstStyle/>
+          <a:p>
+            <a:pPr algn="ctr"/>
+            <a:r>
+              <a:rPr kumimoji="1" lang="ja-JP" altLang="en-US" sz="4000" b="1" dirty="0" smtClean="0">
+                <a:latin typeface="ＭＳ ゴシック" pitchFamily="49" charset="-128"/>
+                <a:ea typeface="ＭＳ ゴシック" pitchFamily="49" charset="-128"/>
+              </a:rPr>
+              <a:t>時系列解析</a:t>
+            </a:r>
+            <a:endParaRPr kumimoji="1" lang="ja-JP" altLang="en-US" sz="4000" b="1" dirty="0">
+              <a:latin typeface="ＭＳ ゴシック" pitchFamily="49" charset="-128"/>
+              <a:ea typeface="ＭＳ ゴシック" pitchFamily="49" charset="-128"/>
+            </a:endParaRPr>
+          </a:p>
+        </p:txBody>
+      </p:sp>
+      <p:pic>
+        <p:nvPicPr>
+          <p:cNvPr id="1026" name="Picture 2"/>
+          <p:cNvPicPr>
+            <a:picLocks noChangeAspect="1" noChangeArrowheads="1"/>
+          </p:cNvPicPr>
+          <p:nvPr/>
+        </p:nvPicPr>
+        <p:blipFill>
+          <a:blip r:embed="rId3">
+            <a:extLst>
+              <a:ext uri="{28A0092B-C50C-407E-A947-70E740481C1C}">
+                <a14:useLocalDpi xmlns:a14="http://schemas.microsoft.com/office/drawing/2010/main" val="0"/>
+              </a:ext>
+            </a:extLst>
+          </a:blip>
+          <a:srcRect/>
+          <a:stretch>
+            <a:fillRect/>
+          </a:stretch>
+        </p:blipFill>
+        <p:spPr bwMode="auto">
+          <a:xfrm>
+            <a:off x="14177914" y="20961612"/>
+            <a:ext cx="6164558" cy="3107367"/>
+          </a:xfrm>
+          <a:prstGeom prst="rect">
+            <a:avLst/>
+          </a:prstGeom>
+          <a:noFill/>
+          <a:ln>
+            <a:noFill/>
+          </a:ln>
+          <a:effectLst/>
+          <a:extLst>
+            <a:ext uri="{909E8E84-426E-40DD-AFC4-6F175D3DCCD1}">
+              <a14:hiddenFill xmlns:a14="http://schemas.microsoft.com/office/drawing/2010/main">
+                <a:solidFill>
+                  <a:schemeClr val="accent1"/>
+                </a:solidFill>
+              </a14:hiddenFill>
+            </a:ext>
+            <a:ext uri="{91240B29-F687-4F45-9708-019B960494DF}">
+              <a14:hiddenLine xmlns:a14="http://schemas.microsoft.com/office/drawing/2010/main" w="9525">
+                <a:solidFill>
+                  <a:schemeClr val="tx1"/>
+                </a:solidFill>
+                <a:miter lim="800000"/>
+                <a:headEnd/>
+                <a:tailEnd/>
+              </a14:hiddenLine>
+            </a:ext>
+            <a:ext uri="{AF507438-7753-43E0-B8FC-AC1667EBCBE1}">
+              <a14:hiddenEffects xmlns:a14="http://schemas.microsoft.com/office/drawing/2010/main">
+                <a:effectLst>
+                  <a:outerShdw dist="35921" dir="2700000" algn="ctr" rotWithShape="0">
+                    <a:schemeClr val="bg2"/>
+                  </a:outerShdw>
+                </a:effectLst>
+              </a14:hiddenEffects>
+            </a:ext>
+          </a:extLst>
+        </p:spPr>
+      </p:pic>
       <p:grpSp>
         <p:nvGrpSpPr>
-          <p:cNvPr id="29" name="グループ化 28"/>
+          <p:cNvPr id="53" name="グループ化 52"/>
           <p:cNvGrpSpPr/>
           <p:nvPr/>
         </p:nvGrpSpPr>
         <p:grpSpPr>
           <a:xfrm>
-            <a:off x="6876976" y="19028419"/>
-            <a:ext cx="13825536" cy="6364759"/>
-            <a:chOff x="6876976" y="19028419"/>
-            <a:chExt cx="13825536" cy="6364759"/>
+            <a:off x="180232" y="24645043"/>
+            <a:ext cx="7272808" cy="5256583"/>
+            <a:chOff x="180232" y="24645043"/>
+            <a:chExt cx="7272808" cy="5256583"/>
           </a:xfrm>
           <a:scene3d>
             <a:camera prst="orthographicFront">
@@ -17776,14 +18342,14 @@
         </p:grpSpPr>
         <p:sp>
           <p:nvSpPr>
-            <p:cNvPr id="47" name="正方形/長方形 46"/>
+            <p:cNvPr id="79" name="正方形/長方形 78"/>
             <p:cNvSpPr/>
             <p:nvPr/>
           </p:nvSpPr>
           <p:spPr>
             <a:xfrm>
-              <a:off x="7284418" y="19918857"/>
-              <a:ext cx="13418094" cy="5474321"/>
+              <a:off x="636925" y="25765767"/>
+              <a:ext cx="6816115" cy="4135859"/>
             </a:xfrm>
             <a:prstGeom prst="rect">
               <a:avLst/>
@@ -17833,14 +18399,14 @@
         </p:sp>
         <p:sp>
           <p:nvSpPr>
-            <p:cNvPr id="48" name="正方形/長方形 47"/>
+            <p:cNvPr id="80" name="正方形/長方形 79"/>
             <p:cNvSpPr/>
             <p:nvPr/>
           </p:nvSpPr>
           <p:spPr>
             <a:xfrm>
-              <a:off x="6876976" y="19028419"/>
-              <a:ext cx="3605259" cy="1368152"/>
+              <a:off x="180232" y="24645043"/>
+              <a:ext cx="4048056" cy="1721984"/>
             </a:xfrm>
             <a:prstGeom prst="rect">
               <a:avLst/>
@@ -17882,11 +18448,11 @@
             <a:p>
               <a:pPr algn="ctr"/>
               <a:r>
-                <a:rPr lang="en-US" altLang="ja-JP" sz="6000" b="1" dirty="0" err="1" smtClean="0">
+                <a:rPr lang="ja-JP" altLang="en-US" sz="6000" b="1" dirty="0">
                   <a:latin typeface="ＭＳ ゴシック" pitchFamily="49" charset="-128"/>
                   <a:ea typeface="ＭＳ ゴシック" pitchFamily="49" charset="-128"/>
                 </a:rPr>
-                <a:t>GitHub</a:t>
+                <a:t>成果物</a:t>
               </a:r>
               <a:endParaRPr kumimoji="1" lang="ja-JP" altLang="en-US" sz="6000" b="1" dirty="0">
                 <a:latin typeface="ＭＳ ゴシック" pitchFamily="49" charset="-128"/>
@@ -17898,14 +18464,14 @@
       </p:grpSp>
       <p:sp>
         <p:nvSpPr>
-          <p:cNvPr id="49" name="正方形/長方形 48"/>
+          <p:cNvPr id="78" name="正方形/長方形 77"/>
           <p:cNvSpPr/>
           <p:nvPr/>
         </p:nvSpPr>
         <p:spPr>
           <a:xfrm>
-            <a:off x="7669064" y="21620707"/>
-            <a:ext cx="12745416" cy="3456384"/>
+            <a:off x="987357" y="26729551"/>
+            <a:ext cx="6158579" cy="2809554"/>
           </a:xfrm>
           <a:prstGeom prst="rect">
             <a:avLst/>
@@ -17957,374 +18523,8 @@
           <a:lstStyle/>
           <a:p>
             <a:pPr algn="ctr"/>
-            <a:endParaRPr lang="en-US" altLang="ja-JP" sz="3500" dirty="0" smtClean="0">
-              <a:solidFill>
-                <a:schemeClr val="tx1"/>
-              </a:solidFill>
-              <a:latin typeface="ＭＳ ゴシック" pitchFamily="49" charset="-128"/>
-              <a:ea typeface="ＭＳ ゴシック" pitchFamily="49" charset="-128"/>
-            </a:endParaRPr>
-          </a:p>
-          <a:p>
-            <a:pPr algn="ctr"/>
-            <a:endParaRPr kumimoji="1" lang="en-US" altLang="ja-JP" sz="3500" b="1" dirty="0" smtClean="0">
-              <a:solidFill>
-                <a:schemeClr val="tx1"/>
-              </a:solidFill>
-              <a:latin typeface="ＭＳ ゴシック" pitchFamily="49" charset="-128"/>
-              <a:ea typeface="ＭＳ ゴシック" pitchFamily="49" charset="-128"/>
-            </a:endParaRPr>
-          </a:p>
-          <a:p>
-            <a:pPr marL="457200" indent="-457200" algn="just">
-              <a:buFont typeface="Arial" pitchFamily="34" charset="0"/>
-              <a:buChar char="•"/>
-            </a:pPr>
-            <a:r>
-              <a:rPr lang="en-US" altLang="ja-JP" sz="3500" dirty="0" smtClean="0">
-                <a:solidFill>
-                  <a:schemeClr val="tx1"/>
-                </a:solidFill>
-                <a:latin typeface="ＭＳ ゴシック" pitchFamily="49" charset="-128"/>
-                <a:ea typeface="ＭＳ ゴシック" pitchFamily="49" charset="-128"/>
-              </a:rPr>
-              <a:t>2013</a:t>
-            </a:r>
-            <a:r>
-              <a:rPr lang="ja-JP" altLang="en-US" sz="3500" dirty="0" smtClean="0">
-                <a:solidFill>
-                  <a:schemeClr val="tx1"/>
-                </a:solidFill>
-                <a:latin typeface="ＭＳ ゴシック" pitchFamily="49" charset="-128"/>
-                <a:ea typeface="ＭＳ ゴシック" pitchFamily="49" charset="-128"/>
-              </a:rPr>
-              <a:t>年にユーザ数</a:t>
-            </a:r>
-            <a:r>
-              <a:rPr lang="en-US" altLang="ja-JP" sz="3500" dirty="0" smtClean="0">
-                <a:solidFill>
-                  <a:schemeClr val="tx1"/>
-                </a:solidFill>
-                <a:latin typeface="ＭＳ ゴシック" pitchFamily="49" charset="-128"/>
-                <a:ea typeface="ＭＳ ゴシック" pitchFamily="49" charset="-128"/>
-              </a:rPr>
-              <a:t>400</a:t>
-            </a:r>
-            <a:r>
-              <a:rPr lang="ja-JP" altLang="en-US" sz="3500" dirty="0" smtClean="0">
-                <a:solidFill>
-                  <a:schemeClr val="tx1"/>
-                </a:solidFill>
-                <a:latin typeface="ＭＳ ゴシック" pitchFamily="49" charset="-128"/>
-                <a:ea typeface="ＭＳ ゴシック" pitchFamily="49" charset="-128"/>
-              </a:rPr>
-              <a:t>万人を突破</a:t>
-            </a:r>
-            <a:endParaRPr lang="en-US" altLang="ja-JP" sz="3500" dirty="0" smtClean="0">
-              <a:solidFill>
-                <a:schemeClr val="tx1"/>
-              </a:solidFill>
-              <a:latin typeface="ＭＳ ゴシック" pitchFamily="49" charset="-128"/>
-              <a:ea typeface="ＭＳ ゴシック" pitchFamily="49" charset="-128"/>
-            </a:endParaRPr>
-          </a:p>
-          <a:p>
-            <a:pPr marL="457200" indent="-457200" algn="just">
-              <a:buFont typeface="Arial" pitchFamily="34" charset="0"/>
-              <a:buChar char="•"/>
-            </a:pPr>
-            <a:r>
-              <a:rPr lang="ja-JP" altLang="en-US" sz="3500" dirty="0" smtClean="0">
-                <a:solidFill>
-                  <a:schemeClr val="tx1"/>
-                </a:solidFill>
-                <a:latin typeface="ＭＳ ゴシック" pitchFamily="49" charset="-128"/>
-                <a:ea typeface="ＭＳ ゴシック" pitchFamily="49" charset="-128"/>
-              </a:rPr>
-              <a:t>バージョン管理が行える</a:t>
-            </a:r>
-            <a:endParaRPr lang="en-US" altLang="ja-JP" sz="3500" dirty="0">
-              <a:solidFill>
-                <a:schemeClr val="tx1"/>
-              </a:solidFill>
-              <a:latin typeface="ＭＳ ゴシック" pitchFamily="49" charset="-128"/>
-              <a:ea typeface="ＭＳ ゴシック" pitchFamily="49" charset="-128"/>
-            </a:endParaRPr>
-          </a:p>
-          <a:p>
-            <a:pPr marL="457200" indent="-457200" algn="just">
-              <a:buFont typeface="Arial" pitchFamily="34" charset="0"/>
-              <a:buChar char="•"/>
-            </a:pPr>
-            <a:r>
-              <a:rPr lang="en-US" altLang="ja-JP" sz="3500" dirty="0" smtClean="0">
-                <a:solidFill>
-                  <a:schemeClr val="tx1"/>
-                </a:solidFill>
-                <a:latin typeface="ＭＳ ゴシック" pitchFamily="49" charset="-128"/>
-                <a:ea typeface="ＭＳ ゴシック" pitchFamily="49" charset="-128"/>
-              </a:rPr>
-              <a:t>Issue</a:t>
-            </a:r>
-            <a:r>
-              <a:rPr lang="ja-JP" altLang="en-US" sz="3500" dirty="0" smtClean="0">
-                <a:solidFill>
-                  <a:schemeClr val="tx1"/>
-                </a:solidFill>
-                <a:latin typeface="ＭＳ ゴシック" pitchFamily="49" charset="-128"/>
-                <a:ea typeface="ＭＳ ゴシック" pitchFamily="49" charset="-128"/>
-              </a:rPr>
-              <a:t>というチケットと似た役割を持つツールが存在する</a:t>
-            </a:r>
-            <a:endParaRPr lang="en-US" altLang="ja-JP" sz="3500" dirty="0" smtClean="0">
-              <a:solidFill>
-                <a:schemeClr val="tx1"/>
-              </a:solidFill>
-              <a:latin typeface="ＭＳ ゴシック" pitchFamily="49" charset="-128"/>
-              <a:ea typeface="ＭＳ ゴシック" pitchFamily="49" charset="-128"/>
-            </a:endParaRPr>
-          </a:p>
-          <a:p>
-            <a:pPr marL="457200" indent="-457200" algn="just">
-              <a:buFont typeface="Arial" pitchFamily="34" charset="0"/>
-              <a:buChar char="•"/>
-            </a:pPr>
-            <a:r>
-              <a:rPr lang="ja-JP" altLang="en-US" sz="3500" dirty="0" smtClean="0">
-                <a:solidFill>
-                  <a:schemeClr val="tx1"/>
-                </a:solidFill>
-                <a:latin typeface="ＭＳ ゴシック" pitchFamily="49" charset="-128"/>
-                <a:ea typeface="ＭＳ ゴシック" pitchFamily="49" charset="-128"/>
-              </a:rPr>
-              <a:t>膨大な数のプロジェクトが公開されている</a:t>
-            </a:r>
-            <a:endParaRPr lang="en-US" altLang="ja-JP" sz="3500" dirty="0" smtClean="0">
-              <a:solidFill>
-                <a:schemeClr val="tx1"/>
-              </a:solidFill>
-              <a:latin typeface="ＭＳ ゴシック" pitchFamily="49" charset="-128"/>
-              <a:ea typeface="ＭＳ ゴシック" pitchFamily="49" charset="-128"/>
-            </a:endParaRPr>
-          </a:p>
-        </p:txBody>
-      </p:sp>
-      <p:sp>
-        <p:nvSpPr>
-          <p:cNvPr id="50" name="正方形/長方形 49"/>
-          <p:cNvSpPr/>
-          <p:nvPr/>
-        </p:nvSpPr>
-        <p:spPr>
-          <a:xfrm>
-            <a:off x="7669064" y="20684603"/>
-            <a:ext cx="12745416" cy="936104"/>
-          </a:xfrm>
-          <a:prstGeom prst="rect">
-            <a:avLst/>
-          </a:prstGeom>
-          <a:solidFill>
-            <a:srgbClr val="0070C0"/>
-          </a:solidFill>
-          <a:ln>
-            <a:noFill/>
-          </a:ln>
-          <a:effectLst>
-            <a:outerShdw blurRad="107950" dist="12700" dir="5400000" algn="ctr">
-              <a:srgbClr val="000000"/>
-            </a:outerShdw>
-          </a:effectLst>
-          <a:scene3d>
-            <a:camera prst="orthographicFront">
-              <a:rot lat="0" lon="0" rev="0"/>
-            </a:camera>
-            <a:lightRig rig="soft" dir="t">
-              <a:rot lat="0" lon="0" rev="0"/>
-            </a:lightRig>
-          </a:scene3d>
-          <a:sp3d contourW="44450" prstMaterial="matte">
-            <a:bevelT w="63500" h="63500" prst="artDeco"/>
-            <a:contourClr>
-              <a:srgbClr val="FFFFFF"/>
-            </a:contourClr>
-          </a:sp3d>
-        </p:spPr>
-        <p:style>
-          <a:lnRef idx="2">
-            <a:schemeClr val="accent1">
-              <a:shade val="50000"/>
-            </a:schemeClr>
-          </a:lnRef>
-          <a:fillRef idx="1">
-            <a:schemeClr val="accent1"/>
-          </a:fillRef>
-          <a:effectRef idx="0">
-            <a:schemeClr val="accent1"/>
-          </a:effectRef>
-          <a:fontRef idx="minor">
-            <a:schemeClr val="lt1"/>
-          </a:fontRef>
-        </p:style>
-        <p:txBody>
-          <a:bodyPr rtlCol="0" anchor="ctr"/>
-          <a:lstStyle/>
-          <a:p>
-            <a:pPr algn="ctr"/>
-            <a:r>
-              <a:rPr lang="en-US" altLang="ja-JP" sz="4000" b="1" dirty="0" err="1">
-                <a:latin typeface="ＭＳ ゴシック" pitchFamily="49" charset="-128"/>
-                <a:ea typeface="ＭＳ ゴシック" pitchFamily="49" charset="-128"/>
-              </a:rPr>
-              <a:t>GitHub</a:t>
-            </a:r>
-            <a:r>
-              <a:rPr lang="ja-JP" altLang="en-US" sz="4000" b="1" dirty="0">
-                <a:latin typeface="ＭＳ ゴシック" pitchFamily="49" charset="-128"/>
-                <a:ea typeface="ＭＳ ゴシック" pitchFamily="49" charset="-128"/>
-              </a:rPr>
-              <a:t>と</a:t>
-            </a:r>
-            <a:r>
-              <a:rPr lang="ja-JP" altLang="en-US" sz="4000" b="1" dirty="0" smtClean="0">
-                <a:latin typeface="ＭＳ ゴシック" pitchFamily="49" charset="-128"/>
-                <a:ea typeface="ＭＳ ゴシック" pitchFamily="49" charset="-128"/>
-              </a:rPr>
-              <a:t>は？</a:t>
-            </a:r>
-            <a:endParaRPr kumimoji="1" lang="ja-JP" altLang="en-US" sz="4000" b="1" dirty="0">
-              <a:latin typeface="ＭＳ ゴシック" pitchFamily="49" charset="-128"/>
-              <a:ea typeface="ＭＳ ゴシック" pitchFamily="49" charset="-128"/>
-            </a:endParaRPr>
-          </a:p>
-        </p:txBody>
-      </p:sp>
-      <p:pic>
-        <p:nvPicPr>
-          <p:cNvPr id="23" name="Picture 3"/>
-          <p:cNvPicPr>
-            <a:picLocks noChangeAspect="1" noChangeArrowheads="1"/>
-          </p:cNvPicPr>
-          <p:nvPr/>
-        </p:nvPicPr>
-        <p:blipFill>
-          <a:blip r:embed="rId3">
-            <a:extLst>
-              <a:ext uri="{28A0092B-C50C-407E-A947-70E740481C1C}">
-                <a14:useLocalDpi xmlns:a14="http://schemas.microsoft.com/office/drawing/2010/main" val="0"/>
-              </a:ext>
-            </a:extLst>
-          </a:blip>
-          <a:srcRect/>
-          <a:stretch>
-            <a:fillRect/>
-          </a:stretch>
-        </p:blipFill>
-        <p:spPr bwMode="auto">
-          <a:xfrm>
-            <a:off x="13645728" y="25656353"/>
-            <a:ext cx="7560840" cy="4461297"/>
-          </a:xfrm>
-          <a:prstGeom prst="rect">
-            <a:avLst/>
-          </a:prstGeom>
-          <a:noFill/>
-          <a:ln>
-            <a:noFill/>
-          </a:ln>
-          <a:effectLst/>
-          <a:extLst>
-            <a:ext uri="{909E8E84-426E-40DD-AFC4-6F175D3DCCD1}">
-              <a14:hiddenFill xmlns:a14="http://schemas.microsoft.com/office/drawing/2010/main">
-                <a:solidFill>
-                  <a:schemeClr val="accent1"/>
-                </a:solidFill>
-              </a14:hiddenFill>
-            </a:ext>
-            <a:ext uri="{91240B29-F687-4F45-9708-019B960494DF}">
-              <a14:hiddenLine xmlns:a14="http://schemas.microsoft.com/office/drawing/2010/main" w="9525">
-                <a:solidFill>
-                  <a:schemeClr val="tx1"/>
-                </a:solidFill>
-                <a:miter lim="800000"/>
-                <a:headEnd/>
-                <a:tailEnd/>
-              </a14:hiddenLine>
-            </a:ext>
-            <a:ext uri="{AF507438-7753-43E0-B8FC-AC1667EBCBE1}">
-              <a14:hiddenEffects xmlns:a14="http://schemas.microsoft.com/office/drawing/2010/main">
-                <a:effectLst>
-                  <a:outerShdw dist="35921" dir="2700000" algn="ctr" rotWithShape="0">
-                    <a:schemeClr val="bg2"/>
-                  </a:outerShdw>
-                </a:effectLst>
-              </a14:hiddenEffects>
-            </a:ext>
-          </a:extLst>
-        </p:spPr>
-      </p:pic>
-      <p:sp>
-        <p:nvSpPr>
-          <p:cNvPr id="26" name="正方形/長方形 25"/>
-          <p:cNvSpPr/>
-          <p:nvPr/>
-        </p:nvSpPr>
-        <p:spPr>
-          <a:xfrm>
-            <a:off x="900312" y="27381347"/>
-            <a:ext cx="12169351" cy="2232248"/>
-          </a:xfrm>
-          <a:prstGeom prst="rect">
-            <a:avLst/>
-          </a:prstGeom>
-          <a:solidFill>
-            <a:schemeClr val="bg1"/>
-          </a:solidFill>
-          <a:ln>
-            <a:noFill/>
-          </a:ln>
-          <a:effectLst>
-            <a:outerShdw blurRad="107950" dist="12700" dir="5400000" algn="ctr">
-              <a:srgbClr val="000000"/>
-            </a:outerShdw>
-          </a:effectLst>
-          <a:scene3d>
-            <a:camera prst="orthographicFront">
-              <a:rot lat="0" lon="0" rev="0"/>
-            </a:camera>
-            <a:lightRig rig="soft" dir="t">
-              <a:rot lat="0" lon="0" rev="0"/>
-            </a:lightRig>
-          </a:scene3d>
-          <a:sp3d contourW="44450" prstMaterial="matte">
-            <a:bevelT w="63500" h="63500" prst="artDeco"/>
-            <a:contourClr>
-              <a:srgbClr val="FFFFFF"/>
-            </a:contourClr>
-          </a:sp3d>
-        </p:spPr>
-        <p:style>
-          <a:lnRef idx="2">
-            <a:schemeClr val="accent1">
-              <a:shade val="50000"/>
-            </a:schemeClr>
-          </a:lnRef>
-          <a:fillRef idx="1">
-            <a:schemeClr val="accent1"/>
-          </a:fillRef>
-          <a:effectRef idx="0">
-            <a:schemeClr val="accent1"/>
-          </a:effectRef>
-          <a:fontRef idx="minor">
-            <a:schemeClr val="lt1"/>
-          </a:fontRef>
-        </p:style>
-        <p:txBody>
-          <a:bodyPr rtlCol="0" anchor="ctr"/>
-          <a:lstStyle/>
-          <a:p>
-            <a:pPr algn="ctr"/>
-            <a:r>
-              <a:rPr lang="en-US" altLang="ja-JP" sz="3200" dirty="0" smtClean="0">
+            <a:r>
+              <a:rPr lang="en-US" altLang="ja-JP" sz="3200" dirty="0">
                 <a:solidFill>
                   <a:schemeClr val="tx1"/>
                 </a:solidFill>
@@ -18352,46 +18552,6 @@
                 <a:ea typeface="ＭＳ ゴシック" pitchFamily="49" charset="-128"/>
               </a:rPr>
               <a:t>の</a:t>
-            </a:r>
-            <a:r>
-              <a:rPr lang="ja-JP" altLang="en-US" sz="3200" dirty="0">
-                <a:solidFill>
-                  <a:schemeClr val="tx1"/>
-                </a:solidFill>
-                <a:latin typeface="ＭＳ ゴシック" pitchFamily="49" charset="-128"/>
-                <a:ea typeface="ＭＳ ゴシック" pitchFamily="49" charset="-128"/>
-              </a:rPr>
-              <a:t>チケット</a:t>
-            </a:r>
-            <a:r>
-              <a:rPr lang="ja-JP" altLang="en-US" sz="3200" dirty="0" smtClean="0">
-                <a:solidFill>
-                  <a:schemeClr val="tx1"/>
-                </a:solidFill>
-                <a:latin typeface="ＭＳ ゴシック" pitchFamily="49" charset="-128"/>
-                <a:ea typeface="ＭＳ ゴシック" pitchFamily="49" charset="-128"/>
-              </a:rPr>
-              <a:t>データ</a:t>
-            </a:r>
-            <a:r>
-              <a:rPr lang="ja-JP" altLang="en-US" sz="3200" dirty="0">
-                <a:solidFill>
-                  <a:schemeClr val="tx1"/>
-                </a:solidFill>
-                <a:latin typeface="ＭＳ ゴシック" pitchFamily="49" charset="-128"/>
-                <a:ea typeface="ＭＳ ゴシック" pitchFamily="49" charset="-128"/>
-              </a:rPr>
-              <a:t>を時系列解析した</a:t>
-            </a:r>
-            <a:r>
-              <a:rPr lang="ja-JP" altLang="en-US" sz="3200" dirty="0" smtClean="0">
-                <a:solidFill>
-                  <a:schemeClr val="tx1"/>
-                </a:solidFill>
-                <a:latin typeface="ＭＳ ゴシック" pitchFamily="49" charset="-128"/>
-                <a:ea typeface="ＭＳ ゴシック" pitchFamily="49" charset="-128"/>
-              </a:rPr>
-              <a:t>．</a:t>
             </a:r>
             <a:endParaRPr lang="en-US" altLang="ja-JP" sz="3200" dirty="0" smtClean="0">
               <a:solidFill>
@@ -18411,7 +18571,7 @@
                 <a:latin typeface="ＭＳ ゴシック" pitchFamily="49" charset="-128"/>
                 <a:ea typeface="ＭＳ ゴシック" pitchFamily="49" charset="-128"/>
               </a:rPr>
-              <a:t>利用</a:t>
+              <a:t>チケットデータ</a:t>
             </a:r>
             <a:r>
               <a:rPr lang="ja-JP" altLang="en-US" sz="3200" dirty="0">
@@ -18421,7 +18581,7 @@
                 <a:latin typeface="ＭＳ ゴシック" pitchFamily="49" charset="-128"/>
                 <a:ea typeface="ＭＳ ゴシック" pitchFamily="49" charset="-128"/>
               </a:rPr>
-              <a:t>した解析手法</a:t>
+              <a:t>を時系列解析し</a:t>
             </a:r>
             <a:r>
               <a:rPr lang="ja-JP" altLang="en-US" sz="3200" dirty="0" smtClean="0">
@@ -18431,7 +18591,7 @@
                 <a:latin typeface="ＭＳ ゴシック" pitchFamily="49" charset="-128"/>
                 <a:ea typeface="ＭＳ ゴシック" pitchFamily="49" charset="-128"/>
               </a:rPr>
-              <a:t>は，</a:t>
+              <a:t>，</a:t>
             </a:r>
             <a:endParaRPr lang="en-US" altLang="ja-JP" sz="3200" dirty="0" smtClean="0">
               <a:solidFill>
@@ -18451,7 +18611,7 @@
                 <a:latin typeface="ＭＳ ゴシック" pitchFamily="49" charset="-128"/>
                 <a:ea typeface="ＭＳ ゴシック" pitchFamily="49" charset="-128"/>
               </a:rPr>
-              <a:t>階層</a:t>
+              <a:t>幾つ</a:t>
             </a:r>
             <a:r>
               <a:rPr lang="ja-JP" altLang="en-US" sz="3200" dirty="0">
@@ -18461,75 +18621,12 @@
                 <a:latin typeface="ＭＳ ゴシック" pitchFamily="49" charset="-128"/>
                 <a:ea typeface="ＭＳ ゴシック" pitchFamily="49" charset="-128"/>
               </a:rPr>
-              <a:t>クラスター分析</a:t>
-            </a:r>
-            <a:r>
-              <a:rPr lang="ja-JP" altLang="en-US" sz="3200" dirty="0" smtClean="0">
-                <a:solidFill>
-                  <a:schemeClr val="tx1"/>
-                </a:solidFill>
-                <a:latin typeface="ＭＳ ゴシック" pitchFamily="49" charset="-128"/>
-                <a:ea typeface="ＭＳ ゴシック" pitchFamily="49" charset="-128"/>
-              </a:rPr>
-              <a:t>と非階層</a:t>
-            </a:r>
-            <a:r>
-              <a:rPr lang="ja-JP" altLang="en-US" sz="3200" dirty="0">
-                <a:solidFill>
-                  <a:schemeClr val="tx1"/>
-                </a:solidFill>
-                <a:latin typeface="ＭＳ ゴシック" pitchFamily="49" charset="-128"/>
-                <a:ea typeface="ＭＳ ゴシック" pitchFamily="49" charset="-128"/>
-              </a:rPr>
-              <a:t>クラスター分析である．</a:t>
-            </a:r>
-            <a:endParaRPr kumimoji="1" lang="ja-JP" altLang="en-US" sz="3200" dirty="0">
+              <a:t>かのパターンに分類する．</a:t>
+            </a:r>
+            <a:endParaRPr lang="en-US" altLang="ja-JP" sz="3200" dirty="0" smtClean="0">
               <a:solidFill>
                 <a:schemeClr val="tx1"/>
               </a:solidFill>
-              <a:latin typeface="ＭＳ ゴシック" pitchFamily="49" charset="-128"/>
-              <a:ea typeface="ＭＳ ゴシック" pitchFamily="49" charset="-128"/>
-            </a:endParaRPr>
-          </a:p>
-        </p:txBody>
-      </p:sp>
-      <p:sp>
-        <p:nvSpPr>
-          <p:cNvPr id="3" name="テキスト ボックス 2"/>
-          <p:cNvSpPr txBox="1"/>
-          <p:nvPr/>
-        </p:nvSpPr>
-        <p:spPr>
-          <a:xfrm>
-            <a:off x="7741072" y="21910480"/>
-            <a:ext cx="13177464" cy="646331"/>
-          </a:xfrm>
-          <a:prstGeom prst="rect">
-            <a:avLst/>
-          </a:prstGeom>
-          <a:noFill/>
-        </p:spPr>
-        <p:txBody>
-          <a:bodyPr wrap="square" rtlCol="0">
-            <a:spAutoFit/>
-          </a:bodyPr>
-          <a:lstStyle/>
-          <a:p>
-            <a:r>
-              <a:rPr lang="ja-JP" altLang="en-US" sz="3600" b="1" dirty="0">
-                <a:latin typeface="ＭＳ ゴシック" pitchFamily="49" charset="-128"/>
-                <a:ea typeface="ＭＳ ゴシック" pitchFamily="49" charset="-128"/>
-              </a:rPr>
-              <a:t>ソフトウェア開発プロジェクトのための共有</a:t>
-            </a:r>
-            <a:r>
-              <a:rPr lang="ja-JP" altLang="en-US" sz="3600" b="1" dirty="0" smtClean="0">
-                <a:latin typeface="ＭＳ ゴシック" pitchFamily="49" charset="-128"/>
-                <a:ea typeface="ＭＳ ゴシック" pitchFamily="49" charset="-128"/>
-              </a:rPr>
-              <a:t>ウェブサービス</a:t>
-            </a:r>
-            <a:endParaRPr lang="en-US" altLang="ja-JP" sz="3600" b="1" dirty="0">
               <a:latin typeface="ＭＳ ゴシック" pitchFamily="49" charset="-128"/>
               <a:ea typeface="ＭＳ ゴシック" pitchFamily="49" charset="-128"/>
             </a:endParaRPr>

--- a/卒業論文/2013/安藤勇樹/卒論中間発表_ポスター.pptx
+++ b/卒業論文/2013/安藤勇樹/卒論中間発表_ポスター.pptx
@@ -1919,7 +1919,7 @@
           <a:p>
             <a:fld id="{E0F02D5F-C429-4B0C-9185-7AF1F698AA5A}" type="datetimeFigureOut">
               <a:rPr kumimoji="1" lang="ja-JP" altLang="en-US" smtClean="0"/>
-              <a:t>2014/10/12</a:t>
+              <a:t>2014/10/15</a:t>
             </a:fld>
             <a:endParaRPr kumimoji="1" lang="ja-JP" altLang="en-US"/>
           </a:p>
@@ -2132,7 +2132,7 @@
           <a:p>
             <a:fld id="{E0F02D5F-C429-4B0C-9185-7AF1F698AA5A}" type="datetimeFigureOut">
               <a:rPr kumimoji="1" lang="ja-JP" altLang="en-US" smtClean="0"/>
-              <a:t>2014/10/12</a:t>
+              <a:t>2014/10/15</a:t>
             </a:fld>
             <a:endParaRPr kumimoji="1" lang="ja-JP" altLang="en-US"/>
           </a:p>
@@ -2283,7 +2283,7 @@
           <a:p>
             <a:fld id="{E0F02D5F-C429-4B0C-9185-7AF1F698AA5A}" type="datetimeFigureOut">
               <a:rPr kumimoji="1" lang="ja-JP" altLang="en-US" smtClean="0"/>
-              <a:t>2014/10/12</a:t>
+              <a:t>2014/10/15</a:t>
             </a:fld>
             <a:endParaRPr kumimoji="1" lang="ja-JP" altLang="en-US"/>
           </a:p>
@@ -4173,7 +4173,7 @@
           <a:p>
             <a:fld id="{E0F02D5F-C429-4B0C-9185-7AF1F698AA5A}" type="datetimeFigureOut">
               <a:rPr kumimoji="1" lang="ja-JP" altLang="en-US" smtClean="0"/>
-              <a:t>2014/10/12</a:t>
+              <a:t>2014/10/15</a:t>
             </a:fld>
             <a:endParaRPr kumimoji="1" lang="ja-JP" altLang="en-US"/>
           </a:p>
@@ -6043,7 +6043,7 @@
           <a:p>
             <a:fld id="{E0F02D5F-C429-4B0C-9185-7AF1F698AA5A}" type="datetimeFigureOut">
               <a:rPr kumimoji="1" lang="ja-JP" altLang="en-US" smtClean="0"/>
-              <a:t>2014/10/12</a:t>
+              <a:t>2014/10/15</a:t>
             </a:fld>
             <a:endParaRPr kumimoji="1" lang="ja-JP" altLang="en-US"/>
           </a:p>
@@ -6156,7 +6156,7 @@
           <a:p>
             <a:fld id="{E0F02D5F-C429-4B0C-9185-7AF1F698AA5A}" type="datetimeFigureOut">
               <a:rPr kumimoji="1" lang="ja-JP" altLang="en-US" smtClean="0"/>
-              <a:t>2014/10/12</a:t>
+              <a:t>2014/10/15</a:t>
             </a:fld>
             <a:endParaRPr kumimoji="1" lang="ja-JP" altLang="en-US"/>
           </a:p>
@@ -6825,7 +6825,7 @@
           <a:p>
             <a:fld id="{E0F02D5F-C429-4B0C-9185-7AF1F698AA5A}" type="datetimeFigureOut">
               <a:rPr kumimoji="1" lang="ja-JP" altLang="en-US" smtClean="0"/>
-              <a:t>2014/10/12</a:t>
+              <a:t>2014/10/15</a:t>
             </a:fld>
             <a:endParaRPr kumimoji="1" lang="ja-JP" altLang="en-US"/>
           </a:p>
@@ -6938,7 +6938,7 @@
           <a:p>
             <a:fld id="{E0F02D5F-C429-4B0C-9185-7AF1F698AA5A}" type="datetimeFigureOut">
               <a:rPr kumimoji="1" lang="ja-JP" altLang="en-US" smtClean="0"/>
-              <a:t>2014/10/12</a:t>
+              <a:t>2014/10/15</a:t>
             </a:fld>
             <a:endParaRPr kumimoji="1" lang="ja-JP" altLang="en-US"/>
           </a:p>
@@ -8649,7 +8649,7 @@
           <a:p>
             <a:fld id="{E0F02D5F-C429-4B0C-9185-7AF1F698AA5A}" type="datetimeFigureOut">
               <a:rPr kumimoji="1" lang="ja-JP" altLang="en-US" smtClean="0"/>
-              <a:t>2014/10/12</a:t>
+              <a:t>2014/10/15</a:t>
             </a:fld>
             <a:endParaRPr kumimoji="1" lang="ja-JP" altLang="en-US"/>
           </a:p>
@@ -8800,7 +8800,7 @@
           <a:p>
             <a:fld id="{E0F02D5F-C429-4B0C-9185-7AF1F698AA5A}" type="datetimeFigureOut">
               <a:rPr kumimoji="1" lang="ja-JP" altLang="en-US" smtClean="0"/>
-              <a:t>2014/10/12</a:t>
+              <a:t>2014/10/15</a:t>
             </a:fld>
             <a:endParaRPr kumimoji="1" lang="ja-JP" altLang="en-US"/>
           </a:p>
@@ -12447,7 +12447,7 @@
           <a:p>
             <a:fld id="{E0F02D5F-C429-4B0C-9185-7AF1F698AA5A}" type="datetimeFigureOut">
               <a:rPr kumimoji="1" lang="ja-JP" altLang="en-US" smtClean="0"/>
-              <a:t>2014/10/12</a:t>
+              <a:t>2014/10/15</a:t>
             </a:fld>
             <a:endParaRPr kumimoji="1" lang="ja-JP" altLang="en-US"/>
           </a:p>
@@ -14306,7 +14306,7 @@
           <a:p>
             <a:fld id="{E0F02D5F-C429-4B0C-9185-7AF1F698AA5A}" type="datetimeFigureOut">
               <a:rPr kumimoji="1" lang="ja-JP" altLang="en-US" smtClean="0"/>
-              <a:t>2014/10/12</a:t>
+              <a:t>2014/10/15</a:t>
             </a:fld>
             <a:endParaRPr kumimoji="1" lang="ja-JP" altLang="en-US"/>
           </a:p>
@@ -14868,43 +14868,26 @@
           <a:prstGeom prst="rect">
             <a:avLst/>
           </a:prstGeom>
-          <a:ln>
-            <a:noFill/>
+          <a:ln w="101600">
+            <a:solidFill>
+              <a:schemeClr val="bg2">
+                <a:lumMod val="50000"/>
+              </a:schemeClr>
+            </a:solidFill>
           </a:ln>
-          <a:effectLst>
-            <a:outerShdw blurRad="107950" dist="12700" dir="5400000" algn="ctr">
-              <a:srgbClr val="000000"/>
-            </a:outerShdw>
-          </a:effectLst>
-          <a:scene3d>
-            <a:camera prst="orthographicFront">
-              <a:rot lat="0" lon="0" rev="0"/>
-            </a:camera>
-            <a:lightRig rig="soft" dir="t">
-              <a:rot lat="0" lon="0" rev="0"/>
-            </a:lightRig>
-          </a:scene3d>
-          <a:sp3d contourW="44450" prstMaterial="matte">
-            <a:bevelT w="63500" h="63500" prst="artDeco"/>
-            <a:contourClr>
-              <a:srgbClr val="FFFFFF"/>
-            </a:contourClr>
-          </a:sp3d>
         </p:spPr>
         <p:style>
           <a:lnRef idx="2">
-            <a:schemeClr val="accent1">
-              <a:shade val="50000"/>
-            </a:schemeClr>
+            <a:schemeClr val="accent1"/>
           </a:lnRef>
           <a:fillRef idx="1">
-            <a:schemeClr val="accent1"/>
+            <a:schemeClr val="lt1"/>
           </a:fillRef>
           <a:effectRef idx="0">
             <a:schemeClr val="accent1"/>
           </a:effectRef>
           <a:fontRef idx="minor">
-            <a:schemeClr val="lt1"/>
+            <a:schemeClr val="dk1"/>
           </a:fontRef>
         </p:style>
         <p:txBody>
@@ -14914,6 +14897,9 @@
             <a:pPr algn="ctr"/>
             <a:r>
               <a:rPr lang="en-US" altLang="ja-JP" sz="6000" b="1" dirty="0" smtClean="0">
+                <a:solidFill>
+                  <a:sysClr val="windowText" lastClr="000000"/>
+                </a:solidFill>
                 <a:latin typeface="ＭＳ ゴシック" pitchFamily="49" charset="-128"/>
                 <a:ea typeface="ＭＳ ゴシック" pitchFamily="49" charset="-128"/>
               </a:rPr>
@@ -14921,12 +14907,18 @@
             </a:r>
             <a:r>
               <a:rPr lang="ja-JP" altLang="en-US" sz="6000" b="1" dirty="0" smtClean="0">
+                <a:solidFill>
+                  <a:sysClr val="windowText" lastClr="000000"/>
+                </a:solidFill>
                 <a:latin typeface="ＭＳ ゴシック" pitchFamily="49" charset="-128"/>
                 <a:ea typeface="ＭＳ ゴシック" pitchFamily="49" charset="-128"/>
               </a:rPr>
               <a:t>開発プロジェクトにおけるタスク処理過程の定量分析</a:t>
             </a:r>
             <a:endParaRPr kumimoji="1" lang="ja-JP" altLang="en-US" sz="6000" b="1" dirty="0">
+              <a:solidFill>
+                <a:sysClr val="windowText" lastClr="000000"/>
+              </a:solidFill>
               <a:latin typeface="ＭＳ ゴシック" pitchFamily="49" charset="-128"/>
               <a:ea typeface="ＭＳ ゴシック" pitchFamily="49" charset="-128"/>
             </a:endParaRPr>
@@ -14947,14 +14939,124 @@
           <a:prstGeom prst="rect">
             <a:avLst/>
           </a:prstGeom>
-          <a:ln>
-            <a:noFill/>
+          <a:ln w="101600">
+            <a:solidFill>
+              <a:schemeClr val="bg2">
+                <a:lumMod val="50000"/>
+              </a:schemeClr>
+            </a:solidFill>
           </a:ln>
-          <a:effectLst>
-            <a:outerShdw blurRad="107950" dist="12700" dir="5400000" algn="ctr">
-              <a:srgbClr val="000000"/>
-            </a:outerShdw>
-          </a:effectLst>
+        </p:spPr>
+        <p:style>
+          <a:lnRef idx="2">
+            <a:schemeClr val="accent1"/>
+          </a:lnRef>
+          <a:fillRef idx="1">
+            <a:schemeClr val="lt1"/>
+          </a:fillRef>
+          <a:effectRef idx="0">
+            <a:schemeClr val="accent1"/>
+          </a:effectRef>
+          <a:fontRef idx="minor">
+            <a:schemeClr val="dk1"/>
+          </a:fontRef>
+        </p:style>
+        <p:txBody>
+          <a:bodyPr rtlCol="0" anchor="ctr"/>
+          <a:lstStyle/>
+          <a:p>
+            <a:pPr algn="ctr"/>
+            <a:r>
+              <a:rPr kumimoji="1" lang="en-US" altLang="ja-JP" sz="5000" b="1" dirty="0" smtClean="0">
+                <a:solidFill>
+                  <a:sysClr val="windowText" lastClr="000000"/>
+                </a:solidFill>
+                <a:latin typeface="ＭＳ ゴシック" pitchFamily="49" charset="-128"/>
+                <a:ea typeface="ＭＳ ゴシック" pitchFamily="49" charset="-128"/>
+              </a:rPr>
+              <a:t>PM</a:t>
+            </a:r>
+            <a:r>
+              <a:rPr kumimoji="1" lang="ja-JP" altLang="en-US" sz="5000" b="1" dirty="0" smtClean="0">
+                <a:solidFill>
+                  <a:sysClr val="windowText" lastClr="000000"/>
+                </a:solidFill>
+                <a:latin typeface="ＭＳ ゴシック" pitchFamily="49" charset="-128"/>
+                <a:ea typeface="ＭＳ ゴシック" pitchFamily="49" charset="-128"/>
+              </a:rPr>
+              <a:t>コース　</a:t>
+            </a:r>
+            <a:r>
+              <a:rPr lang="ja-JP" altLang="en-US" sz="5000" b="1" dirty="0">
+                <a:solidFill>
+                  <a:sysClr val="windowText" lastClr="000000"/>
+                </a:solidFill>
+                <a:latin typeface="ＭＳ ゴシック" pitchFamily="49" charset="-128"/>
+                <a:ea typeface="ＭＳ ゴシック" pitchFamily="49" charset="-128"/>
+              </a:rPr>
+              <a:t>矢吹</a:t>
+            </a:r>
+            <a:r>
+              <a:rPr lang="ja-JP" altLang="en-US" sz="5000" b="1" dirty="0" smtClean="0">
+                <a:solidFill>
+                  <a:sysClr val="windowText" lastClr="000000"/>
+                </a:solidFill>
+                <a:latin typeface="ＭＳ ゴシック" pitchFamily="49" charset="-128"/>
+                <a:ea typeface="ＭＳ ゴシック" pitchFamily="49" charset="-128"/>
+              </a:rPr>
+              <a:t>研究室　</a:t>
+            </a:r>
+            <a:r>
+              <a:rPr lang="en-US" altLang="ja-JP" sz="5000" b="1" dirty="0" smtClean="0">
+                <a:solidFill>
+                  <a:sysClr val="windowText" lastClr="000000"/>
+                </a:solidFill>
+                <a:latin typeface="ＭＳ ゴシック" pitchFamily="49" charset="-128"/>
+                <a:ea typeface="ＭＳ ゴシック" pitchFamily="49" charset="-128"/>
+              </a:rPr>
+              <a:t>1142009</a:t>
+            </a:r>
+            <a:r>
+              <a:rPr lang="ja-JP" altLang="en-US" sz="5000" b="1" dirty="0" smtClean="0">
+                <a:solidFill>
+                  <a:sysClr val="windowText" lastClr="000000"/>
+                </a:solidFill>
+                <a:latin typeface="ＭＳ ゴシック" pitchFamily="49" charset="-128"/>
+                <a:ea typeface="ＭＳ ゴシック" pitchFamily="49" charset="-128"/>
+              </a:rPr>
+              <a:t>　安藤勇樹</a:t>
+            </a:r>
+            <a:endParaRPr kumimoji="1" lang="ja-JP" altLang="en-US" sz="5000" b="1" dirty="0">
+              <a:solidFill>
+                <a:sysClr val="windowText" lastClr="000000"/>
+              </a:solidFill>
+              <a:latin typeface="ＭＳ ゴシック" pitchFamily="49" charset="-128"/>
+              <a:ea typeface="ＭＳ ゴシック" pitchFamily="49" charset="-128"/>
+            </a:endParaRPr>
+          </a:p>
+        </p:txBody>
+      </p:sp>
+      <p:sp>
+        <p:nvSpPr>
+          <p:cNvPr id="10" name="正方形/長方形 9"/>
+          <p:cNvSpPr/>
+          <p:nvPr/>
+        </p:nvSpPr>
+        <p:spPr>
+          <a:xfrm>
+            <a:off x="659682" y="4409082"/>
+            <a:ext cx="20042830" cy="5474321"/>
+          </a:xfrm>
+          <a:prstGeom prst="rect">
+            <a:avLst/>
+          </a:prstGeom>
+          <a:ln w="101600">
+            <a:solidFill>
+              <a:schemeClr val="bg2">
+                <a:lumMod val="50000"/>
+              </a:schemeClr>
+            </a:solidFill>
+          </a:ln>
           <a:scene3d>
             <a:camera prst="orthographicFront">
               <a:rot lat="0" lon="0" rev="0"/>
@@ -14963,27 +15065,19 @@
               <a:rot lat="0" lon="0" rev="0"/>
             </a:lightRig>
           </a:scene3d>
-          <a:sp3d contourW="44450" prstMaterial="matte">
-            <a:bevelT w="63500" h="63500" prst="artDeco"/>
-            <a:contourClr>
-              <a:srgbClr val="FFFFFF"/>
-            </a:contourClr>
-          </a:sp3d>
         </p:spPr>
         <p:style>
           <a:lnRef idx="2">
-            <a:schemeClr val="accent1">
-              <a:shade val="50000"/>
-            </a:schemeClr>
+            <a:schemeClr val="accent1"/>
           </a:lnRef>
           <a:fillRef idx="1">
-            <a:schemeClr val="accent1"/>
+            <a:schemeClr val="lt1"/>
           </a:fillRef>
           <a:effectRef idx="0">
             <a:schemeClr val="accent1"/>
           </a:effectRef>
           <a:fontRef idx="minor">
-            <a:schemeClr val="lt1"/>
+            <a:schemeClr val="dk1"/>
           </a:fontRef>
         </p:style>
         <p:txBody>
@@ -14991,68 +15085,37 @@
           <a:lstStyle/>
           <a:p>
             <a:pPr algn="ctr"/>
-            <a:r>
-              <a:rPr kumimoji="1" lang="en-US" altLang="ja-JP" sz="5000" b="1" dirty="0" smtClean="0">
-                <a:latin typeface="ＭＳ ゴシック" pitchFamily="49" charset="-128"/>
-                <a:ea typeface="ＭＳ ゴシック" pitchFamily="49" charset="-128"/>
-              </a:rPr>
-              <a:t>PM</a:t>
-            </a:r>
-            <a:r>
-              <a:rPr kumimoji="1" lang="ja-JP" altLang="en-US" sz="5000" b="1" dirty="0" smtClean="0">
-                <a:latin typeface="ＭＳ ゴシック" pitchFamily="49" charset="-128"/>
-                <a:ea typeface="ＭＳ ゴシック" pitchFamily="49" charset="-128"/>
-              </a:rPr>
-              <a:t>コース　</a:t>
-            </a:r>
-            <a:r>
-              <a:rPr lang="ja-JP" altLang="en-US" sz="5000" b="1" dirty="0">
-                <a:latin typeface="ＭＳ ゴシック" pitchFamily="49" charset="-128"/>
-                <a:ea typeface="ＭＳ ゴシック" pitchFamily="49" charset="-128"/>
-              </a:rPr>
-              <a:t>矢吹</a:t>
-            </a:r>
-            <a:r>
-              <a:rPr lang="ja-JP" altLang="en-US" sz="5000" b="1" dirty="0" smtClean="0">
-                <a:latin typeface="ＭＳ ゴシック" pitchFamily="49" charset="-128"/>
-                <a:ea typeface="ＭＳ ゴシック" pitchFamily="49" charset="-128"/>
-              </a:rPr>
-              <a:t>研究室　</a:t>
-            </a:r>
-            <a:r>
-              <a:rPr lang="en-US" altLang="ja-JP" sz="5000" b="1" dirty="0" smtClean="0">
-                <a:latin typeface="ＭＳ ゴシック" pitchFamily="49" charset="-128"/>
-                <a:ea typeface="ＭＳ ゴシック" pitchFamily="49" charset="-128"/>
-              </a:rPr>
-              <a:t>1142009</a:t>
-            </a:r>
-            <a:r>
-              <a:rPr lang="ja-JP" altLang="en-US" sz="5000" b="1" dirty="0" smtClean="0">
-                <a:latin typeface="ＭＳ ゴシック" pitchFamily="49" charset="-128"/>
-                <a:ea typeface="ＭＳ ゴシック" pitchFamily="49" charset="-128"/>
-              </a:rPr>
-              <a:t>　安藤勇樹</a:t>
-            </a:r>
-            <a:endParaRPr kumimoji="1" lang="ja-JP" altLang="en-US" sz="5000" b="1" dirty="0">
+            <a:endParaRPr kumimoji="1" lang="ja-JP" altLang="en-US" sz="4000" dirty="0">
+              <a:solidFill>
+                <a:sysClr val="windowText" lastClr="000000"/>
+              </a:solidFill>
               <a:latin typeface="ＭＳ ゴシック" pitchFamily="49" charset="-128"/>
               <a:ea typeface="ＭＳ ゴシック" pitchFamily="49" charset="-128"/>
             </a:endParaRPr>
           </a:p>
         </p:txBody>
       </p:sp>
-      <p:grpSp>
-        <p:nvGrpSpPr>
-          <p:cNvPr id="7" name="グループ化 6"/>
-          <p:cNvGrpSpPr/>
+      <p:sp>
+        <p:nvSpPr>
+          <p:cNvPr id="9" name="正方形/長方形 8"/>
+          <p:cNvSpPr/>
           <p:nvPr/>
-        </p:nvGrpSpPr>
-        <p:grpSpPr>
+        </p:nvSpPr>
+        <p:spPr>
           <a:xfrm>
             <a:off x="252240" y="3518644"/>
-            <a:ext cx="20450272" cy="6364759"/>
-            <a:chOff x="252240" y="3518644"/>
-            <a:chExt cx="20450272" cy="6364759"/>
+            <a:ext cx="3605259" cy="1368152"/>
           </a:xfrm>
+          <a:prstGeom prst="rect">
+            <a:avLst/>
+          </a:prstGeom>
+          <a:ln w="101600">
+            <a:solidFill>
+              <a:schemeClr val="bg2">
+                <a:lumMod val="50000"/>
+              </a:schemeClr>
+            </a:solidFill>
+          </a:ln>
           <a:scene3d>
             <a:camera prst="orthographicFront">
               <a:rot lat="0" lon="0" rev="0"/>
@@ -15061,129 +15124,46 @@
               <a:rot lat="0" lon="0" rev="0"/>
             </a:lightRig>
           </a:scene3d>
-        </p:grpSpPr>
-        <p:sp>
-          <p:nvSpPr>
-            <p:cNvPr id="10" name="正方形/長方形 9"/>
-            <p:cNvSpPr/>
-            <p:nvPr/>
-          </p:nvSpPr>
-          <p:spPr>
-            <a:xfrm>
-              <a:off x="659682" y="4409082"/>
-              <a:ext cx="20042830" cy="5474321"/>
-            </a:xfrm>
-            <a:prstGeom prst="rect">
-              <a:avLst/>
-            </a:prstGeom>
-            <a:ln>
-              <a:noFill/>
-            </a:ln>
-            <a:effectLst>
-              <a:outerShdw blurRad="107950" dist="12700" dir="5400000" algn="ctr">
-                <a:srgbClr val="000000"/>
-              </a:outerShdw>
-            </a:effectLst>
-            <a:sp3d contourW="44450" prstMaterial="matte">
-              <a:bevelT w="63500" h="63500" prst="artDeco"/>
-              <a:contourClr>
-                <a:srgbClr val="FFFFFF"/>
-              </a:contourClr>
-            </a:sp3d>
-          </p:spPr>
-          <p:style>
-            <a:lnRef idx="2">
-              <a:schemeClr val="accent1">
-                <a:shade val="50000"/>
-              </a:schemeClr>
-            </a:lnRef>
-            <a:fillRef idx="1">
-              <a:schemeClr val="accent1"/>
-            </a:fillRef>
-            <a:effectRef idx="0">
-              <a:schemeClr val="accent1"/>
-            </a:effectRef>
-            <a:fontRef idx="minor">
-              <a:schemeClr val="lt1"/>
-            </a:fontRef>
-          </p:style>
-          <p:txBody>
-            <a:bodyPr rtlCol="0" anchor="ctr"/>
-            <a:lstStyle/>
-            <a:p>
-              <a:pPr algn="ctr"/>
-              <a:endParaRPr kumimoji="1" lang="ja-JP" altLang="en-US" sz="4000" dirty="0">
+        </p:spPr>
+        <p:style>
+          <a:lnRef idx="2">
+            <a:schemeClr val="accent1"/>
+          </a:lnRef>
+          <a:fillRef idx="1">
+            <a:schemeClr val="lt1"/>
+          </a:fillRef>
+          <a:effectRef idx="0">
+            <a:schemeClr val="accent1"/>
+          </a:effectRef>
+          <a:fontRef idx="minor">
+            <a:schemeClr val="dk1"/>
+          </a:fontRef>
+        </p:style>
+        <p:txBody>
+          <a:bodyPr rtlCol="0" anchor="ctr"/>
+          <a:lstStyle/>
+          <a:p>
+            <a:pPr algn="ctr"/>
+            <a:r>
+              <a:rPr kumimoji="1" lang="ja-JP" altLang="en-US" sz="6000" b="1" dirty="0" smtClean="0">
+                <a:solidFill>
+                  <a:sysClr val="windowText" lastClr="000000"/>
+                </a:solidFill>
                 <a:latin typeface="ＭＳ ゴシック" pitchFamily="49" charset="-128"/>
                 <a:ea typeface="ＭＳ ゴシック" pitchFamily="49" charset="-128"/>
-              </a:endParaRPr>
-            </a:p>
-          </p:txBody>
-        </p:sp>
-        <p:sp>
-          <p:nvSpPr>
-            <p:cNvPr id="9" name="正方形/長方形 8"/>
-            <p:cNvSpPr/>
-            <p:nvPr/>
-          </p:nvSpPr>
-          <p:spPr>
-            <a:xfrm>
-              <a:off x="252240" y="3518644"/>
-              <a:ext cx="3605259" cy="1368152"/>
-            </a:xfrm>
-            <a:prstGeom prst="rect">
-              <a:avLst/>
-            </a:prstGeom>
-            <a:ln>
-              <a:noFill/>
-            </a:ln>
-            <a:effectLst>
-              <a:outerShdw blurRad="107950" dist="12700" dir="5400000" algn="ctr">
-                <a:srgbClr val="000000"/>
-              </a:outerShdw>
-            </a:effectLst>
-            <a:sp3d contourW="44450" prstMaterial="matte">
-              <a:bevelT w="63500" h="63500" prst="artDeco"/>
-              <a:contourClr>
-                <a:srgbClr val="FFFFFF"/>
-              </a:contourClr>
-            </a:sp3d>
-          </p:spPr>
-          <p:style>
-            <a:lnRef idx="2">
-              <a:schemeClr val="accent1">
-                <a:shade val="50000"/>
-              </a:schemeClr>
-            </a:lnRef>
-            <a:fillRef idx="1">
-              <a:schemeClr val="accent1"/>
-            </a:fillRef>
-            <a:effectRef idx="0">
-              <a:schemeClr val="accent1"/>
-            </a:effectRef>
-            <a:fontRef idx="minor">
-              <a:schemeClr val="lt1"/>
-            </a:fontRef>
-          </p:style>
-          <p:txBody>
-            <a:bodyPr rtlCol="0" anchor="ctr"/>
-            <a:lstStyle/>
-            <a:p>
-              <a:pPr algn="ctr"/>
-              <a:r>
-                <a:rPr kumimoji="1" lang="ja-JP" altLang="en-US" sz="6000" b="1" dirty="0" smtClean="0">
-                  <a:latin typeface="ＭＳ ゴシック" pitchFamily="49" charset="-128"/>
-                  <a:ea typeface="ＭＳ ゴシック" pitchFamily="49" charset="-128"/>
-                </a:rPr>
-                <a:t>研究背景</a:t>
-              </a:r>
-              <a:endParaRPr kumimoji="1" lang="ja-JP" altLang="en-US" sz="6000" b="1" dirty="0">
-                <a:latin typeface="ＭＳ ゴシック" pitchFamily="49" charset="-128"/>
-                <a:ea typeface="ＭＳ ゴシック" pitchFamily="49" charset="-128"/>
-              </a:endParaRPr>
-            </a:p>
-          </p:txBody>
-        </p:sp>
-      </p:grpSp>
+              </a:rPr>
+              <a:t>研究背景</a:t>
+            </a:r>
+            <a:endParaRPr kumimoji="1" lang="ja-JP" altLang="en-US" sz="6000" b="1" dirty="0">
+              <a:solidFill>
+                <a:sysClr val="windowText" lastClr="000000"/>
+              </a:solidFill>
+              <a:latin typeface="ＭＳ ゴシック" pitchFamily="49" charset="-128"/>
+              <a:ea typeface="ＭＳ ゴシック" pitchFamily="49" charset="-128"/>
+            </a:endParaRPr>
+          </a:p>
+        </p:txBody>
+      </p:sp>
       <p:pic>
         <p:nvPicPr>
           <p:cNvPr id="1028" name="Picture 4"/>
@@ -15207,8 +15187,8 @@
         </p:blipFill>
         <p:spPr bwMode="auto">
           <a:xfrm>
-            <a:off x="972321" y="5140910"/>
-            <a:ext cx="3120140" cy="4317051"/>
+            <a:off x="768921" y="5140910"/>
+            <a:ext cx="3323540" cy="4598477"/>
           </a:xfrm>
           <a:prstGeom prst="rect">
             <a:avLst/>
@@ -15263,11 +15243,11 @@
             <a:avLst/>
           </a:prstGeom>
           <a:solidFill>
-            <a:srgbClr val="FF0000"/>
+            <a:schemeClr val="bg1"/>
           </a:solidFill>
-          <a:ln>
+          <a:ln w="76200">
             <a:solidFill>
-              <a:schemeClr val="bg1"/>
+              <a:srgbClr val="FF0000"/>
             </a:solidFill>
           </a:ln>
         </p:spPr>
@@ -15294,12 +15274,18 @@
             <a:pPr algn="ctr"/>
             <a:r>
               <a:rPr kumimoji="1" lang="ja-JP" altLang="en-US" sz="4000" b="1" dirty="0" smtClean="0">
+                <a:solidFill>
+                  <a:schemeClr val="tx1"/>
+                </a:solidFill>
                 <a:latin typeface="ＭＳ ゴシック" pitchFamily="49" charset="-128"/>
                 <a:ea typeface="ＭＳ ゴシック" pitchFamily="49" charset="-128"/>
               </a:rPr>
               <a:t>プロジェクト</a:t>
             </a:r>
             <a:endParaRPr kumimoji="1" lang="ja-JP" altLang="en-US" sz="4000" b="1" dirty="0">
+              <a:solidFill>
+                <a:schemeClr val="tx1"/>
+              </a:solidFill>
               <a:latin typeface="ＭＳ ゴシック" pitchFamily="49" charset="-128"/>
               <a:ea typeface="ＭＳ ゴシック" pitchFamily="49" charset="-128"/>
             </a:endParaRPr>
@@ -15314,18 +15300,18 @@
         </p:nvSpPr>
         <p:spPr>
           <a:xfrm>
-            <a:off x="4092460" y="6220173"/>
+            <a:off x="4092460" y="6304134"/>
             <a:ext cx="3053476" cy="1058989"/>
           </a:xfrm>
           <a:prstGeom prst="rect">
             <a:avLst/>
           </a:prstGeom>
           <a:solidFill>
-            <a:srgbClr val="FFC000"/>
+            <a:schemeClr val="bg1"/>
           </a:solidFill>
-          <a:ln>
+          <a:ln w="76200">
             <a:solidFill>
-              <a:schemeClr val="bg1"/>
+              <a:srgbClr val="FFC000"/>
             </a:solidFill>
           </a:ln>
         </p:spPr>
@@ -15352,12 +15338,18 @@
             <a:pPr algn="ctr"/>
             <a:r>
               <a:rPr lang="ja-JP" altLang="en-US" sz="4000" b="1" dirty="0">
+                <a:solidFill>
+                  <a:schemeClr val="tx1"/>
+                </a:solidFill>
                 <a:latin typeface="ＭＳ ゴシック" pitchFamily="49" charset="-128"/>
                 <a:ea typeface="ＭＳ ゴシック" pitchFamily="49" charset="-128"/>
               </a:rPr>
               <a:t>リポジトリ</a:t>
             </a:r>
             <a:endParaRPr kumimoji="1" lang="ja-JP" altLang="en-US" sz="4000" b="1" dirty="0">
+              <a:solidFill>
+                <a:schemeClr val="tx1"/>
+              </a:solidFill>
               <a:latin typeface="ＭＳ ゴシック" pitchFamily="49" charset="-128"/>
               <a:ea typeface="ＭＳ ゴシック" pitchFamily="49" charset="-128"/>
             </a:endParaRPr>
@@ -15372,18 +15364,18 @@
         </p:nvSpPr>
         <p:spPr>
           <a:xfrm>
-            <a:off x="4092460" y="7279162"/>
+            <a:off x="4092460" y="7487722"/>
             <a:ext cx="2760719" cy="1099537"/>
           </a:xfrm>
           <a:prstGeom prst="rect">
             <a:avLst/>
           </a:prstGeom>
           <a:solidFill>
-            <a:srgbClr val="92D050"/>
+            <a:schemeClr val="bg1"/>
           </a:solidFill>
-          <a:ln>
+          <a:ln w="76200">
             <a:solidFill>
-              <a:schemeClr val="bg1"/>
+              <a:srgbClr val="00B050"/>
             </a:solidFill>
           </a:ln>
         </p:spPr>
@@ -15410,12 +15402,18 @@
             <a:pPr algn="ctr"/>
             <a:r>
               <a:rPr lang="ja-JP" altLang="en-US" sz="4000" b="1" dirty="0" smtClean="0">
+                <a:solidFill>
+                  <a:schemeClr val="tx1"/>
+                </a:solidFill>
                 <a:latin typeface="ＭＳ ゴシック" pitchFamily="49" charset="-128"/>
                 <a:ea typeface="ＭＳ ゴシック" pitchFamily="49" charset="-128"/>
               </a:rPr>
               <a:t>スター</a:t>
             </a:r>
             <a:endParaRPr kumimoji="1" lang="ja-JP" altLang="en-US" sz="4000" b="1" dirty="0">
+              <a:solidFill>
+                <a:schemeClr val="tx1"/>
+              </a:solidFill>
               <a:latin typeface="ＭＳ ゴシック" pitchFamily="49" charset="-128"/>
               <a:ea typeface="ＭＳ ゴシック" pitchFamily="49" charset="-128"/>
             </a:endParaRPr>
@@ -15430,18 +15428,21 @@
         </p:nvSpPr>
         <p:spPr>
           <a:xfrm>
-            <a:off x="4092461" y="8378698"/>
-            <a:ext cx="2400679" cy="1079263"/>
+            <a:off x="4092461" y="8660124"/>
+            <a:ext cx="2242421" cy="1079263"/>
           </a:xfrm>
           <a:prstGeom prst="rect">
             <a:avLst/>
           </a:prstGeom>
           <a:solidFill>
-            <a:srgbClr val="0070C0"/>
+            <a:schemeClr val="bg1"/>
           </a:solidFill>
-          <a:ln>
+          <a:ln w="76200">
             <a:solidFill>
-              <a:schemeClr val="bg1"/>
+              <a:schemeClr val="tx2">
+                <a:lumMod val="60000"/>
+                <a:lumOff val="40000"/>
+              </a:schemeClr>
             </a:solidFill>
           </a:ln>
         </p:spPr>
@@ -15468,12 +15469,18 @@
             <a:pPr algn="ctr"/>
             <a:r>
               <a:rPr lang="ja-JP" altLang="en-US" sz="4000" b="1" dirty="0">
+                <a:solidFill>
+                  <a:schemeClr val="tx1"/>
+                </a:solidFill>
                 <a:latin typeface="ＭＳ ゴシック" pitchFamily="49" charset="-128"/>
                 <a:ea typeface="ＭＳ ゴシック" pitchFamily="49" charset="-128"/>
               </a:rPr>
               <a:t>チケット</a:t>
             </a:r>
             <a:endParaRPr kumimoji="1" lang="ja-JP" altLang="en-US" sz="4000" b="1" dirty="0">
+              <a:solidFill>
+                <a:schemeClr val="tx1"/>
+              </a:solidFill>
               <a:latin typeface="ＭＳ ゴシック" pitchFamily="49" charset="-128"/>
               <a:ea typeface="ＭＳ ゴシック" pitchFamily="49" charset="-128"/>
             </a:endParaRPr>
@@ -15483,13 +15490,15 @@
       <p:cxnSp>
         <p:nvCxnSpPr>
           <p:cNvPr id="15" name="カギ線コネクタ 14"/>
-          <p:cNvCxnSpPr/>
+          <p:cNvCxnSpPr>
+            <a:stCxn id="20" idx="3"/>
+          </p:cNvCxnSpPr>
           <p:nvPr/>
         </p:nvCxnSpPr>
         <p:spPr>
           <a:xfrm flipV="1">
-            <a:off x="6493140" y="5680541"/>
-            <a:ext cx="3408172" cy="3292296"/>
+            <a:off x="6334882" y="5680541"/>
+            <a:ext cx="3566430" cy="3519215"/>
           </a:xfrm>
           <a:prstGeom prst="bentConnector3">
             <a:avLst>
@@ -15533,46 +15542,20 @@
           <a:prstGeom prst="rect">
             <a:avLst/>
           </a:prstGeom>
-          <a:solidFill>
-            <a:schemeClr val="bg1"/>
-          </a:solidFill>
-          <a:ln>
-            <a:noFill/>
-          </a:ln>
-          <a:effectLst>
-            <a:outerShdw blurRad="107950" dist="12700" dir="5400000" algn="ctr">
-              <a:srgbClr val="000000"/>
-            </a:outerShdw>
-          </a:effectLst>
-          <a:scene3d>
-            <a:camera prst="orthographicFront">
-              <a:rot lat="0" lon="0" rev="0"/>
-            </a:camera>
-            <a:lightRig rig="soft" dir="t">
-              <a:rot lat="0" lon="0" rev="0"/>
-            </a:lightRig>
-          </a:scene3d>
-          <a:sp3d contourW="44450" prstMaterial="matte">
-            <a:bevelT w="63500" h="63500" prst="artDeco"/>
-            <a:contourClr>
-              <a:srgbClr val="FFFFFF"/>
-            </a:contourClr>
-          </a:sp3d>
+          <a:ln w="76200"/>
         </p:spPr>
         <p:style>
           <a:lnRef idx="2">
-            <a:schemeClr val="accent1">
-              <a:shade val="50000"/>
-            </a:schemeClr>
+            <a:schemeClr val="accent1"/>
           </a:lnRef>
           <a:fillRef idx="1">
-            <a:schemeClr val="accent1"/>
+            <a:schemeClr val="lt1"/>
           </a:fillRef>
           <a:effectRef idx="0">
             <a:schemeClr val="accent1"/>
           </a:effectRef>
           <a:fontRef idx="minor">
-            <a:schemeClr val="lt1"/>
+            <a:schemeClr val="dk1"/>
           </a:fontRef>
         </p:style>
         <p:txBody>
@@ -15684,45 +15667,28 @@
             <a:avLst/>
           </a:prstGeom>
           <a:solidFill>
-            <a:srgbClr val="0070C0"/>
+            <a:schemeClr val="bg1"/>
           </a:solidFill>
-          <a:ln>
-            <a:noFill/>
+          <a:ln w="76200">
+            <a:solidFill>
+              <a:schemeClr val="bg2">
+                <a:lumMod val="50000"/>
+              </a:schemeClr>
+            </a:solidFill>
           </a:ln>
-          <a:effectLst>
-            <a:outerShdw blurRad="107950" dist="12700" dir="5400000" algn="ctr">
-              <a:srgbClr val="000000"/>
-            </a:outerShdw>
-          </a:effectLst>
-          <a:scene3d>
-            <a:camera prst="orthographicFront">
-              <a:rot lat="0" lon="0" rev="0"/>
-            </a:camera>
-            <a:lightRig rig="soft" dir="t">
-              <a:rot lat="0" lon="0" rev="0"/>
-            </a:lightRig>
-          </a:scene3d>
-          <a:sp3d contourW="44450" prstMaterial="matte">
-            <a:bevelT w="63500" h="63500" prst="artDeco"/>
-            <a:contourClr>
-              <a:srgbClr val="FFFFFF"/>
-            </a:contourClr>
-          </a:sp3d>
         </p:spPr>
         <p:style>
           <a:lnRef idx="2">
-            <a:schemeClr val="accent1">
-              <a:shade val="50000"/>
-            </a:schemeClr>
+            <a:schemeClr val="accent1"/>
           </a:lnRef>
           <a:fillRef idx="1">
-            <a:schemeClr val="accent1"/>
+            <a:schemeClr val="lt1"/>
           </a:fillRef>
           <a:effectRef idx="0">
             <a:schemeClr val="accent1"/>
           </a:effectRef>
           <a:fontRef idx="minor">
-            <a:schemeClr val="lt1"/>
+            <a:schemeClr val="dk1"/>
           </a:fontRef>
         </p:style>
         <p:txBody>
@@ -15732,12 +15698,18 @@
             <a:pPr algn="ctr"/>
             <a:r>
               <a:rPr kumimoji="1" lang="ja-JP" altLang="en-US" sz="4000" b="1" dirty="0" smtClean="0">
+                <a:solidFill>
+                  <a:schemeClr val="tx1"/>
+                </a:solidFill>
                 <a:latin typeface="ＭＳ ゴシック" pitchFamily="49" charset="-128"/>
                 <a:ea typeface="ＭＳ ゴシック" pitchFamily="49" charset="-128"/>
               </a:rPr>
               <a:t>チケットとは？</a:t>
             </a:r>
             <a:endParaRPr kumimoji="1" lang="ja-JP" altLang="en-US" sz="4000" b="1" dirty="0">
+              <a:solidFill>
+                <a:schemeClr val="tx1"/>
+              </a:solidFill>
               <a:latin typeface="ＭＳ ゴシック" pitchFamily="49" charset="-128"/>
               <a:ea typeface="ＭＳ ゴシック" pitchFamily="49" charset="-128"/>
             </a:endParaRPr>
@@ -15763,53 +15735,26 @@
               <a:gd name="adj4" fmla="val 80735"/>
             </a:avLst>
           </a:prstGeom>
-          <a:solidFill>
-            <a:schemeClr val="bg1"/>
-          </a:solidFill>
-          <a:ln>
-            <a:noFill/>
-          </a:ln>
-          <a:effectLst>
-            <a:outerShdw blurRad="107950" dist="12700" dir="5400000" algn="ctr">
-              <a:srgbClr val="000000"/>
-            </a:outerShdw>
-          </a:effectLst>
-          <a:scene3d>
-            <a:camera prst="orthographicFront">
-              <a:rot lat="0" lon="0" rev="0"/>
-            </a:camera>
-            <a:lightRig rig="soft" dir="t">
-              <a:rot lat="0" lon="0" rev="0"/>
-            </a:lightRig>
-          </a:scene3d>
-          <a:sp3d contourW="44450" prstMaterial="matte">
-            <a:bevelT w="63500" h="63500" prst="artDeco"/>
-            <a:contourClr>
-              <a:srgbClr val="FFFFFF"/>
-            </a:contourClr>
-          </a:sp3d>
+          <a:ln w="76200"/>
         </p:spPr>
         <p:style>
           <a:lnRef idx="2">
-            <a:schemeClr val="accent1">
-              <a:shade val="50000"/>
-            </a:schemeClr>
+            <a:schemeClr val="accent3"/>
           </a:lnRef>
           <a:fillRef idx="1">
-            <a:schemeClr val="accent1"/>
+            <a:schemeClr val="lt1"/>
           </a:fillRef>
           <a:effectRef idx="0">
-            <a:schemeClr val="accent1"/>
+            <a:schemeClr val="accent3"/>
           </a:effectRef>
           <a:fontRef idx="minor">
-            <a:schemeClr val="lt1"/>
+            <a:schemeClr val="dk1"/>
           </a:fontRef>
         </p:style>
         <p:txBody>
           <a:bodyPr rtlCol="0" anchor="ctr"/>
           <a:lstStyle/>
           <a:p>
-            <a:pPr algn="ctr"/>
             <a:r>
               <a:rPr kumimoji="1" lang="ja-JP" altLang="en-US" sz="3200" b="1" dirty="0" smtClean="0">
                 <a:solidFill>
@@ -15818,7 +15763,7 @@
                 <a:latin typeface="ＭＳ ゴシック" pitchFamily="49" charset="-128"/>
                 <a:ea typeface="ＭＳ ゴシック" pitchFamily="49" charset="-128"/>
               </a:rPr>
-              <a:t>解析すれば</a:t>
+              <a:t>解析すれば・・・</a:t>
             </a:r>
             <a:endParaRPr kumimoji="1" lang="en-US" altLang="ja-JP" sz="3200" b="1" dirty="0" smtClean="0">
               <a:solidFill>
@@ -15829,7 +15774,6 @@
             </a:endParaRPr>
           </a:p>
           <a:p>
-            <a:pPr algn="ctr"/>
             <a:r>
               <a:rPr kumimoji="1" lang="en-US" altLang="ja-JP" sz="3200" b="1" dirty="0" smtClean="0">
                 <a:solidFill>
@@ -15883,6 +15827,9 @@
             <a:chOff x="252241" y="10171435"/>
             <a:chExt cx="20450271" cy="8503962"/>
           </a:xfrm>
+          <a:solidFill>
+            <a:schemeClr val="bg1"/>
+          </a:solidFill>
           <a:scene3d>
             <a:camera prst="orthographicFront">
               <a:rot lat="0" lon="0" rev="0"/>
@@ -15906,35 +15853,26 @@
             <a:prstGeom prst="rect">
               <a:avLst/>
             </a:prstGeom>
-            <a:ln>
-              <a:noFill/>
+            <a:ln w="101600">
+              <a:solidFill>
+                <a:schemeClr val="bg2">
+                  <a:lumMod val="50000"/>
+                </a:schemeClr>
+              </a:solidFill>
             </a:ln>
-            <a:effectLst>
-              <a:outerShdw blurRad="107950" dist="12700" dir="5400000" algn="ctr">
-                <a:srgbClr val="000000"/>
-              </a:outerShdw>
-            </a:effectLst>
-            <a:sp3d contourW="44450" prstMaterial="matte">
-              <a:bevelT w="63500" h="63500" prst="artDeco"/>
-              <a:contourClr>
-                <a:srgbClr val="FFFFFF"/>
-              </a:contourClr>
-            </a:sp3d>
           </p:spPr>
           <p:style>
             <a:lnRef idx="2">
-              <a:schemeClr val="accent1">
-                <a:shade val="50000"/>
-              </a:schemeClr>
+              <a:schemeClr val="accent1"/>
             </a:lnRef>
             <a:fillRef idx="1">
-              <a:schemeClr val="accent1"/>
+              <a:schemeClr val="lt1"/>
             </a:fillRef>
             <a:effectRef idx="0">
               <a:schemeClr val="accent1"/>
             </a:effectRef>
             <a:fontRef idx="minor">
-              <a:schemeClr val="lt1"/>
+              <a:schemeClr val="dk1"/>
             </a:fontRef>
           </p:style>
           <p:txBody>
@@ -15943,6 +15881,9 @@
             <a:p>
               <a:pPr algn="ctr"/>
               <a:endParaRPr kumimoji="1" lang="ja-JP" altLang="en-US" sz="4000" dirty="0">
+                <a:solidFill>
+                  <a:sysClr val="windowText" lastClr="000000"/>
+                </a:solidFill>
                 <a:latin typeface="ＭＳ ゴシック" pitchFamily="49" charset="-128"/>
                 <a:ea typeface="ＭＳ ゴシック" pitchFamily="49" charset="-128"/>
               </a:endParaRPr>
@@ -15963,35 +15904,26 @@
             <a:prstGeom prst="rect">
               <a:avLst/>
             </a:prstGeom>
-            <a:ln>
-              <a:noFill/>
+            <a:ln w="101600">
+              <a:solidFill>
+                <a:schemeClr val="bg2">
+                  <a:lumMod val="50000"/>
+                </a:schemeClr>
+              </a:solidFill>
             </a:ln>
-            <a:effectLst>
-              <a:outerShdw blurRad="107950" dist="12700" dir="5400000" algn="ctr">
-                <a:srgbClr val="000000"/>
-              </a:outerShdw>
-            </a:effectLst>
-            <a:sp3d contourW="44450" prstMaterial="matte">
-              <a:bevelT w="63500" h="63500" prst="artDeco"/>
-              <a:contourClr>
-                <a:srgbClr val="FFFFFF"/>
-              </a:contourClr>
-            </a:sp3d>
           </p:spPr>
           <p:style>
             <a:lnRef idx="2">
-              <a:schemeClr val="accent1">
-                <a:shade val="50000"/>
-              </a:schemeClr>
+              <a:schemeClr val="accent1"/>
             </a:lnRef>
             <a:fillRef idx="1">
-              <a:schemeClr val="accent1"/>
+              <a:schemeClr val="lt1"/>
             </a:fillRef>
             <a:effectRef idx="0">
               <a:schemeClr val="accent1"/>
             </a:effectRef>
             <a:fontRef idx="minor">
-              <a:schemeClr val="lt1"/>
+              <a:schemeClr val="dk1"/>
             </a:fontRef>
           </p:style>
           <p:txBody>
@@ -16001,12 +15933,18 @@
               <a:pPr algn="ctr"/>
               <a:r>
                 <a:rPr kumimoji="1" lang="ja-JP" altLang="en-US" sz="6000" b="1" dirty="0" smtClean="0">
+                  <a:solidFill>
+                    <a:sysClr val="windowText" lastClr="000000"/>
+                  </a:solidFill>
                   <a:latin typeface="ＭＳ ゴシック" pitchFamily="49" charset="-128"/>
                   <a:ea typeface="ＭＳ ゴシック" pitchFamily="49" charset="-128"/>
                 </a:rPr>
                 <a:t>研究目的</a:t>
               </a:r>
               <a:endParaRPr kumimoji="1" lang="ja-JP" altLang="en-US" sz="6000" b="1" dirty="0">
+                <a:solidFill>
+                  <a:sysClr val="windowText" lastClr="000000"/>
+                </a:solidFill>
                 <a:latin typeface="ＭＳ ゴシック" pitchFamily="49" charset="-128"/>
                 <a:ea typeface="ＭＳ ゴシック" pitchFamily="49" charset="-128"/>
               </a:endParaRPr>
@@ -16014,591 +15952,350 @@
           </p:txBody>
         </p:sp>
       </p:grpSp>
-      <p:grpSp>
-        <p:nvGrpSpPr>
-          <p:cNvPr id="1027" name="グループ化 1026"/>
-          <p:cNvGrpSpPr/>
+      <p:sp>
+        <p:nvSpPr>
+          <p:cNvPr id="5" name="角丸四角形 4"/>
+          <p:cNvSpPr/>
           <p:nvPr/>
-        </p:nvGrpSpPr>
-        <p:grpSpPr>
+        </p:nvSpPr>
+        <p:spPr>
           <a:xfrm>
             <a:off x="900312" y="11772290"/>
             <a:ext cx="3599017" cy="6696745"/>
-            <a:chOff x="972321" y="12043642"/>
-            <a:chExt cx="3599017" cy="6696745"/>
           </a:xfrm>
-          <a:scene3d>
-            <a:camera prst="orthographicFront">
-              <a:rot lat="0" lon="0" rev="0"/>
-            </a:camera>
-            <a:lightRig rig="soft" dir="t">
-              <a:rot lat="0" lon="0" rev="0"/>
-            </a:lightRig>
-          </a:scene3d>
-        </p:grpSpPr>
-        <p:sp>
-          <p:nvSpPr>
-            <p:cNvPr id="5" name="角丸四角形 4"/>
-            <p:cNvSpPr/>
-            <p:nvPr/>
-          </p:nvSpPr>
-          <p:spPr>
-            <a:xfrm>
-              <a:off x="972321" y="12043642"/>
-              <a:ext cx="3599017" cy="6696745"/>
-            </a:xfrm>
-            <a:prstGeom prst="roundRect">
-              <a:avLst/>
-            </a:prstGeom>
-            <a:solidFill>
-              <a:schemeClr val="bg1"/>
-            </a:solidFill>
-            <a:ln>
-              <a:noFill/>
-            </a:ln>
-            <a:effectLst>
-              <a:outerShdw blurRad="107950" dist="12700" dir="5400000" algn="ctr">
-                <a:srgbClr val="000000"/>
-              </a:outerShdw>
-            </a:effectLst>
-            <a:sp3d contourW="44450" prstMaterial="matte">
-              <a:bevelT w="63500" h="63500" prst="artDeco"/>
-              <a:contourClr>
-                <a:srgbClr val="FFFFFF"/>
-              </a:contourClr>
-            </a:sp3d>
-          </p:spPr>
-          <p:style>
-            <a:lnRef idx="2">
-              <a:schemeClr val="accent1">
-                <a:shade val="50000"/>
-              </a:schemeClr>
-            </a:lnRef>
-            <a:fillRef idx="1">
-              <a:schemeClr val="accent1"/>
-            </a:fillRef>
-            <a:effectRef idx="0">
-              <a:schemeClr val="accent1"/>
-            </a:effectRef>
-            <a:fontRef idx="minor">
-              <a:schemeClr val="lt1"/>
-            </a:fontRef>
-          </p:style>
-          <p:txBody>
-            <a:bodyPr rtlCol="0" anchor="ctr"/>
-            <a:lstStyle/>
-            <a:p>
-              <a:pPr algn="ctr"/>
-              <a:endParaRPr kumimoji="1" lang="ja-JP" altLang="en-US"/>
-            </a:p>
-          </p:txBody>
-        </p:sp>
-        <p:sp>
-          <p:nvSpPr>
-            <p:cNvPr id="6" name="テキスト ボックス 5"/>
-            <p:cNvSpPr txBox="1"/>
-            <p:nvPr/>
-          </p:nvSpPr>
-          <p:spPr>
-            <a:xfrm>
-              <a:off x="1476377" y="12091420"/>
-              <a:ext cx="2614703" cy="1015663"/>
-            </a:xfrm>
-            <a:prstGeom prst="rect">
-              <a:avLst/>
-            </a:prstGeom>
+          <a:prstGeom prst="roundRect">
+            <a:avLst/>
+          </a:prstGeom>
+          <a:ln w="76200"/>
+        </p:spPr>
+        <p:style>
+          <a:lnRef idx="2">
+            <a:schemeClr val="accent1"/>
+          </a:lnRef>
+          <a:fillRef idx="1">
+            <a:schemeClr val="lt1"/>
+          </a:fillRef>
+          <a:effectRef idx="0">
+            <a:schemeClr val="accent1"/>
+          </a:effectRef>
+          <a:fontRef idx="minor">
+            <a:schemeClr val="dk1"/>
+          </a:fontRef>
+        </p:style>
+        <p:txBody>
+          <a:bodyPr rtlCol="0" anchor="ctr"/>
+          <a:lstStyle/>
+          <a:p>
+            <a:pPr algn="ctr"/>
+            <a:endParaRPr kumimoji="1" lang="ja-JP" altLang="en-US"/>
+          </a:p>
+        </p:txBody>
+      </p:sp>
+      <p:sp>
+        <p:nvSpPr>
+          <p:cNvPr id="6" name="テキスト ボックス 5"/>
+          <p:cNvSpPr txBox="1"/>
+          <p:nvPr/>
+        </p:nvSpPr>
+        <p:spPr>
+          <a:xfrm>
+            <a:off x="1404368" y="11748060"/>
+            <a:ext cx="2614703" cy="1015663"/>
+          </a:xfrm>
+          <a:prstGeom prst="rect">
+            <a:avLst/>
+          </a:prstGeom>
+          <a:noFill/>
+          <a:ln>
             <a:noFill/>
-            <a:ln>
-              <a:noFill/>
-            </a:ln>
-            <a:effectLst>
-              <a:outerShdw blurRad="107950" dist="12700" dir="5400000" algn="ctr">
-                <a:srgbClr val="000000"/>
-              </a:outerShdw>
-            </a:effectLst>
-            <a:sp3d contourW="44450" prstMaterial="matte">
-              <a:bevelT w="63500" h="63500" prst="artDeco"/>
-              <a:contourClr>
-                <a:srgbClr val="FFFFFF"/>
-              </a:contourClr>
-            </a:sp3d>
-          </p:spPr>
-          <p:txBody>
-            <a:bodyPr vert="horz" wrap="square" rtlCol="0">
-              <a:spAutoFit/>
-            </a:bodyPr>
-            <a:lstStyle/>
-            <a:p>
-              <a:pPr algn="ctr"/>
-              <a:r>
-                <a:rPr kumimoji="1" lang="en-US" altLang="ja-JP" sz="6000" b="1" dirty="0" smtClean="0">
-                  <a:ln w="17780" cmpd="sng">
-                    <a:solidFill>
-                      <a:srgbClr val="FFFFFF"/>
-                    </a:solidFill>
-                    <a:prstDash val="solid"/>
-                    <a:miter lim="800000"/>
-                  </a:ln>
-                  <a:gradFill rotWithShape="1">
-                    <a:gsLst>
-                      <a:gs pos="0">
-                        <a:srgbClr val="000000">
-                          <a:tint val="92000"/>
-                          <a:shade val="100000"/>
-                          <a:satMod val="150000"/>
-                        </a:srgbClr>
-                      </a:gs>
-                      <a:gs pos="49000">
-                        <a:srgbClr val="000000">
-                          <a:tint val="89000"/>
-                          <a:shade val="90000"/>
-                          <a:satMod val="150000"/>
-                        </a:srgbClr>
-                      </a:gs>
-                      <a:gs pos="50000">
-                        <a:srgbClr val="000000">
-                          <a:tint val="100000"/>
-                          <a:shade val="75000"/>
-                          <a:satMod val="150000"/>
-                        </a:srgbClr>
-                      </a:gs>
-                      <a:gs pos="95000">
-                        <a:srgbClr val="000000">
-                          <a:shade val="47000"/>
-                          <a:satMod val="150000"/>
-                        </a:srgbClr>
-                      </a:gs>
-                      <a:gs pos="100000">
-                        <a:srgbClr val="000000">
-                          <a:shade val="39000"/>
-                          <a:satMod val="150000"/>
-                        </a:srgbClr>
-                      </a:gs>
-                    </a:gsLst>
-                    <a:lin ang="5400000"/>
-                  </a:gradFill>
-                  <a:effectLst>
-                    <a:outerShdw blurRad="50800" algn="tl" rotWithShape="0">
-                      <a:srgbClr val="000000"/>
-                    </a:outerShdw>
-                  </a:effectLst>
-                  <a:latin typeface="ＭＳ ゴシック" panose="020B0609070205080204" pitchFamily="49" charset="-128"/>
-                  <a:ea typeface="ＭＳ ゴシック" panose="020B0609070205080204" pitchFamily="49" charset="-128"/>
-                </a:rPr>
-                <a:t>GitHub</a:t>
-              </a:r>
-              <a:endParaRPr kumimoji="1" lang="ja-JP" altLang="en-US" sz="6000" b="1" dirty="0">
-                <a:ln w="17780" cmpd="sng">
+          </a:ln>
+          <a:effectLst>
+            <a:outerShdw blurRad="107950" dist="12700" dir="5400000" algn="ctr">
+              <a:srgbClr val="000000"/>
+            </a:outerShdw>
+          </a:effectLst>
+        </p:spPr>
+        <p:txBody>
+          <a:bodyPr vert="horz" wrap="square" rtlCol="0">
+            <a:spAutoFit/>
+          </a:bodyPr>
+          <a:lstStyle/>
+          <a:p>
+            <a:pPr algn="ctr"/>
+            <a:r>
+              <a:rPr kumimoji="1" lang="en-US" altLang="ja-JP" sz="6000" dirty="0" smtClean="0">
+                <a:ln w="18415" cmpd="sng">
                   <a:solidFill>
-                    <a:srgbClr val="FFFFFF"/>
+                    <a:sysClr val="windowText" lastClr="000000"/>
                   </a:solidFill>
                   <a:prstDash val="solid"/>
-                  <a:miter lim="800000"/>
                 </a:ln>
-                <a:gradFill rotWithShape="1">
-                  <a:gsLst>
-                    <a:gs pos="0">
-                      <a:srgbClr val="000000">
-                        <a:tint val="92000"/>
-                        <a:shade val="100000"/>
-                        <a:satMod val="150000"/>
-                      </a:srgbClr>
-                    </a:gs>
-                    <a:gs pos="49000">
-                      <a:srgbClr val="000000">
-                        <a:tint val="89000"/>
-                        <a:shade val="90000"/>
-                        <a:satMod val="150000"/>
-                      </a:srgbClr>
-                    </a:gs>
-                    <a:gs pos="50000">
-                      <a:srgbClr val="000000">
-                        <a:tint val="100000"/>
-                        <a:shade val="75000"/>
-                        <a:satMod val="150000"/>
-                      </a:srgbClr>
-                    </a:gs>
-                    <a:gs pos="95000">
-                      <a:srgbClr val="000000">
-                        <a:shade val="47000"/>
-                        <a:satMod val="150000"/>
-                      </a:srgbClr>
-                    </a:gs>
-                    <a:gs pos="100000">
-                      <a:srgbClr val="000000">
-                        <a:shade val="39000"/>
-                        <a:satMod val="150000"/>
-                      </a:srgbClr>
-                    </a:gs>
-                  </a:gsLst>
-                  <a:lin ang="5400000"/>
-                </a:gradFill>
-                <a:effectLst>
-                  <a:outerShdw blurRad="50800" algn="tl" rotWithShape="0">
-                    <a:srgbClr val="000000"/>
-                  </a:outerShdw>
-                </a:effectLst>
                 <a:latin typeface="ＭＳ ゴシック" panose="020B0609070205080204" pitchFamily="49" charset="-128"/>
                 <a:ea typeface="ＭＳ ゴシック" panose="020B0609070205080204" pitchFamily="49" charset="-128"/>
-              </a:endParaRPr>
-            </a:p>
-          </p:txBody>
-        </p:sp>
-        <p:sp>
-          <p:nvSpPr>
-            <p:cNvPr id="1024" name="角丸四角形 1023"/>
-            <p:cNvSpPr/>
-            <p:nvPr/>
-          </p:nvSpPr>
-          <p:spPr>
-            <a:xfrm>
-              <a:off x="1404368" y="13119244"/>
-              <a:ext cx="2736304" cy="2524799"/>
-            </a:xfrm>
-            <a:prstGeom prst="roundRect">
-              <a:avLst/>
-            </a:prstGeom>
+              </a:rPr>
+              <a:t>GitHub</a:t>
+            </a:r>
+            <a:endParaRPr kumimoji="1" lang="ja-JP" altLang="en-US" sz="6000" dirty="0">
+              <a:ln w="18415" cmpd="sng">
+                <a:solidFill>
+                  <a:sysClr val="windowText" lastClr="000000"/>
+                </a:solidFill>
+                <a:prstDash val="solid"/>
+              </a:ln>
+              <a:latin typeface="ＭＳ ゴシック" panose="020B0609070205080204" pitchFamily="49" charset="-128"/>
+              <a:ea typeface="ＭＳ ゴシック" panose="020B0609070205080204" pitchFamily="49" charset="-128"/>
+            </a:endParaRPr>
+          </a:p>
+        </p:txBody>
+      </p:sp>
+      <p:sp>
+        <p:nvSpPr>
+          <p:cNvPr id="1024" name="角丸四角形 1023"/>
+          <p:cNvSpPr/>
+          <p:nvPr/>
+        </p:nvSpPr>
+        <p:spPr>
+          <a:xfrm>
+            <a:off x="1332359" y="12847892"/>
+            <a:ext cx="2736304" cy="2524799"/>
+          </a:xfrm>
+          <a:prstGeom prst="roundRect">
+            <a:avLst/>
+          </a:prstGeom>
+          <a:solidFill>
+            <a:schemeClr val="bg1"/>
+          </a:solidFill>
+          <a:ln w="76200">
             <a:solidFill>
               <a:srgbClr val="FF0000"/>
             </a:solidFill>
-            <a:ln>
-              <a:noFill/>
-            </a:ln>
-            <a:effectLst>
-              <a:outerShdw blurRad="107950" dist="12700" dir="5400000" algn="ctr">
-                <a:srgbClr val="000000"/>
-              </a:outerShdw>
-            </a:effectLst>
-            <a:sp3d contourW="44450" prstMaterial="matte">
-              <a:bevelT w="63500" h="63500" prst="artDeco"/>
-              <a:contourClr>
-                <a:srgbClr val="FFFFFF"/>
-              </a:contourClr>
-            </a:sp3d>
-          </p:spPr>
-          <p:style>
-            <a:lnRef idx="2">
-              <a:schemeClr val="accent1">
-                <a:shade val="50000"/>
-              </a:schemeClr>
-            </a:lnRef>
-            <a:fillRef idx="1">
-              <a:schemeClr val="accent1"/>
-            </a:fillRef>
-            <a:effectRef idx="0">
-              <a:schemeClr val="accent1"/>
-            </a:effectRef>
-            <a:fontRef idx="minor">
-              <a:schemeClr val="lt1"/>
-            </a:fontRef>
-          </p:style>
-          <p:txBody>
-            <a:bodyPr rtlCol="0" anchor="ctr"/>
-            <a:lstStyle/>
-            <a:p>
-              <a:pPr algn="ctr"/>
-              <a:endParaRPr kumimoji="1" lang="ja-JP" altLang="en-US"/>
-            </a:p>
-          </p:txBody>
-        </p:sp>
-        <p:sp>
-          <p:nvSpPr>
-            <p:cNvPr id="38" name="角丸四角形 37"/>
-            <p:cNvSpPr/>
-            <p:nvPr/>
-          </p:nvSpPr>
-          <p:spPr>
-            <a:xfrm>
-              <a:off x="1404368" y="15927556"/>
-              <a:ext cx="2736304" cy="2524799"/>
-            </a:xfrm>
-            <a:prstGeom prst="roundRect">
-              <a:avLst/>
-            </a:prstGeom>
+          </a:ln>
+          <a:effectLst>
+            <a:outerShdw blurRad="107950" dist="12700" dir="5400000" algn="ctr">
+              <a:srgbClr val="000000"/>
+            </a:outerShdw>
+          </a:effectLst>
+        </p:spPr>
+        <p:style>
+          <a:lnRef idx="2">
+            <a:schemeClr val="accent1">
+              <a:shade val="50000"/>
+            </a:schemeClr>
+          </a:lnRef>
+          <a:fillRef idx="1">
+            <a:schemeClr val="accent1"/>
+          </a:fillRef>
+          <a:effectRef idx="0">
+            <a:schemeClr val="accent1"/>
+          </a:effectRef>
+          <a:fontRef idx="minor">
+            <a:schemeClr val="lt1"/>
+          </a:fontRef>
+        </p:style>
+        <p:txBody>
+          <a:bodyPr rtlCol="0" anchor="ctr"/>
+          <a:lstStyle/>
+          <a:p>
+            <a:pPr algn="ctr"/>
+            <a:endParaRPr kumimoji="1" lang="ja-JP" altLang="en-US"/>
+          </a:p>
+        </p:txBody>
+      </p:sp>
+      <p:sp>
+        <p:nvSpPr>
+          <p:cNvPr id="38" name="角丸四角形 37"/>
+          <p:cNvSpPr/>
+          <p:nvPr/>
+        </p:nvSpPr>
+        <p:spPr>
+          <a:xfrm>
+            <a:off x="1332359" y="15656204"/>
+            <a:ext cx="2736304" cy="2524799"/>
+          </a:xfrm>
+          <a:prstGeom prst="roundRect">
+            <a:avLst/>
+          </a:prstGeom>
+          <a:solidFill>
+            <a:schemeClr val="bg1"/>
+          </a:solidFill>
+          <a:ln w="76200">
             <a:solidFill>
               <a:srgbClr val="FF0000"/>
             </a:solidFill>
-            <a:ln>
-              <a:noFill/>
-            </a:ln>
-            <a:effectLst>
-              <a:outerShdw blurRad="107950" dist="12700" dir="5400000" algn="ctr">
-                <a:srgbClr val="000000"/>
-              </a:outerShdw>
-            </a:effectLst>
-            <a:sp3d contourW="44450" prstMaterial="matte">
-              <a:bevelT w="63500" h="63500" prst="artDeco"/>
-              <a:contourClr>
-                <a:srgbClr val="FFFFFF"/>
-              </a:contourClr>
-            </a:sp3d>
-          </p:spPr>
-          <p:style>
-            <a:lnRef idx="2">
-              <a:schemeClr val="accent1">
-                <a:shade val="50000"/>
+          </a:ln>
+          <a:effectLst>
+            <a:outerShdw blurRad="107950" dist="12700" dir="5400000" algn="ctr">
+              <a:srgbClr val="000000"/>
+            </a:outerShdw>
+          </a:effectLst>
+        </p:spPr>
+        <p:style>
+          <a:lnRef idx="2">
+            <a:schemeClr val="accent1">
+              <a:shade val="50000"/>
+            </a:schemeClr>
+          </a:lnRef>
+          <a:fillRef idx="1">
+            <a:schemeClr val="accent1"/>
+          </a:fillRef>
+          <a:effectRef idx="0">
+            <a:schemeClr val="accent1"/>
+          </a:effectRef>
+          <a:fontRef idx="minor">
+            <a:schemeClr val="lt1"/>
+          </a:fontRef>
+        </p:style>
+        <p:txBody>
+          <a:bodyPr rtlCol="0" anchor="ctr"/>
+          <a:lstStyle/>
+          <a:p>
+            <a:pPr algn="ctr"/>
+            <a:endParaRPr kumimoji="1" lang="ja-JP" altLang="en-US"/>
+          </a:p>
+        </p:txBody>
+      </p:sp>
+      <p:sp>
+        <p:nvSpPr>
+          <p:cNvPr id="31" name="円/楕円 30"/>
+          <p:cNvSpPr/>
+          <p:nvPr/>
+        </p:nvSpPr>
+        <p:spPr>
+          <a:xfrm>
+            <a:off x="1542141" y="16478901"/>
+            <a:ext cx="2315358" cy="1548172"/>
+          </a:xfrm>
+          <a:prstGeom prst="ellipse">
+            <a:avLst/>
+          </a:prstGeom>
+          <a:solidFill>
+            <a:schemeClr val="bg1"/>
+          </a:solidFill>
+          <a:ln w="76200">
+            <a:solidFill>
+              <a:schemeClr val="bg2">
+                <a:lumMod val="50000"/>
               </a:schemeClr>
-            </a:lnRef>
-            <a:fillRef idx="1">
-              <a:schemeClr val="accent1"/>
-            </a:fillRef>
-            <a:effectRef idx="0">
-              <a:schemeClr val="accent1"/>
-            </a:effectRef>
-            <a:fontRef idx="minor">
-              <a:schemeClr val="lt1"/>
-            </a:fontRef>
-          </p:style>
-          <p:txBody>
-            <a:bodyPr rtlCol="0" anchor="ctr"/>
-            <a:lstStyle/>
-            <a:p>
-              <a:pPr algn="ctr"/>
-              <a:endParaRPr kumimoji="1" lang="ja-JP" altLang="en-US"/>
-            </a:p>
-          </p:txBody>
-        </p:sp>
-        <p:sp>
-          <p:nvSpPr>
-            <p:cNvPr id="24" name="正方形/長方形 23"/>
-            <p:cNvSpPr/>
-            <p:nvPr/>
-          </p:nvSpPr>
-          <p:spPr>
-            <a:xfrm>
-              <a:off x="1484176" y="13259068"/>
-              <a:ext cx="2656496" cy="584775"/>
-            </a:xfrm>
-            <a:prstGeom prst="rect">
-              <a:avLst/>
-            </a:prstGeom>
-            <a:ln>
-              <a:noFill/>
-            </a:ln>
-            <a:effectLst>
-              <a:outerShdw blurRad="107950" dist="12700" dir="5400000" algn="ctr">
-                <a:srgbClr val="000000"/>
-              </a:outerShdw>
-            </a:effectLst>
-            <a:sp3d contourW="44450" prstMaterial="matte">
-              <a:bevelT w="63500" h="63500" prst="artDeco"/>
-              <a:contourClr>
-                <a:srgbClr val="FFFFFF"/>
-              </a:contourClr>
-            </a:sp3d>
-          </p:spPr>
-          <p:txBody>
-            <a:bodyPr wrap="none">
-              <a:spAutoFit/>
-            </a:bodyPr>
-            <a:lstStyle/>
-            <a:p>
-              <a:pPr algn="ctr"/>
-              <a:r>
-                <a:rPr lang="ja-JP" altLang="en-US" sz="3200" b="1" dirty="0">
-                  <a:solidFill>
-                    <a:schemeClr val="bg1"/>
-                  </a:solidFill>
-                  <a:latin typeface="ＭＳ ゴシック" panose="020B0609070205080204" pitchFamily="49" charset="-128"/>
-                  <a:ea typeface="ＭＳ ゴシック" panose="020B0609070205080204" pitchFamily="49" charset="-128"/>
-                </a:rPr>
-                <a:t>プロジェクト</a:t>
-              </a:r>
-            </a:p>
-          </p:txBody>
-        </p:sp>
-        <p:sp>
-          <p:nvSpPr>
-            <p:cNvPr id="22" name="テキスト ボックス 21"/>
-            <p:cNvSpPr txBox="1"/>
-            <p:nvPr/>
-          </p:nvSpPr>
-          <p:spPr>
-            <a:xfrm>
-              <a:off x="1332361" y="16122708"/>
-              <a:ext cx="2952328" cy="584775"/>
-            </a:xfrm>
-            <a:prstGeom prst="rect">
-              <a:avLst/>
-            </a:prstGeom>
-            <a:noFill/>
-            <a:ln>
-              <a:noFill/>
-            </a:ln>
-            <a:effectLst>
-              <a:outerShdw blurRad="107950" dist="12700" dir="5400000" algn="ctr">
-                <a:srgbClr val="000000"/>
-              </a:outerShdw>
-            </a:effectLst>
-            <a:sp3d contourW="44450" prstMaterial="matte">
-              <a:bevelT w="63500" h="63500" prst="artDeco"/>
-              <a:contourClr>
-                <a:srgbClr val="FFFFFF"/>
-              </a:contourClr>
-            </a:sp3d>
-          </p:spPr>
-          <p:txBody>
-            <a:bodyPr wrap="square" rtlCol="0">
-              <a:spAutoFit/>
-            </a:bodyPr>
-            <a:lstStyle/>
-            <a:p>
-              <a:pPr algn="ctr"/>
-              <a:r>
-                <a:rPr kumimoji="1" lang="ja-JP" altLang="en-US" sz="3200" b="1" dirty="0" smtClean="0">
-                  <a:solidFill>
-                    <a:schemeClr val="bg1"/>
-                  </a:solidFill>
-                  <a:latin typeface="ＭＳ ゴシック" panose="020B0609070205080204" pitchFamily="49" charset="-128"/>
-                  <a:ea typeface="ＭＳ ゴシック" panose="020B0609070205080204" pitchFamily="49" charset="-128"/>
-                </a:rPr>
-                <a:t>プロジェクト</a:t>
-              </a:r>
-              <a:endParaRPr kumimoji="1" lang="ja-JP" altLang="en-US" sz="3200" b="1" dirty="0">
+            </a:solidFill>
+          </a:ln>
+          <a:effectLst>
+            <a:outerShdw blurRad="107950" dist="12700" dir="5400000" algn="ctr">
+              <a:srgbClr val="000000"/>
+            </a:outerShdw>
+          </a:effectLst>
+        </p:spPr>
+        <p:style>
+          <a:lnRef idx="2">
+            <a:schemeClr val="accent1">
+              <a:shade val="50000"/>
+            </a:schemeClr>
+          </a:lnRef>
+          <a:fillRef idx="1">
+            <a:schemeClr val="accent1"/>
+          </a:fillRef>
+          <a:effectRef idx="0">
+            <a:schemeClr val="accent1"/>
+          </a:effectRef>
+          <a:fontRef idx="minor">
+            <a:schemeClr val="lt1"/>
+          </a:fontRef>
+        </p:style>
+        <p:txBody>
+          <a:bodyPr rtlCol="0" anchor="ctr"/>
+          <a:lstStyle/>
+          <a:p>
+            <a:pPr algn="ctr"/>
+            <a:r>
+              <a:rPr kumimoji="1" lang="ja-JP" altLang="en-US" sz="2800" b="1" dirty="0" smtClean="0">
                 <a:solidFill>
-                  <a:schemeClr val="bg1"/>
+                  <a:schemeClr val="tx1"/>
                 </a:solidFill>
                 <a:latin typeface="ＭＳ ゴシック" panose="020B0609070205080204" pitchFamily="49" charset="-128"/>
                 <a:ea typeface="ＭＳ ゴシック" panose="020B0609070205080204" pitchFamily="49" charset="-128"/>
-              </a:endParaRPr>
-            </a:p>
-          </p:txBody>
-        </p:sp>
-        <p:sp>
-          <p:nvSpPr>
-            <p:cNvPr id="31" name="円/楕円 30"/>
-            <p:cNvSpPr/>
-            <p:nvPr/>
-          </p:nvSpPr>
-          <p:spPr>
-            <a:xfrm>
-              <a:off x="1614150" y="16750253"/>
-              <a:ext cx="2315358" cy="1548172"/>
-            </a:xfrm>
-            <a:prstGeom prst="ellipse">
-              <a:avLst/>
-            </a:prstGeom>
+              </a:rPr>
+              <a:t>チケット</a:t>
+            </a:r>
+            <a:endParaRPr kumimoji="1" lang="ja-JP" altLang="en-US" sz="2800" b="1" dirty="0">
+              <a:solidFill>
+                <a:schemeClr val="tx1"/>
+              </a:solidFill>
+              <a:latin typeface="ＭＳ ゴシック" panose="020B0609070205080204" pitchFamily="49" charset="-128"/>
+              <a:ea typeface="ＭＳ ゴシック" panose="020B0609070205080204" pitchFamily="49" charset="-128"/>
+            </a:endParaRPr>
+          </a:p>
+        </p:txBody>
+      </p:sp>
+      <p:sp>
+        <p:nvSpPr>
+          <p:cNvPr id="40" name="円/楕円 39"/>
+          <p:cNvSpPr/>
+          <p:nvPr/>
+        </p:nvSpPr>
+        <p:spPr>
+          <a:xfrm>
+            <a:off x="1548383" y="13680503"/>
+            <a:ext cx="2315358" cy="1548172"/>
+          </a:xfrm>
+          <a:prstGeom prst="ellipse">
+            <a:avLst/>
+          </a:prstGeom>
+          <a:solidFill>
+            <a:schemeClr val="bg1"/>
+          </a:solidFill>
+          <a:ln w="76200">
             <a:solidFill>
-              <a:srgbClr val="0070C0"/>
+              <a:schemeClr val="bg2">
+                <a:lumMod val="50000"/>
+              </a:schemeClr>
             </a:solidFill>
-            <a:ln>
-              <a:noFill/>
-            </a:ln>
-            <a:effectLst>
-              <a:outerShdw blurRad="107950" dist="12700" dir="5400000" algn="ctr">
-                <a:srgbClr val="000000"/>
-              </a:outerShdw>
-            </a:effectLst>
-            <a:sp3d contourW="44450" prstMaterial="matte">
-              <a:bevelT w="63500" h="63500" prst="artDeco"/>
-              <a:contourClr>
-                <a:srgbClr val="FFFFFF"/>
-              </a:contourClr>
-            </a:sp3d>
-          </p:spPr>
-          <p:style>
-            <a:lnRef idx="2">
-              <a:schemeClr val="accent1">
-                <a:shade val="50000"/>
-              </a:schemeClr>
-            </a:lnRef>
-            <a:fillRef idx="1">
-              <a:schemeClr val="accent1"/>
-            </a:fillRef>
-            <a:effectRef idx="0">
-              <a:schemeClr val="accent1"/>
-            </a:effectRef>
-            <a:fontRef idx="minor">
-              <a:schemeClr val="lt1"/>
-            </a:fontRef>
-          </p:style>
-          <p:txBody>
-            <a:bodyPr rtlCol="0" anchor="ctr"/>
-            <a:lstStyle/>
-            <a:p>
-              <a:pPr algn="ctr"/>
-              <a:r>
-                <a:rPr kumimoji="1" lang="ja-JP" altLang="en-US" sz="2800" b="1" dirty="0" smtClean="0">
-                  <a:latin typeface="ＭＳ ゴシック" panose="020B0609070205080204" pitchFamily="49" charset="-128"/>
-                  <a:ea typeface="ＭＳ ゴシック" panose="020B0609070205080204" pitchFamily="49" charset="-128"/>
-                </a:rPr>
-                <a:t>チケット</a:t>
-              </a:r>
-              <a:endParaRPr kumimoji="1" lang="ja-JP" altLang="en-US" sz="2800" b="1" dirty="0">
+          </a:ln>
+          <a:effectLst>
+            <a:outerShdw blurRad="107950" dist="12700" dir="5400000" algn="ctr">
+              <a:srgbClr val="000000"/>
+            </a:outerShdw>
+          </a:effectLst>
+        </p:spPr>
+        <p:style>
+          <a:lnRef idx="2">
+            <a:schemeClr val="accent1">
+              <a:shade val="50000"/>
+            </a:schemeClr>
+          </a:lnRef>
+          <a:fillRef idx="1">
+            <a:schemeClr val="accent1"/>
+          </a:fillRef>
+          <a:effectRef idx="0">
+            <a:schemeClr val="accent1"/>
+          </a:effectRef>
+          <a:fontRef idx="minor">
+            <a:schemeClr val="lt1"/>
+          </a:fontRef>
+        </p:style>
+        <p:txBody>
+          <a:bodyPr rtlCol="0" anchor="ctr"/>
+          <a:lstStyle/>
+          <a:p>
+            <a:pPr algn="ctr"/>
+            <a:r>
+              <a:rPr kumimoji="1" lang="ja-JP" altLang="en-US" sz="2800" b="1" dirty="0" smtClean="0">
+                <a:solidFill>
+                  <a:schemeClr val="tx1"/>
+                </a:solidFill>
                 <a:latin typeface="ＭＳ ゴシック" panose="020B0609070205080204" pitchFamily="49" charset="-128"/>
                 <a:ea typeface="ＭＳ ゴシック" panose="020B0609070205080204" pitchFamily="49" charset="-128"/>
-              </a:endParaRPr>
-            </a:p>
-          </p:txBody>
-        </p:sp>
-        <p:sp>
-          <p:nvSpPr>
-            <p:cNvPr id="40" name="円/楕円 39"/>
-            <p:cNvSpPr/>
-            <p:nvPr/>
-          </p:nvSpPr>
-          <p:spPr>
-            <a:xfrm>
-              <a:off x="1620392" y="13951855"/>
-              <a:ext cx="2315358" cy="1548172"/>
-            </a:xfrm>
-            <a:prstGeom prst="ellipse">
-              <a:avLst/>
-            </a:prstGeom>
-            <a:solidFill>
-              <a:srgbClr val="0070C0"/>
-            </a:solidFill>
-            <a:ln>
-              <a:noFill/>
-            </a:ln>
-            <a:effectLst>
-              <a:outerShdw blurRad="107950" dist="12700" dir="5400000" algn="ctr">
-                <a:srgbClr val="000000"/>
-              </a:outerShdw>
-            </a:effectLst>
-            <a:sp3d contourW="44450" prstMaterial="matte">
-              <a:bevelT w="63500" h="63500" prst="artDeco"/>
-              <a:contourClr>
-                <a:srgbClr val="FFFFFF"/>
-              </a:contourClr>
-            </a:sp3d>
-          </p:spPr>
-          <p:style>
-            <a:lnRef idx="2">
-              <a:schemeClr val="accent1">
-                <a:shade val="50000"/>
-              </a:schemeClr>
-            </a:lnRef>
-            <a:fillRef idx="1">
-              <a:schemeClr val="accent1"/>
-            </a:fillRef>
-            <a:effectRef idx="0">
-              <a:schemeClr val="accent1"/>
-            </a:effectRef>
-            <a:fontRef idx="minor">
-              <a:schemeClr val="lt1"/>
-            </a:fontRef>
-          </p:style>
-          <p:txBody>
-            <a:bodyPr rtlCol="0" anchor="ctr"/>
-            <a:lstStyle/>
-            <a:p>
-              <a:pPr algn="ctr"/>
-              <a:r>
-                <a:rPr kumimoji="1" lang="ja-JP" altLang="en-US" sz="2800" b="1" dirty="0" smtClean="0">
-                  <a:latin typeface="ＭＳ ゴシック" panose="020B0609070205080204" pitchFamily="49" charset="-128"/>
-                  <a:ea typeface="ＭＳ ゴシック" panose="020B0609070205080204" pitchFamily="49" charset="-128"/>
-                </a:rPr>
-                <a:t>チケット</a:t>
-              </a:r>
-              <a:endParaRPr kumimoji="1" lang="ja-JP" altLang="en-US" sz="2800" b="1" dirty="0">
-                <a:latin typeface="ＭＳ ゴシック" panose="020B0609070205080204" pitchFamily="49" charset="-128"/>
-                <a:ea typeface="ＭＳ ゴシック" panose="020B0609070205080204" pitchFamily="49" charset="-128"/>
-              </a:endParaRPr>
-            </a:p>
-          </p:txBody>
-        </p:sp>
-      </p:grpSp>
+              </a:rPr>
+              <a:t>チケット</a:t>
+            </a:r>
+            <a:endParaRPr kumimoji="1" lang="ja-JP" altLang="en-US" sz="2800" b="1" dirty="0">
+              <a:solidFill>
+                <a:schemeClr val="tx1"/>
+              </a:solidFill>
+              <a:latin typeface="ＭＳ ゴシック" panose="020B0609070205080204" pitchFamily="49" charset="-128"/>
+              <a:ea typeface="ＭＳ ゴシック" panose="020B0609070205080204" pitchFamily="49" charset="-128"/>
+            </a:endParaRPr>
+          </a:p>
+        </p:txBody>
+      </p:sp>
       <p:cxnSp>
         <p:nvCxnSpPr>
           <p:cNvPr id="46" name="直線矢印コネクタ 45"/>
@@ -16763,45 +16460,26 @@
             <a:avLst/>
           </a:prstGeom>
           <a:solidFill>
-            <a:srgbClr val="FF0000"/>
+            <a:schemeClr val="bg1"/>
           </a:solidFill>
-          <a:ln>
-            <a:noFill/>
+          <a:ln w="76200">
+            <a:solidFill>
+              <a:srgbClr val="FF0000"/>
+            </a:solidFill>
           </a:ln>
-          <a:effectLst>
-            <a:outerShdw blurRad="107950" dist="12700" dir="5400000" algn="ctr">
-              <a:srgbClr val="000000"/>
-            </a:outerShdw>
-          </a:effectLst>
-          <a:scene3d>
-            <a:camera prst="orthographicFront">
-              <a:rot lat="0" lon="0" rev="0"/>
-            </a:camera>
-            <a:lightRig rig="soft" dir="t">
-              <a:rot lat="0" lon="0" rev="0"/>
-            </a:lightRig>
-          </a:scene3d>
-          <a:sp3d contourW="44450" prstMaterial="matte">
-            <a:bevelT w="63500" h="63500" prst="artDeco"/>
-            <a:contourClr>
-              <a:srgbClr val="FFFFFF"/>
-            </a:contourClr>
-          </a:sp3d>
         </p:spPr>
         <p:style>
           <a:lnRef idx="2">
-            <a:schemeClr val="accent1">
-              <a:shade val="50000"/>
-            </a:schemeClr>
+            <a:schemeClr val="accent1"/>
           </a:lnRef>
           <a:fillRef idx="1">
-            <a:schemeClr val="accent1"/>
+            <a:schemeClr val="lt1"/>
           </a:fillRef>
           <a:effectRef idx="0">
             <a:schemeClr val="accent1"/>
           </a:effectRef>
           <a:fontRef idx="minor">
-            <a:schemeClr val="lt1"/>
+            <a:schemeClr val="dk1"/>
           </a:fontRef>
         </p:style>
         <p:txBody>
@@ -16811,12 +16489,18 @@
             <a:pPr algn="ctr"/>
             <a:r>
               <a:rPr kumimoji="1" lang="ja-JP" altLang="en-US" sz="3500" b="1" dirty="0" smtClean="0">
+                <a:solidFill>
+                  <a:schemeClr val="tx1"/>
+                </a:solidFill>
                 <a:latin typeface="ＭＳ ゴシック" panose="020B0609070205080204" pitchFamily="49" charset="-128"/>
                 <a:ea typeface="ＭＳ ゴシック" panose="020B0609070205080204" pitchFamily="49" charset="-128"/>
               </a:rPr>
               <a:t>プロジェクトパターン①</a:t>
             </a:r>
             <a:endParaRPr kumimoji="1" lang="ja-JP" altLang="en-US" sz="3500" b="1" dirty="0">
+              <a:solidFill>
+                <a:schemeClr val="tx1"/>
+              </a:solidFill>
               <a:latin typeface="ＭＳ ゴシック" panose="020B0609070205080204" pitchFamily="49" charset="-128"/>
               <a:ea typeface="ＭＳ ゴシック" panose="020B0609070205080204" pitchFamily="49" charset="-128"/>
             </a:endParaRPr>
@@ -16838,45 +16522,28 @@
             <a:avLst/>
           </a:prstGeom>
           <a:solidFill>
-            <a:schemeClr val="accent3"/>
+            <a:schemeClr val="bg1"/>
           </a:solidFill>
-          <a:ln>
-            <a:noFill/>
+          <a:ln w="76200">
+            <a:solidFill>
+              <a:schemeClr val="bg2">
+                <a:lumMod val="50000"/>
+              </a:schemeClr>
+            </a:solidFill>
           </a:ln>
-          <a:effectLst>
-            <a:outerShdw blurRad="107950" dist="12700" dir="5400000" algn="ctr">
-              <a:srgbClr val="000000"/>
-            </a:outerShdw>
-          </a:effectLst>
-          <a:scene3d>
-            <a:camera prst="orthographicFront">
-              <a:rot lat="0" lon="0" rev="0"/>
-            </a:camera>
-            <a:lightRig rig="soft" dir="t">
-              <a:rot lat="0" lon="0" rev="0"/>
-            </a:lightRig>
-          </a:scene3d>
-          <a:sp3d contourW="44450" prstMaterial="matte">
-            <a:bevelT w="63500" h="63500" prst="artDeco"/>
-            <a:contourClr>
-              <a:srgbClr val="FFFFFF"/>
-            </a:contourClr>
-          </a:sp3d>
         </p:spPr>
         <p:style>
           <a:lnRef idx="2">
-            <a:schemeClr val="accent1">
-              <a:shade val="50000"/>
-            </a:schemeClr>
+            <a:schemeClr val="accent1"/>
           </a:lnRef>
           <a:fillRef idx="1">
-            <a:schemeClr val="accent1"/>
+            <a:schemeClr val="lt1"/>
           </a:fillRef>
           <a:effectRef idx="0">
             <a:schemeClr val="accent1"/>
           </a:effectRef>
           <a:fontRef idx="minor">
-            <a:schemeClr val="lt1"/>
+            <a:schemeClr val="dk1"/>
           </a:fontRef>
         </p:style>
         <p:txBody>
@@ -16886,6 +16553,9 @@
             <a:pPr algn="ctr"/>
             <a:r>
               <a:rPr kumimoji="1" lang="ja-JP" altLang="en-US" sz="3500" b="1" dirty="0" smtClean="0">
+                <a:solidFill>
+                  <a:schemeClr val="tx1"/>
+                </a:solidFill>
                 <a:latin typeface="ＭＳ ゴシック" panose="020B0609070205080204" pitchFamily="49" charset="-128"/>
                 <a:ea typeface="ＭＳ ゴシック" panose="020B0609070205080204" pitchFamily="49" charset="-128"/>
               </a:rPr>
@@ -16893,12 +16563,18 @@
             </a:r>
             <a:r>
               <a:rPr kumimoji="1" lang="en-US" altLang="ja-JP" sz="3500" b="1" dirty="0" smtClean="0">
+                <a:solidFill>
+                  <a:schemeClr val="tx1"/>
+                </a:solidFill>
                 <a:latin typeface="ＭＳ ゴシック" panose="020B0609070205080204" pitchFamily="49" charset="-128"/>
                 <a:ea typeface="ＭＳ ゴシック" panose="020B0609070205080204" pitchFamily="49" charset="-128"/>
               </a:rPr>
               <a:t>…</a:t>
             </a:r>
             <a:endParaRPr kumimoji="1" lang="ja-JP" altLang="en-US" sz="3500" b="1" dirty="0">
+              <a:solidFill>
+                <a:schemeClr val="tx1"/>
+              </a:solidFill>
               <a:latin typeface="ＭＳ ゴシック" panose="020B0609070205080204" pitchFamily="49" charset="-128"/>
               <a:ea typeface="ＭＳ ゴシック" panose="020B0609070205080204" pitchFamily="49" charset="-128"/>
             </a:endParaRPr>
@@ -16920,45 +16596,26 @@
             <a:avLst/>
           </a:prstGeom>
           <a:solidFill>
-            <a:schemeClr val="accent5"/>
+            <a:schemeClr val="bg1"/>
           </a:solidFill>
-          <a:ln>
-            <a:noFill/>
+          <a:ln w="76200">
+            <a:solidFill>
+              <a:srgbClr val="FFC000"/>
+            </a:solidFill>
           </a:ln>
-          <a:effectLst>
-            <a:outerShdw blurRad="107950" dist="12700" dir="5400000" algn="ctr">
-              <a:srgbClr val="000000"/>
-            </a:outerShdw>
-          </a:effectLst>
-          <a:scene3d>
-            <a:camera prst="orthographicFront">
-              <a:rot lat="0" lon="0" rev="0"/>
-            </a:camera>
-            <a:lightRig rig="soft" dir="t">
-              <a:rot lat="0" lon="0" rev="0"/>
-            </a:lightRig>
-          </a:scene3d>
-          <a:sp3d contourW="44450" prstMaterial="matte">
-            <a:bevelT w="63500" h="63500" prst="artDeco"/>
-            <a:contourClr>
-              <a:srgbClr val="FFFFFF"/>
-            </a:contourClr>
-          </a:sp3d>
         </p:spPr>
         <p:style>
           <a:lnRef idx="2">
-            <a:schemeClr val="accent1">
-              <a:shade val="50000"/>
-            </a:schemeClr>
+            <a:schemeClr val="accent1"/>
           </a:lnRef>
           <a:fillRef idx="1">
-            <a:schemeClr val="accent1"/>
+            <a:schemeClr val="lt1"/>
           </a:fillRef>
           <a:effectRef idx="0">
             <a:schemeClr val="accent1"/>
           </a:effectRef>
           <a:fontRef idx="minor">
-            <a:schemeClr val="lt1"/>
+            <a:schemeClr val="dk1"/>
           </a:fontRef>
         </p:style>
         <p:txBody>
@@ -16968,6 +16625,9 @@
             <a:pPr algn="ctr"/>
             <a:r>
               <a:rPr kumimoji="1" lang="ja-JP" altLang="en-US" sz="3500" b="1" dirty="0" smtClean="0">
+                <a:solidFill>
+                  <a:schemeClr val="tx1"/>
+                </a:solidFill>
                 <a:latin typeface="ＭＳ ゴシック" panose="020B0609070205080204" pitchFamily="49" charset="-128"/>
                 <a:ea typeface="ＭＳ ゴシック" panose="020B0609070205080204" pitchFamily="49" charset="-128"/>
               </a:rPr>
@@ -16975,12 +16635,18 @@
             </a:r>
             <a:r>
               <a:rPr lang="ja-JP" altLang="en-US" sz="3500" b="1" dirty="0">
+                <a:solidFill>
+                  <a:schemeClr val="tx1"/>
+                </a:solidFill>
                 <a:latin typeface="ＭＳ ゴシック" panose="020B0609070205080204" pitchFamily="49" charset="-128"/>
                 <a:ea typeface="ＭＳ ゴシック" panose="020B0609070205080204" pitchFamily="49" charset="-128"/>
               </a:rPr>
               <a:t>②</a:t>
             </a:r>
             <a:endParaRPr kumimoji="1" lang="ja-JP" altLang="en-US" sz="3500" b="1" dirty="0">
+              <a:solidFill>
+                <a:schemeClr val="tx1"/>
+              </a:solidFill>
               <a:latin typeface="ＭＳ ゴシック" panose="020B0609070205080204" pitchFamily="49" charset="-128"/>
               <a:ea typeface="ＭＳ ゴシック" panose="020B0609070205080204" pitchFamily="49" charset="-128"/>
             </a:endParaRPr>
@@ -17044,53 +16710,26 @@
           <a:prstGeom prst="rect">
             <a:avLst/>
           </a:prstGeom>
-          <a:solidFill>
-            <a:schemeClr val="bg1"/>
-          </a:solidFill>
-          <a:ln>
-            <a:noFill/>
-          </a:ln>
-          <a:effectLst>
-            <a:outerShdw blurRad="107950" dist="12700" dir="5400000" algn="ctr">
-              <a:srgbClr val="000000"/>
-            </a:outerShdw>
-          </a:effectLst>
-          <a:scene3d>
-            <a:camera prst="orthographicFront">
-              <a:rot lat="0" lon="0" rev="0"/>
-            </a:camera>
-            <a:lightRig rig="soft" dir="t">
-              <a:rot lat="0" lon="0" rev="0"/>
-            </a:lightRig>
-          </a:scene3d>
-          <a:sp3d contourW="44450" prstMaterial="matte">
-            <a:bevelT w="63500" h="63500" prst="artDeco"/>
-            <a:contourClr>
-              <a:srgbClr val="FFFFFF"/>
-            </a:contourClr>
-          </a:sp3d>
+          <a:ln w="76200"/>
         </p:spPr>
         <p:style>
           <a:lnRef idx="2">
-            <a:schemeClr val="accent1">
-              <a:shade val="50000"/>
-            </a:schemeClr>
+            <a:schemeClr val="accent3"/>
           </a:lnRef>
           <a:fillRef idx="1">
-            <a:schemeClr val="accent1"/>
+            <a:schemeClr val="lt1"/>
           </a:fillRef>
           <a:effectRef idx="0">
-            <a:schemeClr val="accent1"/>
+            <a:schemeClr val="accent3"/>
           </a:effectRef>
           <a:fontRef idx="minor">
-            <a:schemeClr val="lt1"/>
+            <a:schemeClr val="dk1"/>
           </a:fontRef>
         </p:style>
         <p:txBody>
           <a:bodyPr rtlCol="0" anchor="ctr"/>
           <a:lstStyle/>
           <a:p>
-            <a:pPr algn="ctr"/>
             <a:r>
               <a:rPr lang="ja-JP" altLang="en-US" sz="3200" b="1" dirty="0" smtClean="0">
                 <a:solidFill>
@@ -17110,7 +16749,6 @@
             </a:endParaRPr>
           </a:p>
           <a:p>
-            <a:pPr algn="ctr"/>
             <a:r>
               <a:rPr lang="ja-JP" altLang="en-US" sz="3200" b="1" dirty="0" smtClean="0">
                 <a:solidFill>
@@ -17130,7 +16768,6 @@
             </a:endParaRPr>
           </a:p>
           <a:p>
-            <a:pPr algn="ctr"/>
             <a:r>
               <a:rPr lang="ja-JP" altLang="en-US" sz="3200" b="1" dirty="0" smtClean="0">
                 <a:solidFill>
@@ -17165,46 +16802,24 @@
           <a:prstGeom prst="rect">
             <a:avLst/>
           </a:prstGeom>
-          <a:solidFill>
-            <a:schemeClr val="bg1"/>
-          </a:solidFill>
-          <a:ln>
-            <a:noFill/>
+          <a:ln w="76200">
+            <a:solidFill>
+              <a:schemeClr val="tx1"/>
+            </a:solidFill>
           </a:ln>
-          <a:effectLst>
-            <a:outerShdw blurRad="107950" dist="12700" dir="5400000" algn="ctr">
-              <a:srgbClr val="000000"/>
-            </a:outerShdw>
-          </a:effectLst>
-          <a:scene3d>
-            <a:camera prst="orthographicFront">
-              <a:rot lat="0" lon="0" rev="0"/>
-            </a:camera>
-            <a:lightRig rig="soft" dir="t">
-              <a:rot lat="0" lon="0" rev="0"/>
-            </a:lightRig>
-          </a:scene3d>
-          <a:sp3d contourW="44450" prstMaterial="matte">
-            <a:bevelT w="63500" h="63500" prst="artDeco"/>
-            <a:contourClr>
-              <a:srgbClr val="FFFFFF"/>
-            </a:contourClr>
-          </a:sp3d>
         </p:spPr>
         <p:style>
           <a:lnRef idx="2">
-            <a:schemeClr val="accent1">
-              <a:shade val="50000"/>
-            </a:schemeClr>
+            <a:schemeClr val="accent3"/>
           </a:lnRef>
           <a:fillRef idx="1">
-            <a:schemeClr val="accent1"/>
+            <a:schemeClr val="lt1"/>
           </a:fillRef>
           <a:effectRef idx="0">
-            <a:schemeClr val="accent1"/>
+            <a:schemeClr val="accent3"/>
           </a:effectRef>
           <a:fontRef idx="minor">
-            <a:schemeClr val="lt1"/>
+            <a:schemeClr val="dk1"/>
           </a:fontRef>
         </p:style>
         <p:txBody>
@@ -17298,14 +16913,9 @@
             <a:chOff x="7741072" y="24645043"/>
             <a:chExt cx="12961440" cy="5256583"/>
           </a:xfrm>
-          <a:scene3d>
-            <a:camera prst="orthographicFront">
-              <a:rot lat="0" lon="0" rev="0"/>
-            </a:camera>
-            <a:lightRig rig="soft" dir="t">
-              <a:rot lat="0" lon="0" rev="0"/>
-            </a:lightRig>
-          </a:scene3d>
+          <a:solidFill>
+            <a:schemeClr val="bg1"/>
+          </a:solidFill>
         </p:grpSpPr>
         <p:sp>
           <p:nvSpPr>
@@ -17321,14 +16931,382 @@
             <a:prstGeom prst="rect">
               <a:avLst/>
             </a:prstGeom>
-            <a:ln>
-              <a:noFill/>
+            <a:grpFill/>
+            <a:ln w="101600">
+              <a:solidFill>
+                <a:schemeClr val="bg2">
+                  <a:lumMod val="50000"/>
+                </a:schemeClr>
+              </a:solidFill>
             </a:ln>
             <a:effectLst>
               <a:outerShdw blurRad="107950" dist="12700" dir="5400000" algn="ctr">
                 <a:srgbClr val="000000"/>
               </a:outerShdw>
             </a:effectLst>
+          </p:spPr>
+          <p:style>
+            <a:lnRef idx="2">
+              <a:schemeClr val="accent1">
+                <a:shade val="50000"/>
+              </a:schemeClr>
+            </a:lnRef>
+            <a:fillRef idx="1">
+              <a:schemeClr val="accent1"/>
+            </a:fillRef>
+            <a:effectRef idx="0">
+              <a:schemeClr val="accent1"/>
+            </a:effectRef>
+            <a:fontRef idx="minor">
+              <a:schemeClr val="lt1"/>
+            </a:fontRef>
+          </p:style>
+          <p:txBody>
+            <a:bodyPr rtlCol="0" anchor="ctr"/>
+            <a:lstStyle/>
+            <a:p>
+              <a:pPr algn="ctr"/>
+              <a:endParaRPr kumimoji="1" lang="ja-JP" altLang="en-US" sz="4000" dirty="0">
+                <a:solidFill>
+                  <a:sysClr val="windowText" lastClr="000000"/>
+                </a:solidFill>
+                <a:latin typeface="ＭＳ ゴシック" pitchFamily="49" charset="-128"/>
+                <a:ea typeface="ＭＳ ゴシック" pitchFamily="49" charset="-128"/>
+              </a:endParaRPr>
+            </a:p>
+          </p:txBody>
+        </p:sp>
+        <p:sp>
+          <p:nvSpPr>
+            <p:cNvPr id="43" name="正方形/長方形 42"/>
+            <p:cNvSpPr/>
+            <p:nvPr/>
+          </p:nvSpPr>
+          <p:spPr>
+            <a:xfrm>
+              <a:off x="7741072" y="24645043"/>
+              <a:ext cx="4048056" cy="1721984"/>
+            </a:xfrm>
+            <a:prstGeom prst="rect">
+              <a:avLst/>
+            </a:prstGeom>
+            <a:grpFill/>
+            <a:ln w="101600">
+              <a:solidFill>
+                <a:schemeClr val="bg2">
+                  <a:lumMod val="50000"/>
+                </a:schemeClr>
+              </a:solidFill>
+            </a:ln>
+            <a:effectLst>
+              <a:outerShdw blurRad="107950" dist="12700" dir="5400000" algn="ctr">
+                <a:srgbClr val="000000"/>
+              </a:outerShdw>
+            </a:effectLst>
+          </p:spPr>
+          <p:style>
+            <a:lnRef idx="2">
+              <a:schemeClr val="accent1">
+                <a:shade val="50000"/>
+              </a:schemeClr>
+            </a:lnRef>
+            <a:fillRef idx="1">
+              <a:schemeClr val="accent1"/>
+            </a:fillRef>
+            <a:effectRef idx="0">
+              <a:schemeClr val="accent1"/>
+            </a:effectRef>
+            <a:fontRef idx="minor">
+              <a:schemeClr val="lt1"/>
+            </a:fontRef>
+          </p:style>
+          <p:txBody>
+            <a:bodyPr rtlCol="0" anchor="ctr"/>
+            <a:lstStyle/>
+            <a:p>
+              <a:pPr algn="ctr"/>
+              <a:r>
+                <a:rPr lang="ja-JP" altLang="en-US" sz="6000" b="1" dirty="0">
+                  <a:solidFill>
+                    <a:sysClr val="windowText" lastClr="000000"/>
+                  </a:solidFill>
+                  <a:latin typeface="ＭＳ ゴシック" pitchFamily="49" charset="-128"/>
+                  <a:ea typeface="ＭＳ ゴシック" pitchFamily="49" charset="-128"/>
+                </a:rPr>
+                <a:t>進捗状況</a:t>
+              </a:r>
+              <a:endParaRPr kumimoji="1" lang="ja-JP" altLang="en-US" sz="6000" b="1" dirty="0">
+                <a:solidFill>
+                  <a:sysClr val="windowText" lastClr="000000"/>
+                </a:solidFill>
+                <a:latin typeface="ＭＳ ゴシック" pitchFamily="49" charset="-128"/>
+                <a:ea typeface="ＭＳ ゴシック" pitchFamily="49" charset="-128"/>
+              </a:endParaRPr>
+            </a:p>
+          </p:txBody>
+        </p:sp>
+      </p:grpSp>
+      <p:sp>
+        <p:nvSpPr>
+          <p:cNvPr id="26" name="正方形/長方形 25"/>
+          <p:cNvSpPr/>
+          <p:nvPr/>
+        </p:nvSpPr>
+        <p:spPr>
+          <a:xfrm>
+            <a:off x="8461152" y="26729551"/>
+            <a:ext cx="11953328" cy="2809554"/>
+          </a:xfrm>
+          <a:prstGeom prst="rect">
+            <a:avLst/>
+          </a:prstGeom>
+          <a:ln w="76200">
+            <a:solidFill>
+              <a:schemeClr val="tx1"/>
+            </a:solidFill>
+          </a:ln>
+        </p:spPr>
+        <p:style>
+          <a:lnRef idx="2">
+            <a:schemeClr val="accent3"/>
+          </a:lnRef>
+          <a:fillRef idx="1">
+            <a:schemeClr val="lt1"/>
+          </a:fillRef>
+          <a:effectRef idx="0">
+            <a:schemeClr val="accent3"/>
+          </a:effectRef>
+          <a:fontRef idx="minor">
+            <a:schemeClr val="dk1"/>
+          </a:fontRef>
+        </p:style>
+        <p:txBody>
+          <a:bodyPr rtlCol="0" anchor="ctr"/>
+          <a:lstStyle/>
+          <a:p>
+            <a:r>
+              <a:rPr lang="en-US" altLang="ja-JP" sz="3200" dirty="0" smtClean="0">
+                <a:solidFill>
+                  <a:schemeClr val="tx1"/>
+                </a:solidFill>
+                <a:latin typeface="ＭＳ ゴシック" pitchFamily="49" charset="-128"/>
+                <a:ea typeface="ＭＳ ゴシック" pitchFamily="49" charset="-128"/>
+              </a:rPr>
+              <a:t>50</a:t>
+            </a:r>
+            <a:r>
+              <a:rPr lang="ja-JP" altLang="en-US" sz="3200" dirty="0">
+                <a:solidFill>
+                  <a:schemeClr val="tx1"/>
+                </a:solidFill>
+                <a:latin typeface="ＭＳ ゴシック" pitchFamily="49" charset="-128"/>
+                <a:ea typeface="ＭＳ ゴシック" pitchFamily="49" charset="-128"/>
+              </a:rPr>
+              <a:t>件のプロジェクト</a:t>
+            </a:r>
+            <a:r>
+              <a:rPr lang="ja-JP" altLang="en-US" sz="3200" dirty="0" smtClean="0">
+                <a:solidFill>
+                  <a:schemeClr val="tx1"/>
+                </a:solidFill>
+                <a:latin typeface="ＭＳ ゴシック" pitchFamily="49" charset="-128"/>
+                <a:ea typeface="ＭＳ ゴシック" pitchFamily="49" charset="-128"/>
+              </a:rPr>
+              <a:t>の</a:t>
+            </a:r>
+            <a:r>
+              <a:rPr lang="ja-JP" altLang="en-US" sz="3200" dirty="0">
+                <a:solidFill>
+                  <a:schemeClr val="tx1"/>
+                </a:solidFill>
+                <a:latin typeface="ＭＳ ゴシック" pitchFamily="49" charset="-128"/>
+                <a:ea typeface="ＭＳ ゴシック" pitchFamily="49" charset="-128"/>
+              </a:rPr>
+              <a:t>チケット</a:t>
+            </a:r>
+            <a:r>
+              <a:rPr lang="ja-JP" altLang="en-US" sz="3200" dirty="0" smtClean="0">
+                <a:solidFill>
+                  <a:schemeClr val="tx1"/>
+                </a:solidFill>
+                <a:latin typeface="ＭＳ ゴシック" pitchFamily="49" charset="-128"/>
+                <a:ea typeface="ＭＳ ゴシック" pitchFamily="49" charset="-128"/>
+              </a:rPr>
+              <a:t>データ</a:t>
+            </a:r>
+            <a:r>
+              <a:rPr lang="ja-JP" altLang="en-US" sz="3200" dirty="0">
+                <a:solidFill>
+                  <a:schemeClr val="tx1"/>
+                </a:solidFill>
+                <a:latin typeface="ＭＳ ゴシック" pitchFamily="49" charset="-128"/>
+                <a:ea typeface="ＭＳ ゴシック" pitchFamily="49" charset="-128"/>
+              </a:rPr>
+              <a:t>を時系列解析した</a:t>
+            </a:r>
+            <a:r>
+              <a:rPr lang="ja-JP" altLang="en-US" sz="3200" dirty="0" smtClean="0">
+                <a:solidFill>
+                  <a:schemeClr val="tx1"/>
+                </a:solidFill>
+                <a:latin typeface="ＭＳ ゴシック" pitchFamily="49" charset="-128"/>
+                <a:ea typeface="ＭＳ ゴシック" pitchFamily="49" charset="-128"/>
+              </a:rPr>
+              <a:t>．</a:t>
+            </a:r>
+            <a:endParaRPr lang="en-US" altLang="ja-JP" sz="3200" dirty="0">
+              <a:solidFill>
+                <a:schemeClr val="tx1"/>
+              </a:solidFill>
+              <a:latin typeface="ＭＳ ゴシック" pitchFamily="49" charset="-128"/>
+              <a:ea typeface="ＭＳ ゴシック" pitchFamily="49" charset="-128"/>
+            </a:endParaRPr>
+          </a:p>
+          <a:p>
+            <a:r>
+              <a:rPr lang="ja-JP" altLang="en-US" sz="3200" dirty="0" smtClean="0">
+                <a:solidFill>
+                  <a:schemeClr val="tx1"/>
+                </a:solidFill>
+                <a:latin typeface="ＭＳ ゴシック" pitchFamily="49" charset="-128"/>
+                <a:ea typeface="ＭＳ ゴシック" pitchFamily="49" charset="-128"/>
+              </a:rPr>
+              <a:t>チケットの数や増加率によって分類されていることが分かった．</a:t>
+            </a:r>
+          </a:p>
+          <a:p>
+            <a:r>
+              <a:rPr lang="ja-JP" altLang="en-US" sz="3200" dirty="0" smtClean="0">
+                <a:solidFill>
+                  <a:schemeClr val="tx1"/>
+                </a:solidFill>
+                <a:latin typeface="ＭＳ ゴシック" pitchFamily="49" charset="-128"/>
+                <a:ea typeface="ＭＳ ゴシック" pitchFamily="49" charset="-128"/>
+              </a:rPr>
+              <a:t>今後は，プロジェクトのスター数や共同開発者数が分類パターンに関わっているのかを調査する．</a:t>
+            </a:r>
+            <a:endParaRPr lang="en-US" altLang="ja-JP" sz="3200" dirty="0" smtClean="0">
+              <a:solidFill>
+                <a:schemeClr val="tx1"/>
+              </a:solidFill>
+              <a:latin typeface="ＭＳ ゴシック" pitchFamily="49" charset="-128"/>
+              <a:ea typeface="ＭＳ ゴシック" pitchFamily="49" charset="-128"/>
+            </a:endParaRPr>
+          </a:p>
+        </p:txBody>
+      </p:sp>
+      <p:grpSp>
+        <p:nvGrpSpPr>
+          <p:cNvPr id="11" name="グループ化 10"/>
+          <p:cNvGrpSpPr/>
+          <p:nvPr/>
+        </p:nvGrpSpPr>
+        <p:grpSpPr>
+          <a:xfrm>
+            <a:off x="659682" y="18308339"/>
+            <a:ext cx="20042830" cy="6048672"/>
+            <a:chOff x="659682" y="18308339"/>
+            <a:chExt cx="20042830" cy="6048672"/>
+          </a:xfrm>
+          <a:solidFill>
+            <a:schemeClr val="bg1"/>
+          </a:solidFill>
+        </p:grpSpPr>
+        <p:sp>
+          <p:nvSpPr>
+            <p:cNvPr id="34" name="上矢印 33"/>
+            <p:cNvSpPr/>
+            <p:nvPr/>
+          </p:nvSpPr>
+          <p:spPr>
+            <a:xfrm>
+              <a:off x="6658645" y="18308339"/>
+              <a:ext cx="2385734" cy="2434222"/>
+            </a:xfrm>
+            <a:prstGeom prst="upArrow">
+              <a:avLst>
+                <a:gd name="adj1" fmla="val 50000"/>
+                <a:gd name="adj2" fmla="val 33782"/>
+              </a:avLst>
+            </a:prstGeom>
+            <a:grpFill/>
+            <a:ln w="101600">
+              <a:solidFill>
+                <a:schemeClr val="bg2">
+                  <a:lumMod val="50000"/>
+                </a:schemeClr>
+              </a:solidFill>
+            </a:ln>
+            <a:effectLst>
+              <a:outerShdw blurRad="107950" dist="12700" dir="5400000" algn="ctr">
+                <a:srgbClr val="000000"/>
+              </a:outerShdw>
+            </a:effectLst>
+          </p:spPr>
+          <p:style>
+            <a:lnRef idx="2">
+              <a:schemeClr val="accent1">
+                <a:shade val="50000"/>
+              </a:schemeClr>
+            </a:lnRef>
+            <a:fillRef idx="1">
+              <a:schemeClr val="accent1"/>
+            </a:fillRef>
+            <a:effectRef idx="0">
+              <a:schemeClr val="accent1"/>
+            </a:effectRef>
+            <a:fontRef idx="minor">
+              <a:schemeClr val="lt1"/>
+            </a:fontRef>
+          </p:style>
+          <p:txBody>
+            <a:bodyPr rtlCol="0" anchor="ctr"/>
+            <a:lstStyle/>
+            <a:p>
+              <a:pPr algn="ctr"/>
+              <a:endParaRPr kumimoji="1" lang="ja-JP" altLang="en-US">
+                <a:solidFill>
+                  <a:sysClr val="windowText" lastClr="000000"/>
+                </a:solidFill>
+              </a:endParaRPr>
+            </a:p>
+          </p:txBody>
+        </p:sp>
+        <p:sp>
+          <p:nvSpPr>
+            <p:cNvPr id="32" name="正方形/長方形 31"/>
+            <p:cNvSpPr/>
+            <p:nvPr/>
+          </p:nvSpPr>
+          <p:spPr>
+            <a:xfrm>
+              <a:off x="659682" y="19525450"/>
+              <a:ext cx="20042830" cy="4831561"/>
+            </a:xfrm>
+            <a:prstGeom prst="rect">
+              <a:avLst/>
+            </a:prstGeom>
+            <a:grpFill/>
+            <a:ln w="101600">
+              <a:solidFill>
+                <a:schemeClr val="bg2">
+                  <a:lumMod val="50000"/>
+                </a:schemeClr>
+              </a:solidFill>
+            </a:ln>
+            <a:effectLst>
+              <a:outerShdw blurRad="107950" dist="12700" dir="5400000" algn="ctr">
+                <a:srgbClr val="000000"/>
+              </a:outerShdw>
+            </a:effectLst>
+            <a:scene3d>
+              <a:camera prst="orthographicFront">
+                <a:rot lat="0" lon="0" rev="0"/>
+              </a:camera>
+              <a:lightRig rig="soft" dir="t">
+                <a:rot lat="0" lon="0" rev="0"/>
+              </a:lightRig>
+            </a:scene3d>
             <a:sp3d contourW="44450" prstMaterial="matte">
               <a:bevelT w="63500" h="63500" prst="artDeco"/>
               <a:contourClr>
@@ -17357,402 +17335,11 @@
             <a:lstStyle/>
             <a:p>
               <a:pPr algn="ctr"/>
-              <a:endParaRPr kumimoji="1" lang="ja-JP" altLang="en-US" sz="4000" dirty="0">
-                <a:latin typeface="ＭＳ ゴシック" pitchFamily="49" charset="-128"/>
-                <a:ea typeface="ＭＳ ゴシック" pitchFamily="49" charset="-128"/>
+              <a:endParaRPr kumimoji="1" lang="ja-JP" altLang="en-US">
+                <a:solidFill>
+                  <a:sysClr val="windowText" lastClr="000000"/>
+                </a:solidFill>
               </a:endParaRPr>
-            </a:p>
-          </p:txBody>
-        </p:sp>
-        <p:sp>
-          <p:nvSpPr>
-            <p:cNvPr id="43" name="正方形/長方形 42"/>
-            <p:cNvSpPr/>
-            <p:nvPr/>
-          </p:nvSpPr>
-          <p:spPr>
-            <a:xfrm>
-              <a:off x="7741072" y="24645043"/>
-              <a:ext cx="4048056" cy="1721984"/>
-            </a:xfrm>
-            <a:prstGeom prst="rect">
-              <a:avLst/>
-            </a:prstGeom>
-            <a:ln>
-              <a:noFill/>
-            </a:ln>
-            <a:effectLst>
-              <a:outerShdw blurRad="107950" dist="12700" dir="5400000" algn="ctr">
-                <a:srgbClr val="000000"/>
-              </a:outerShdw>
-            </a:effectLst>
-            <a:sp3d contourW="44450" prstMaterial="matte">
-              <a:bevelT w="63500" h="63500" prst="artDeco"/>
-              <a:contourClr>
-                <a:srgbClr val="FFFFFF"/>
-              </a:contourClr>
-            </a:sp3d>
-          </p:spPr>
-          <p:style>
-            <a:lnRef idx="2">
-              <a:schemeClr val="accent1">
-                <a:shade val="50000"/>
-              </a:schemeClr>
-            </a:lnRef>
-            <a:fillRef idx="1">
-              <a:schemeClr val="accent1"/>
-            </a:fillRef>
-            <a:effectRef idx="0">
-              <a:schemeClr val="accent1"/>
-            </a:effectRef>
-            <a:fontRef idx="minor">
-              <a:schemeClr val="lt1"/>
-            </a:fontRef>
-          </p:style>
-          <p:txBody>
-            <a:bodyPr rtlCol="0" anchor="ctr"/>
-            <a:lstStyle/>
-            <a:p>
-              <a:pPr algn="ctr"/>
-              <a:r>
-                <a:rPr lang="ja-JP" altLang="en-US" sz="6000" b="1" dirty="0">
-                  <a:latin typeface="ＭＳ ゴシック" pitchFamily="49" charset="-128"/>
-                  <a:ea typeface="ＭＳ ゴシック" pitchFamily="49" charset="-128"/>
-                </a:rPr>
-                <a:t>進捗状況</a:t>
-              </a:r>
-              <a:endParaRPr kumimoji="1" lang="ja-JP" altLang="en-US" sz="6000" b="1" dirty="0">
-                <a:latin typeface="ＭＳ ゴシック" pitchFamily="49" charset="-128"/>
-                <a:ea typeface="ＭＳ ゴシック" pitchFamily="49" charset="-128"/>
-              </a:endParaRPr>
-            </a:p>
-          </p:txBody>
-        </p:sp>
-      </p:grpSp>
-      <p:sp>
-        <p:nvSpPr>
-          <p:cNvPr id="26" name="正方形/長方形 25"/>
-          <p:cNvSpPr/>
-          <p:nvPr/>
-        </p:nvSpPr>
-        <p:spPr>
-          <a:xfrm>
-            <a:off x="8461152" y="26729551"/>
-            <a:ext cx="11953328" cy="2809554"/>
-          </a:xfrm>
-          <a:prstGeom prst="rect">
-            <a:avLst/>
-          </a:prstGeom>
-          <a:solidFill>
-            <a:schemeClr val="bg1"/>
-          </a:solidFill>
-          <a:ln>
-            <a:noFill/>
-          </a:ln>
-          <a:effectLst>
-            <a:outerShdw blurRad="107950" dist="12700" dir="5400000" algn="ctr">
-              <a:srgbClr val="000000"/>
-            </a:outerShdw>
-          </a:effectLst>
-          <a:scene3d>
-            <a:camera prst="orthographicFront">
-              <a:rot lat="0" lon="0" rev="0"/>
-            </a:camera>
-            <a:lightRig rig="soft" dir="t">
-              <a:rot lat="0" lon="0" rev="0"/>
-            </a:lightRig>
-          </a:scene3d>
-          <a:sp3d contourW="44450" prstMaterial="matte">
-            <a:bevelT w="63500" h="63500" prst="artDeco"/>
-            <a:contourClr>
-              <a:srgbClr val="FFFFFF"/>
-            </a:contourClr>
-          </a:sp3d>
-        </p:spPr>
-        <p:style>
-          <a:lnRef idx="2">
-            <a:schemeClr val="accent1">
-              <a:shade val="50000"/>
-            </a:schemeClr>
-          </a:lnRef>
-          <a:fillRef idx="1">
-            <a:schemeClr val="accent1"/>
-          </a:fillRef>
-          <a:effectRef idx="0">
-            <a:schemeClr val="accent1"/>
-          </a:effectRef>
-          <a:fontRef idx="minor">
-            <a:schemeClr val="lt1"/>
-          </a:fontRef>
-        </p:style>
-        <p:txBody>
-          <a:bodyPr rtlCol="0" anchor="ctr"/>
-          <a:lstStyle/>
-          <a:p>
-            <a:pPr algn="ctr"/>
-            <a:r>
-              <a:rPr lang="en-US" altLang="ja-JP" sz="3200" dirty="0" smtClean="0">
-                <a:solidFill>
-                  <a:schemeClr val="tx1"/>
-                </a:solidFill>
-                <a:latin typeface="ＭＳ ゴシック" pitchFamily="49" charset="-128"/>
-                <a:ea typeface="ＭＳ ゴシック" pitchFamily="49" charset="-128"/>
-              </a:rPr>
-              <a:t>50</a:t>
-            </a:r>
-            <a:r>
-              <a:rPr lang="ja-JP" altLang="en-US" sz="3200" dirty="0">
-                <a:solidFill>
-                  <a:schemeClr val="tx1"/>
-                </a:solidFill>
-                <a:latin typeface="ＭＳ ゴシック" pitchFamily="49" charset="-128"/>
-                <a:ea typeface="ＭＳ ゴシック" pitchFamily="49" charset="-128"/>
-              </a:rPr>
-              <a:t>件のプロジェクト</a:t>
-            </a:r>
-            <a:r>
-              <a:rPr lang="ja-JP" altLang="en-US" sz="3200" dirty="0" smtClean="0">
-                <a:solidFill>
-                  <a:schemeClr val="tx1"/>
-                </a:solidFill>
-                <a:latin typeface="ＭＳ ゴシック" pitchFamily="49" charset="-128"/>
-                <a:ea typeface="ＭＳ ゴシック" pitchFamily="49" charset="-128"/>
-              </a:rPr>
-              <a:t>の</a:t>
-            </a:r>
-            <a:r>
-              <a:rPr lang="ja-JP" altLang="en-US" sz="3200" dirty="0">
-                <a:solidFill>
-                  <a:schemeClr val="tx1"/>
-                </a:solidFill>
-                <a:latin typeface="ＭＳ ゴシック" pitchFamily="49" charset="-128"/>
-                <a:ea typeface="ＭＳ ゴシック" pitchFamily="49" charset="-128"/>
-              </a:rPr>
-              <a:t>チケット</a:t>
-            </a:r>
-            <a:r>
-              <a:rPr lang="ja-JP" altLang="en-US" sz="3200" dirty="0" smtClean="0">
-                <a:solidFill>
-                  <a:schemeClr val="tx1"/>
-                </a:solidFill>
-                <a:latin typeface="ＭＳ ゴシック" pitchFamily="49" charset="-128"/>
-                <a:ea typeface="ＭＳ ゴシック" pitchFamily="49" charset="-128"/>
-              </a:rPr>
-              <a:t>データ</a:t>
-            </a:r>
-            <a:r>
-              <a:rPr lang="ja-JP" altLang="en-US" sz="3200" dirty="0">
-                <a:solidFill>
-                  <a:schemeClr val="tx1"/>
-                </a:solidFill>
-                <a:latin typeface="ＭＳ ゴシック" pitchFamily="49" charset="-128"/>
-                <a:ea typeface="ＭＳ ゴシック" pitchFamily="49" charset="-128"/>
-              </a:rPr>
-              <a:t>を時系列解析した</a:t>
-            </a:r>
-            <a:r>
-              <a:rPr lang="ja-JP" altLang="en-US" sz="3200" dirty="0" smtClean="0">
-                <a:solidFill>
-                  <a:schemeClr val="tx1"/>
-                </a:solidFill>
-                <a:latin typeface="ＭＳ ゴシック" pitchFamily="49" charset="-128"/>
-                <a:ea typeface="ＭＳ ゴシック" pitchFamily="49" charset="-128"/>
-              </a:rPr>
-              <a:t>．</a:t>
-            </a:r>
-            <a:endParaRPr lang="en-US" altLang="ja-JP" sz="3200" dirty="0" smtClean="0">
-              <a:solidFill>
-                <a:schemeClr val="tx1"/>
-              </a:solidFill>
-              <a:latin typeface="ＭＳ ゴシック" pitchFamily="49" charset="-128"/>
-              <a:ea typeface="ＭＳ ゴシック" pitchFamily="49" charset="-128"/>
-            </a:endParaRPr>
-          </a:p>
-          <a:p>
-            <a:pPr algn="ctr"/>
-            <a:r>
-              <a:rPr lang="ja-JP" altLang="en-US" sz="3200" dirty="0" smtClean="0">
-                <a:solidFill>
-                  <a:schemeClr val="tx1"/>
-                </a:solidFill>
-                <a:latin typeface="ＭＳ ゴシック" pitchFamily="49" charset="-128"/>
-                <a:ea typeface="ＭＳ ゴシック" pitchFamily="49" charset="-128"/>
-              </a:rPr>
-              <a:t>チケットの数や増加率によって分類されていることが分かった．</a:t>
-            </a:r>
-          </a:p>
-          <a:p>
-            <a:pPr algn="ctr"/>
-            <a:r>
-              <a:rPr lang="ja-JP" altLang="en-US" sz="3200" dirty="0" smtClean="0">
-                <a:solidFill>
-                  <a:schemeClr val="tx1"/>
-                </a:solidFill>
-                <a:latin typeface="ＭＳ ゴシック" pitchFamily="49" charset="-128"/>
-                <a:ea typeface="ＭＳ ゴシック" pitchFamily="49" charset="-128"/>
-              </a:rPr>
-              <a:t>今後は，プロジェクトのスター数や共同開発者数が</a:t>
-            </a:r>
-            <a:endParaRPr lang="en-US" altLang="ja-JP" sz="3200" dirty="0" smtClean="0">
-              <a:solidFill>
-                <a:schemeClr val="tx1"/>
-              </a:solidFill>
-              <a:latin typeface="ＭＳ ゴシック" pitchFamily="49" charset="-128"/>
-              <a:ea typeface="ＭＳ ゴシック" pitchFamily="49" charset="-128"/>
-            </a:endParaRPr>
-          </a:p>
-          <a:p>
-            <a:pPr algn="ctr"/>
-            <a:r>
-              <a:rPr lang="ja-JP" altLang="en-US" sz="3200" dirty="0" smtClean="0">
-                <a:solidFill>
-                  <a:schemeClr val="tx1"/>
-                </a:solidFill>
-                <a:latin typeface="ＭＳ ゴシック" pitchFamily="49" charset="-128"/>
-                <a:ea typeface="ＭＳ ゴシック" pitchFamily="49" charset="-128"/>
-              </a:rPr>
-              <a:t>分類パターンに関わっているのかを調査する．</a:t>
-            </a:r>
-            <a:endParaRPr lang="en-US" altLang="ja-JP" sz="3200" dirty="0" smtClean="0">
-              <a:solidFill>
-                <a:schemeClr val="tx1"/>
-              </a:solidFill>
-              <a:latin typeface="ＭＳ ゴシック" pitchFamily="49" charset="-128"/>
-              <a:ea typeface="ＭＳ ゴシック" pitchFamily="49" charset="-128"/>
-            </a:endParaRPr>
-          </a:p>
-        </p:txBody>
-      </p:sp>
-      <p:grpSp>
-        <p:nvGrpSpPr>
-          <p:cNvPr id="37" name="グループ化 36"/>
-          <p:cNvGrpSpPr/>
-          <p:nvPr/>
-        </p:nvGrpSpPr>
-        <p:grpSpPr>
-          <a:xfrm>
-            <a:off x="659682" y="18308339"/>
-            <a:ext cx="20042830" cy="6048672"/>
-            <a:chOff x="659682" y="18308339"/>
-            <a:chExt cx="20042830" cy="5904656"/>
-          </a:xfrm>
-          <a:scene3d>
-            <a:camera prst="orthographicFront">
-              <a:rot lat="0" lon="0" rev="0"/>
-            </a:camera>
-            <a:lightRig rig="soft" dir="t">
-              <a:rot lat="0" lon="0" rev="0"/>
-            </a:lightRig>
-          </a:scene3d>
-        </p:grpSpPr>
-        <p:sp>
-          <p:nvSpPr>
-            <p:cNvPr id="34" name="上矢印 33"/>
-            <p:cNvSpPr/>
-            <p:nvPr/>
-          </p:nvSpPr>
-          <p:spPr>
-            <a:xfrm>
-              <a:off x="6658645" y="18308339"/>
-              <a:ext cx="2385734" cy="2376264"/>
-            </a:xfrm>
-            <a:prstGeom prst="upArrow">
-              <a:avLst>
-                <a:gd name="adj1" fmla="val 50000"/>
-                <a:gd name="adj2" fmla="val 33782"/>
-              </a:avLst>
-            </a:prstGeom>
-            <a:ln>
-              <a:noFill/>
-            </a:ln>
-            <a:effectLst>
-              <a:outerShdw blurRad="107950" dist="12700" dir="5400000" algn="ctr">
-                <a:srgbClr val="000000"/>
-              </a:outerShdw>
-            </a:effectLst>
-            <a:sp3d contourW="44450" prstMaterial="matte">
-              <a:bevelT w="63500" h="63500" prst="artDeco"/>
-              <a:contourClr>
-                <a:srgbClr val="FFFFFF"/>
-              </a:contourClr>
-            </a:sp3d>
-          </p:spPr>
-          <p:style>
-            <a:lnRef idx="2">
-              <a:schemeClr val="accent1">
-                <a:shade val="50000"/>
-              </a:schemeClr>
-            </a:lnRef>
-            <a:fillRef idx="1">
-              <a:schemeClr val="accent1"/>
-            </a:fillRef>
-            <a:effectRef idx="0">
-              <a:schemeClr val="accent1"/>
-            </a:effectRef>
-            <a:fontRef idx="minor">
-              <a:schemeClr val="lt1"/>
-            </a:fontRef>
-          </p:style>
-          <p:txBody>
-            <a:bodyPr rtlCol="0" anchor="ctr"/>
-            <a:lstStyle/>
-            <a:p>
-              <a:pPr algn="ctr"/>
-              <a:endParaRPr kumimoji="1" lang="ja-JP" altLang="en-US"/>
-            </a:p>
-          </p:txBody>
-        </p:sp>
-        <p:sp>
-          <p:nvSpPr>
-            <p:cNvPr id="32" name="正方形/長方形 31"/>
-            <p:cNvSpPr/>
-            <p:nvPr/>
-          </p:nvSpPr>
-          <p:spPr>
-            <a:xfrm>
-              <a:off x="659682" y="19496471"/>
-              <a:ext cx="20042830" cy="4716524"/>
-            </a:xfrm>
-            <a:prstGeom prst="rect">
-              <a:avLst/>
-            </a:prstGeom>
-            <a:ln>
-              <a:noFill/>
-            </a:ln>
-            <a:effectLst>
-              <a:outerShdw blurRad="107950" dist="12700" dir="5400000" algn="ctr">
-                <a:srgbClr val="000000"/>
-              </a:outerShdw>
-            </a:effectLst>
-            <a:sp3d contourW="44450" prstMaterial="matte">
-              <a:bevelT w="63500" h="63500" prst="artDeco"/>
-              <a:contourClr>
-                <a:srgbClr val="FFFFFF"/>
-              </a:contourClr>
-            </a:sp3d>
-          </p:spPr>
-          <p:style>
-            <a:lnRef idx="2">
-              <a:schemeClr val="accent1">
-                <a:shade val="50000"/>
-              </a:schemeClr>
-            </a:lnRef>
-            <a:fillRef idx="1">
-              <a:schemeClr val="accent1"/>
-            </a:fillRef>
-            <a:effectRef idx="0">
-              <a:schemeClr val="accent1"/>
-            </a:effectRef>
-            <a:fontRef idx="minor">
-              <a:schemeClr val="lt1"/>
-            </a:fontRef>
-          </p:style>
-          <p:txBody>
-            <a:bodyPr rtlCol="0" anchor="ctr"/>
-            <a:lstStyle/>
-            <a:p>
-              <a:pPr algn="ctr"/>
-              <a:endParaRPr kumimoji="1" lang="ja-JP" altLang="en-US"/>
             </a:p>
           </p:txBody>
         </p:sp>
@@ -17765,52 +17352,30 @@
         </p:nvSpPr>
         <p:spPr>
           <a:xfrm>
-            <a:off x="900312" y="20899770"/>
+            <a:off x="900312" y="20861966"/>
             <a:ext cx="5112568" cy="3237788"/>
           </a:xfrm>
           <a:prstGeom prst="rect">
             <a:avLst/>
           </a:prstGeom>
-          <a:solidFill>
-            <a:schemeClr val="bg1"/>
-          </a:solidFill>
-          <a:ln>
-            <a:noFill/>
+          <a:ln w="76200">
+            <a:solidFill>
+              <a:schemeClr val="tx1"/>
+            </a:solidFill>
           </a:ln>
-          <a:effectLst>
-            <a:outerShdw blurRad="107950" dist="12700" dir="5400000" algn="ctr">
-              <a:srgbClr val="000000"/>
-            </a:outerShdw>
-          </a:effectLst>
-          <a:scene3d>
-            <a:camera prst="orthographicFront">
-              <a:rot lat="0" lon="0" rev="0"/>
-            </a:camera>
-            <a:lightRig rig="soft" dir="t">
-              <a:rot lat="0" lon="0" rev="0"/>
-            </a:lightRig>
-          </a:scene3d>
-          <a:sp3d contourW="44450" prstMaterial="matte">
-            <a:bevelT w="63500" h="63500" prst="artDeco"/>
-            <a:contourClr>
-              <a:srgbClr val="FFFFFF"/>
-            </a:contourClr>
-          </a:sp3d>
         </p:spPr>
         <p:style>
           <a:lnRef idx="2">
-            <a:schemeClr val="accent1">
-              <a:shade val="50000"/>
-            </a:schemeClr>
+            <a:schemeClr val="accent3"/>
           </a:lnRef>
           <a:fillRef idx="1">
-            <a:schemeClr val="accent1"/>
+            <a:schemeClr val="lt1"/>
           </a:fillRef>
           <a:effectRef idx="0">
-            <a:schemeClr val="accent1"/>
+            <a:schemeClr val="accent3"/>
           </a:effectRef>
           <a:fontRef idx="minor">
-            <a:schemeClr val="lt1"/>
+            <a:schemeClr val="dk1"/>
           </a:fontRef>
         </p:style>
         <p:txBody>
@@ -17839,17 +17404,7 @@
                 <a:latin typeface="ＭＳ ゴシック" pitchFamily="49" charset="-128"/>
                 <a:ea typeface="ＭＳ ゴシック" pitchFamily="49" charset="-128"/>
               </a:rPr>
-              <a:t>内からチケットデータを抽出</a:t>
-            </a:r>
-            <a:r>
-              <a:rPr lang="ja-JP" altLang="en-US" sz="3200" dirty="0" smtClean="0">
-                <a:solidFill>
-                  <a:schemeClr val="tx1"/>
-                </a:solidFill>
-                <a:latin typeface="ＭＳ ゴシック" pitchFamily="49" charset="-128"/>
-                <a:ea typeface="ＭＳ ゴシック" pitchFamily="49" charset="-128"/>
-              </a:rPr>
-              <a:t>する</a:t>
+              <a:t>内からチケットデータを抽出する</a:t>
             </a:r>
             <a:endParaRPr lang="en-US" altLang="ja-JP" sz="3200" dirty="0" smtClean="0">
               <a:solidFill>
@@ -17869,17 +17424,7 @@
                 <a:latin typeface="ＭＳ ゴシック" pitchFamily="49" charset="-128"/>
                 <a:ea typeface="ＭＳ ゴシック" pitchFamily="49" charset="-128"/>
               </a:rPr>
-              <a:t>ツール</a:t>
-            </a:r>
-            <a:r>
-              <a:rPr lang="ja-JP" altLang="en-US" sz="3200" dirty="0" smtClean="0">
-                <a:solidFill>
-                  <a:schemeClr val="tx1"/>
-                </a:solidFill>
-                <a:latin typeface="ＭＳ ゴシック" pitchFamily="49" charset="-128"/>
-                <a:ea typeface="ＭＳ ゴシック" pitchFamily="49" charset="-128"/>
-              </a:rPr>
-              <a:t>を使用．</a:t>
+              <a:t>ツールを使用．</a:t>
             </a:r>
             <a:endParaRPr lang="en-US" altLang="ja-JP" sz="3200" dirty="0" smtClean="0">
               <a:solidFill>
@@ -17935,52 +17480,30 @@
         </p:nvSpPr>
         <p:spPr>
           <a:xfrm>
-            <a:off x="900312" y="19820507"/>
+            <a:off x="900312" y="19782703"/>
             <a:ext cx="5112568" cy="1079263"/>
           </a:xfrm>
           <a:prstGeom prst="rect">
             <a:avLst/>
           </a:prstGeom>
-          <a:solidFill>
-            <a:srgbClr val="0070C0"/>
-          </a:solidFill>
-          <a:ln>
-            <a:noFill/>
+          <a:ln w="76200">
+            <a:solidFill>
+              <a:schemeClr val="tx1"/>
+            </a:solidFill>
           </a:ln>
-          <a:effectLst>
-            <a:outerShdw blurRad="107950" dist="12700" dir="5400000" algn="ctr">
-              <a:srgbClr val="000000"/>
-            </a:outerShdw>
-          </a:effectLst>
-          <a:scene3d>
-            <a:camera prst="orthographicFront">
-              <a:rot lat="0" lon="0" rev="0"/>
-            </a:camera>
-            <a:lightRig rig="soft" dir="t">
-              <a:rot lat="0" lon="0" rev="0"/>
-            </a:lightRig>
-          </a:scene3d>
-          <a:sp3d contourW="44450" prstMaterial="matte">
-            <a:bevelT w="63500" h="63500" prst="artDeco"/>
-            <a:contourClr>
-              <a:srgbClr val="FFFFFF"/>
-            </a:contourClr>
-          </a:sp3d>
         </p:spPr>
         <p:style>
           <a:lnRef idx="2">
-            <a:schemeClr val="accent1">
-              <a:shade val="50000"/>
-            </a:schemeClr>
+            <a:schemeClr val="accent3"/>
           </a:lnRef>
           <a:fillRef idx="1">
-            <a:schemeClr val="accent1"/>
+            <a:schemeClr val="lt1"/>
           </a:fillRef>
           <a:effectRef idx="0">
-            <a:schemeClr val="accent1"/>
+            <a:schemeClr val="accent3"/>
           </a:effectRef>
           <a:fontRef idx="minor">
-            <a:schemeClr val="lt1"/>
+            <a:schemeClr val="dk1"/>
           </a:fontRef>
         </p:style>
         <p:txBody>
@@ -17990,12 +17513,18 @@
             <a:pPr algn="ctr"/>
             <a:r>
               <a:rPr lang="ja-JP" altLang="en-US" sz="4000" b="1" dirty="0">
+                <a:solidFill>
+                  <a:schemeClr val="tx1"/>
+                </a:solidFill>
                 <a:latin typeface="ＭＳ ゴシック" pitchFamily="49" charset="-128"/>
                 <a:ea typeface="ＭＳ ゴシック" pitchFamily="49" charset="-128"/>
               </a:rPr>
               <a:t>チケット収集</a:t>
             </a:r>
             <a:endParaRPr kumimoji="1" lang="ja-JP" altLang="en-US" sz="4000" b="1" dirty="0">
+              <a:solidFill>
+                <a:schemeClr val="tx1"/>
+              </a:solidFill>
               <a:latin typeface="ＭＳ ゴシック" pitchFamily="49" charset="-128"/>
               <a:ea typeface="ＭＳ ゴシック" pitchFamily="49" charset="-128"/>
             </a:endParaRPr>
@@ -18011,51 +17540,29 @@
         <p:spPr>
           <a:xfrm>
             <a:off x="6334882" y="20861967"/>
-            <a:ext cx="14007589" cy="3237788"/>
+            <a:ext cx="14007589" cy="3237787"/>
           </a:xfrm>
           <a:prstGeom prst="rect">
             <a:avLst/>
           </a:prstGeom>
-          <a:solidFill>
-            <a:schemeClr val="bg1"/>
-          </a:solidFill>
-          <a:ln>
-            <a:noFill/>
+          <a:ln w="76200">
+            <a:solidFill>
+              <a:schemeClr val="tx1"/>
+            </a:solidFill>
           </a:ln>
-          <a:effectLst>
-            <a:outerShdw blurRad="107950" dist="12700" dir="5400000" algn="ctr">
-              <a:srgbClr val="000000"/>
-            </a:outerShdw>
-          </a:effectLst>
-          <a:scene3d>
-            <a:camera prst="orthographicFront">
-              <a:rot lat="0" lon="0" rev="0"/>
-            </a:camera>
-            <a:lightRig rig="soft" dir="t">
-              <a:rot lat="0" lon="0" rev="0"/>
-            </a:lightRig>
-          </a:scene3d>
-          <a:sp3d contourW="44450" prstMaterial="matte">
-            <a:bevelT w="63500" h="63500" prst="artDeco"/>
-            <a:contourClr>
-              <a:srgbClr val="FFFFFF"/>
-            </a:contourClr>
-          </a:sp3d>
         </p:spPr>
         <p:style>
           <a:lnRef idx="2">
-            <a:schemeClr val="accent1">
-              <a:shade val="50000"/>
-            </a:schemeClr>
+            <a:schemeClr val="accent3"/>
           </a:lnRef>
           <a:fillRef idx="1">
-            <a:schemeClr val="accent1"/>
+            <a:schemeClr val="lt1"/>
           </a:fillRef>
           <a:effectRef idx="0">
-            <a:schemeClr val="accent1"/>
+            <a:schemeClr val="accent3"/>
           </a:effectRef>
           <a:fontRef idx="minor">
-            <a:schemeClr val="lt1"/>
+            <a:schemeClr val="dk1"/>
           </a:fontRef>
         </p:style>
         <p:txBody>
@@ -18193,46 +17700,24 @@
           <a:prstGeom prst="rect">
             <a:avLst/>
           </a:prstGeom>
-          <a:solidFill>
-            <a:srgbClr val="0070C0"/>
-          </a:solidFill>
-          <a:ln>
-            <a:noFill/>
+          <a:ln w="76200">
+            <a:solidFill>
+              <a:schemeClr val="tx1"/>
+            </a:solidFill>
           </a:ln>
-          <a:effectLst>
-            <a:outerShdw blurRad="107950" dist="12700" dir="5400000" algn="ctr">
-              <a:srgbClr val="000000"/>
-            </a:outerShdw>
-          </a:effectLst>
-          <a:scene3d>
-            <a:camera prst="orthographicFront">
-              <a:rot lat="0" lon="0" rev="0"/>
-            </a:camera>
-            <a:lightRig rig="soft" dir="t">
-              <a:rot lat="0" lon="0" rev="0"/>
-            </a:lightRig>
-          </a:scene3d>
-          <a:sp3d contourW="44450" prstMaterial="matte">
-            <a:bevelT w="63500" h="63500" prst="artDeco"/>
-            <a:contourClr>
-              <a:srgbClr val="FFFFFF"/>
-            </a:contourClr>
-          </a:sp3d>
         </p:spPr>
         <p:style>
           <a:lnRef idx="2">
-            <a:schemeClr val="accent1">
-              <a:shade val="50000"/>
-            </a:schemeClr>
+            <a:schemeClr val="accent3"/>
           </a:lnRef>
           <a:fillRef idx="1">
-            <a:schemeClr val="accent1"/>
+            <a:schemeClr val="lt1"/>
           </a:fillRef>
           <a:effectRef idx="0">
-            <a:schemeClr val="accent1"/>
+            <a:schemeClr val="accent3"/>
           </a:effectRef>
           <a:fontRef idx="minor">
-            <a:schemeClr val="lt1"/>
+            <a:schemeClr val="dk1"/>
           </a:fontRef>
         </p:style>
         <p:txBody>
@@ -18242,12 +17727,18 @@
             <a:pPr algn="ctr"/>
             <a:r>
               <a:rPr kumimoji="1" lang="ja-JP" altLang="en-US" sz="4000" b="1" dirty="0" smtClean="0">
+                <a:solidFill>
+                  <a:schemeClr val="tx1"/>
+                </a:solidFill>
                 <a:latin typeface="ＭＳ ゴシック" pitchFamily="49" charset="-128"/>
                 <a:ea typeface="ＭＳ ゴシック" pitchFamily="49" charset="-128"/>
               </a:rPr>
               <a:t>時系列解析</a:t>
             </a:r>
             <a:endParaRPr kumimoji="1" lang="ja-JP" altLang="en-US" sz="4000" b="1" dirty="0">
+              <a:solidFill>
+                <a:schemeClr val="tx1"/>
+              </a:solidFill>
               <a:latin typeface="ＭＳ ゴシック" pitchFamily="49" charset="-128"/>
               <a:ea typeface="ＭＳ ゴシック" pitchFamily="49" charset="-128"/>
             </a:endParaRPr>
@@ -18277,8 +17768,8 @@
         </p:blipFill>
         <p:spPr bwMode="auto">
           <a:xfrm>
-            <a:off x="14177914" y="20961612"/>
-            <a:ext cx="6164558" cy="3107367"/>
+            <a:off x="14440299" y="21000333"/>
+            <a:ext cx="5802034" cy="2924630"/>
           </a:xfrm>
           <a:prstGeom prst="rect">
             <a:avLst/>
@@ -18331,14 +17822,9 @@
             <a:chOff x="180232" y="24645043"/>
             <a:chExt cx="7272808" cy="5256583"/>
           </a:xfrm>
-          <a:scene3d>
-            <a:camera prst="orthographicFront">
-              <a:rot lat="0" lon="0" rev="0"/>
-            </a:camera>
-            <a:lightRig rig="soft" dir="t">
-              <a:rot lat="0" lon="0" rev="0"/>
-            </a:lightRig>
-          </a:scene3d>
+          <a:solidFill>
+            <a:schemeClr val="bg1"/>
+          </a:solidFill>
         </p:grpSpPr>
         <p:sp>
           <p:nvSpPr>
@@ -18354,20 +17840,19 @@
             <a:prstGeom prst="rect">
               <a:avLst/>
             </a:prstGeom>
-            <a:ln>
-              <a:noFill/>
+            <a:grpFill/>
+            <a:ln w="101600">
+              <a:solidFill>
+                <a:schemeClr val="bg2">
+                  <a:lumMod val="50000"/>
+                </a:schemeClr>
+              </a:solidFill>
             </a:ln>
             <a:effectLst>
               <a:outerShdw blurRad="107950" dist="12700" dir="5400000" algn="ctr">
                 <a:srgbClr val="000000"/>
               </a:outerShdw>
             </a:effectLst>
-            <a:sp3d contourW="44450" prstMaterial="matte">
-              <a:bevelT w="63500" h="63500" prst="artDeco"/>
-              <a:contourClr>
-                <a:srgbClr val="FFFFFF"/>
-              </a:contourClr>
-            </a:sp3d>
           </p:spPr>
           <p:style>
             <a:lnRef idx="2">
@@ -18391,6 +17876,9 @@
             <a:p>
               <a:pPr algn="ctr"/>
               <a:endParaRPr kumimoji="1" lang="ja-JP" altLang="en-US" sz="4000" dirty="0">
+                <a:solidFill>
+                  <a:sysClr val="windowText" lastClr="000000"/>
+                </a:solidFill>
                 <a:latin typeface="ＭＳ ゴシック" pitchFamily="49" charset="-128"/>
                 <a:ea typeface="ＭＳ ゴシック" pitchFamily="49" charset="-128"/>
               </a:endParaRPr>
@@ -18411,20 +17899,19 @@
             <a:prstGeom prst="rect">
               <a:avLst/>
             </a:prstGeom>
-            <a:ln>
-              <a:noFill/>
+            <a:grpFill/>
+            <a:ln w="101600">
+              <a:solidFill>
+                <a:schemeClr val="bg2">
+                  <a:lumMod val="50000"/>
+                </a:schemeClr>
+              </a:solidFill>
             </a:ln>
             <a:effectLst>
               <a:outerShdw blurRad="107950" dist="12700" dir="5400000" algn="ctr">
                 <a:srgbClr val="000000"/>
               </a:outerShdw>
             </a:effectLst>
-            <a:sp3d contourW="44450" prstMaterial="matte">
-              <a:bevelT w="63500" h="63500" prst="artDeco"/>
-              <a:contourClr>
-                <a:srgbClr val="FFFFFF"/>
-              </a:contourClr>
-            </a:sp3d>
           </p:spPr>
           <p:style>
             <a:lnRef idx="2">
@@ -18449,12 +17936,18 @@
               <a:pPr algn="ctr"/>
               <a:r>
                 <a:rPr lang="ja-JP" altLang="en-US" sz="6000" b="1" dirty="0">
+                  <a:solidFill>
+                    <a:sysClr val="windowText" lastClr="000000"/>
+                  </a:solidFill>
                   <a:latin typeface="ＭＳ ゴシック" pitchFamily="49" charset="-128"/>
                   <a:ea typeface="ＭＳ ゴシック" pitchFamily="49" charset="-128"/>
                 </a:rPr>
                 <a:t>成果物</a:t>
               </a:r>
               <a:endParaRPr kumimoji="1" lang="ja-JP" altLang="en-US" sz="6000" b="1" dirty="0">
+                <a:solidFill>
+                  <a:sysClr val="windowText" lastClr="000000"/>
+                </a:solidFill>
                 <a:latin typeface="ＭＳ ゴシック" pitchFamily="49" charset="-128"/>
                 <a:ea typeface="ＭＳ ゴシック" pitchFamily="49" charset="-128"/>
               </a:endParaRPr>
@@ -18476,53 +17969,30 @@
           <a:prstGeom prst="rect">
             <a:avLst/>
           </a:prstGeom>
-          <a:solidFill>
-            <a:schemeClr val="bg1"/>
-          </a:solidFill>
-          <a:ln>
-            <a:noFill/>
+          <a:ln w="76200">
+            <a:solidFill>
+              <a:schemeClr val="tx1"/>
+            </a:solidFill>
           </a:ln>
-          <a:effectLst>
-            <a:outerShdw blurRad="107950" dist="12700" dir="5400000" algn="ctr">
-              <a:srgbClr val="000000"/>
-            </a:outerShdw>
-          </a:effectLst>
-          <a:scene3d>
-            <a:camera prst="orthographicFront">
-              <a:rot lat="0" lon="0" rev="0"/>
-            </a:camera>
-            <a:lightRig rig="soft" dir="t">
-              <a:rot lat="0" lon="0" rev="0"/>
-            </a:lightRig>
-          </a:scene3d>
-          <a:sp3d contourW="44450" prstMaterial="matte">
-            <a:bevelT w="63500" h="63500" prst="artDeco"/>
-            <a:contourClr>
-              <a:srgbClr val="FFFFFF"/>
-            </a:contourClr>
-          </a:sp3d>
         </p:spPr>
         <p:style>
           <a:lnRef idx="2">
-            <a:schemeClr val="accent1">
-              <a:shade val="50000"/>
-            </a:schemeClr>
+            <a:schemeClr val="accent3"/>
           </a:lnRef>
           <a:fillRef idx="1">
-            <a:schemeClr val="accent1"/>
+            <a:schemeClr val="lt1"/>
           </a:fillRef>
           <a:effectRef idx="0">
-            <a:schemeClr val="accent1"/>
+            <a:schemeClr val="accent3"/>
           </a:effectRef>
           <a:fontRef idx="minor">
-            <a:schemeClr val="lt1"/>
+            <a:schemeClr val="dk1"/>
           </a:fontRef>
         </p:style>
         <p:txBody>
           <a:bodyPr rtlCol="0" anchor="ctr"/>
           <a:lstStyle/>
           <a:p>
-            <a:pPr algn="ctr"/>
             <a:r>
               <a:rPr lang="en-US" altLang="ja-JP" sz="3200" dirty="0">
                 <a:solidFill>
@@ -18551,7 +18021,37 @@
                 <a:latin typeface="ＭＳ ゴシック" pitchFamily="49" charset="-128"/>
                 <a:ea typeface="ＭＳ ゴシック" pitchFamily="49" charset="-128"/>
               </a:rPr>
-              <a:t>の</a:t>
+              <a:t>のチケットデータ</a:t>
+            </a:r>
+            <a:r>
+              <a:rPr lang="ja-JP" altLang="en-US" sz="3200" dirty="0">
+                <a:solidFill>
+                  <a:schemeClr val="tx1"/>
+                </a:solidFill>
+                <a:latin typeface="ＭＳ ゴシック" pitchFamily="49" charset="-128"/>
+                <a:ea typeface="ＭＳ ゴシック" pitchFamily="49" charset="-128"/>
+              </a:rPr>
+              <a:t>を時系列解析し</a:t>
+            </a:r>
+            <a:r>
+              <a:rPr lang="ja-JP" altLang="en-US" sz="3200" dirty="0" smtClean="0">
+                <a:solidFill>
+                  <a:schemeClr val="tx1"/>
+                </a:solidFill>
+                <a:latin typeface="ＭＳ ゴシック" pitchFamily="49" charset="-128"/>
+                <a:ea typeface="ＭＳ ゴシック" pitchFamily="49" charset="-128"/>
+              </a:rPr>
+              <a:t>，幾つ</a:t>
+            </a:r>
+            <a:r>
+              <a:rPr lang="ja-JP" altLang="en-US" sz="3200" dirty="0">
+                <a:solidFill>
+                  <a:schemeClr val="tx1"/>
+                </a:solidFill>
+                <a:latin typeface="ＭＳ ゴシック" pitchFamily="49" charset="-128"/>
+                <a:ea typeface="ＭＳ ゴシック" pitchFamily="49" charset="-128"/>
+              </a:rPr>
+              <a:t>かのパターンに分類する．</a:t>
             </a:r>
             <a:endParaRPr lang="en-US" altLang="ja-JP" sz="3200" dirty="0" smtClean="0">
               <a:solidFill>
@@ -18561,74 +18061,76 @@
               <a:ea typeface="ＭＳ ゴシック" pitchFamily="49" charset="-128"/>
             </a:endParaRPr>
           </a:p>
+        </p:txBody>
+      </p:sp>
+      <p:sp>
+        <p:nvSpPr>
+          <p:cNvPr id="3" name="テキスト ボックス 2"/>
+          <p:cNvSpPr txBox="1"/>
+          <p:nvPr/>
+        </p:nvSpPr>
+        <p:spPr>
+          <a:xfrm>
+            <a:off x="1404368" y="12971036"/>
+            <a:ext cx="2686712" cy="584775"/>
+          </a:xfrm>
+          <a:prstGeom prst="rect">
+            <a:avLst/>
+          </a:prstGeom>
+          <a:noFill/>
+        </p:spPr>
+        <p:txBody>
+          <a:bodyPr wrap="square" rtlCol="0">
+            <a:spAutoFit/>
+          </a:bodyPr>
+          <a:lstStyle/>
           <a:p>
-            <a:pPr algn="ctr"/>
-            <a:r>
-              <a:rPr lang="ja-JP" altLang="en-US" sz="3200" dirty="0" smtClean="0">
-                <a:solidFill>
-                  <a:schemeClr val="tx1"/>
-                </a:solidFill>
-                <a:latin typeface="ＭＳ ゴシック" pitchFamily="49" charset="-128"/>
-                <a:ea typeface="ＭＳ ゴシック" pitchFamily="49" charset="-128"/>
+            <a:r>
+              <a:rPr kumimoji="1" lang="ja-JP" altLang="en-US" sz="3200" b="1" dirty="0" smtClean="0">
+                <a:latin typeface="ＭＳ ゴシック" panose="020B0609070205080204" pitchFamily="49" charset="-128"/>
+                <a:ea typeface="ＭＳ ゴシック" panose="020B0609070205080204" pitchFamily="49" charset="-128"/>
               </a:rPr>
-              <a:t>チケットデータ</a:t>
-            </a:r>
-            <a:r>
-              <a:rPr lang="ja-JP" altLang="en-US" sz="3200" dirty="0">
-                <a:solidFill>
-                  <a:schemeClr val="tx1"/>
-                </a:solidFill>
-                <a:latin typeface="ＭＳ ゴシック" pitchFamily="49" charset="-128"/>
-                <a:ea typeface="ＭＳ ゴシック" pitchFamily="49" charset="-128"/>
-              </a:rPr>
-              <a:t>を時系列解析し</a:t>
-            </a:r>
-            <a:r>
-              <a:rPr lang="ja-JP" altLang="en-US" sz="3200" dirty="0" smtClean="0">
-                <a:solidFill>
-                  <a:schemeClr val="tx1"/>
-                </a:solidFill>
-                <a:latin typeface="ＭＳ ゴシック" pitchFamily="49" charset="-128"/>
-                <a:ea typeface="ＭＳ ゴシック" pitchFamily="49" charset="-128"/>
-              </a:rPr>
-              <a:t>，</a:t>
-            </a:r>
-            <a:endParaRPr lang="en-US" altLang="ja-JP" sz="3200" dirty="0" smtClean="0">
-              <a:solidFill>
-                <a:schemeClr val="tx1"/>
-              </a:solidFill>
-              <a:latin typeface="ＭＳ ゴシック" pitchFamily="49" charset="-128"/>
-              <a:ea typeface="ＭＳ ゴシック" pitchFamily="49" charset="-128"/>
+              <a:t>プロジェクト</a:t>
+            </a:r>
+            <a:endParaRPr kumimoji="1" lang="ja-JP" altLang="en-US" sz="3200" b="1" dirty="0">
+              <a:latin typeface="ＭＳ ゴシック" panose="020B0609070205080204" pitchFamily="49" charset="-128"/>
+              <a:ea typeface="ＭＳ ゴシック" panose="020B0609070205080204" pitchFamily="49" charset="-128"/>
             </a:endParaRPr>
           </a:p>
+        </p:txBody>
+      </p:sp>
+      <p:sp>
+        <p:nvSpPr>
+          <p:cNvPr id="56" name="テキスト ボックス 55"/>
+          <p:cNvSpPr txBox="1"/>
+          <p:nvPr/>
+        </p:nvSpPr>
+        <p:spPr>
+          <a:xfrm>
+            <a:off x="1404368" y="15779348"/>
+            <a:ext cx="2686712" cy="584775"/>
+          </a:xfrm>
+          <a:prstGeom prst="rect">
+            <a:avLst/>
+          </a:prstGeom>
+          <a:noFill/>
+        </p:spPr>
+        <p:txBody>
+          <a:bodyPr wrap="square" rtlCol="0">
+            <a:spAutoFit/>
+          </a:bodyPr>
+          <a:lstStyle/>
           <a:p>
-            <a:pPr algn="ctr"/>
-            <a:r>
-              <a:rPr lang="ja-JP" altLang="en-US" sz="3200" dirty="0" smtClean="0">
-                <a:solidFill>
-                  <a:schemeClr val="tx1"/>
-                </a:solidFill>
-                <a:latin typeface="ＭＳ ゴシック" pitchFamily="49" charset="-128"/>
-                <a:ea typeface="ＭＳ ゴシック" pitchFamily="49" charset="-128"/>
+            <a:r>
+              <a:rPr kumimoji="1" lang="ja-JP" altLang="en-US" sz="3200" b="1" dirty="0" smtClean="0">
+                <a:latin typeface="ＭＳ ゴシック" panose="020B0609070205080204" pitchFamily="49" charset="-128"/>
+                <a:ea typeface="ＭＳ ゴシック" panose="020B0609070205080204" pitchFamily="49" charset="-128"/>
               </a:rPr>
-              <a:t>幾つ</a:t>
-            </a:r>
-            <a:r>
-              <a:rPr lang="ja-JP" altLang="en-US" sz="3200" dirty="0">
-                <a:solidFill>
-                  <a:schemeClr val="tx1"/>
-                </a:solidFill>
-                <a:latin typeface="ＭＳ ゴシック" pitchFamily="49" charset="-128"/>
-                <a:ea typeface="ＭＳ ゴシック" pitchFamily="49" charset="-128"/>
-              </a:rPr>
-              <a:t>かのパターンに分類する．</a:t>
-            </a:r>
-            <a:endParaRPr lang="en-US" altLang="ja-JP" sz="3200" dirty="0" smtClean="0">
-              <a:solidFill>
-                <a:schemeClr val="tx1"/>
-              </a:solidFill>
-              <a:latin typeface="ＭＳ ゴシック" pitchFamily="49" charset="-128"/>
-              <a:ea typeface="ＭＳ ゴシック" pitchFamily="49" charset="-128"/>
+              <a:t>プロジェクト</a:t>
+            </a:r>
+            <a:endParaRPr kumimoji="1" lang="ja-JP" altLang="en-US" sz="3200" b="1" dirty="0">
+              <a:latin typeface="ＭＳ ゴシック" panose="020B0609070205080204" pitchFamily="49" charset="-128"/>
+              <a:ea typeface="ＭＳ ゴシック" panose="020B0609070205080204" pitchFamily="49" charset="-128"/>
             </a:endParaRPr>
           </a:p>
         </p:txBody>
